--- a/English professional/DeepLAW.pptx
+++ b/English professional/DeepLAW.pptx
@@ -5,10 +5,10 @@
     <p:sldMasterId id="2147483712" r:id="rId1"/>
   </p:sldMasterIdLst>
   <p:notesMasterIdLst>
-    <p:notesMasterId r:id="rId15"/>
+    <p:notesMasterId r:id="rId16"/>
   </p:notesMasterIdLst>
   <p:handoutMasterIdLst>
-    <p:handoutMasterId r:id="rId16"/>
+    <p:handoutMasterId r:id="rId17"/>
   </p:handoutMasterIdLst>
   <p:sldIdLst>
     <p:sldId id="257" r:id="rId2"/>
@@ -21,9 +21,10 @@
     <p:sldId id="263" r:id="rId9"/>
     <p:sldId id="264" r:id="rId10"/>
     <p:sldId id="266" r:id="rId11"/>
-    <p:sldId id="268" r:id="rId12"/>
-    <p:sldId id="269" r:id="rId13"/>
-    <p:sldId id="270" r:id="rId14"/>
+    <p:sldId id="271" r:id="rId12"/>
+    <p:sldId id="268" r:id="rId13"/>
+    <p:sldId id="269" r:id="rId14"/>
+    <p:sldId id="270" r:id="rId15"/>
   </p:sldIdLst>
   <p:sldSz cx="12192000" cy="6858000"/>
   <p:notesSz cx="6858000" cy="9144000"/>
@@ -5061,7 +5062,7 @@
             <a:pPr rtl="0"/>
             <a:r>
               <a:rPr lang="en-US" dirty="0"/>
-              <a:t>Multiple connections</a:t>
+              <a:t>HOW TO ACHIEVE THIS</a:t>
             </a:r>
             <a:endParaRPr lang="ru" dirty="0"/>
           </a:p>
@@ -5095,9 +5096,9 @@
           </a:stretch>
         </p:blipFill>
         <p:spPr bwMode="auto">
-          <a:xfrm>
-            <a:off x="4481558" y="2739394"/>
-            <a:ext cx="2358871" cy="2358871"/>
+          <a:xfrm flipH="1">
+            <a:off x="8217024" y="2668110"/>
+            <a:ext cx="3060576" cy="3060576"/>
           </a:xfrm>
           <a:prstGeom prst="rect">
             <a:avLst/>
@@ -5116,10 +5117,10 @@
       </p:pic>
       <p:pic>
         <p:nvPicPr>
-          <p:cNvPr id="7174" name="Picture 6" descr="Smartphone - Free technology icons">
+          <p:cNvPr id="1028" name="Picture 4" descr="Law book - Free security icons">
             <a:extLst>
               <a:ext uri="{FF2B5EF4-FFF2-40B4-BE49-F238E27FC236}">
-                <a16:creationId xmlns:a16="http://schemas.microsoft.com/office/drawing/2014/main" id="{5FB4FBFF-973E-40DB-917B-F92D70113CED}"/>
+                <a16:creationId xmlns:a16="http://schemas.microsoft.com/office/drawing/2014/main" id="{910EF240-B033-4D96-8A3A-06D14A052C60}"/>
               </a:ext>
             </a:extLst>
           </p:cNvPr>
@@ -5143,8 +5144,8 @@
         </p:blipFill>
         <p:spPr bwMode="auto">
           <a:xfrm>
-            <a:off x="802900" y="2240951"/>
-            <a:ext cx="3195232" cy="3195232"/>
+            <a:off x="710214" y="2668110"/>
+            <a:ext cx="3060576" cy="3060576"/>
           </a:xfrm>
           <a:prstGeom prst="rect">
             <a:avLst/>
@@ -5163,10 +5164,10 @@
       </p:pic>
       <p:pic>
         <p:nvPicPr>
-          <p:cNvPr id="7176" name="Picture 8" descr="Website - Free computer icons">
+          <p:cNvPr id="1030" name="Picture 6" descr="Artificial Intelligence Svg Png Icon Free Download (#535483) -  OnlineWebFonts.COM">
             <a:extLst>
               <a:ext uri="{FF2B5EF4-FFF2-40B4-BE49-F238E27FC236}">
-                <a16:creationId xmlns:a16="http://schemas.microsoft.com/office/drawing/2014/main" id="{05088306-C724-40B6-97BC-7CEEF3F78D5A}"/>
+                <a16:creationId xmlns:a16="http://schemas.microsoft.com/office/drawing/2014/main" id="{01C1F0C2-C575-41CF-A820-0AAC98F7C189}"/>
               </a:ext>
             </a:extLst>
           </p:cNvPr>
@@ -5190,8 +5191,8 @@
         </p:blipFill>
         <p:spPr bwMode="auto">
           <a:xfrm>
-            <a:off x="8167456" y="2240951"/>
-            <a:ext cx="3355759" cy="3355759"/>
+            <a:off x="4838006" y="2907807"/>
+            <a:ext cx="2143125" cy="2143125"/>
           </a:xfrm>
           <a:prstGeom prst="rect">
             <a:avLst/>
@@ -5210,100 +5211,116 @@
       </p:pic>
       <p:sp>
         <p:nvSpPr>
-          <p:cNvPr id="10" name="Стрелка: влево-вправо 9">
+          <p:cNvPr id="5" name="TextBox 4">
             <a:extLst>
               <a:ext uri="{FF2B5EF4-FFF2-40B4-BE49-F238E27FC236}">
-                <a16:creationId xmlns:a16="http://schemas.microsoft.com/office/drawing/2014/main" id="{170596DA-9540-47E2-A809-EA9D89718EC8}"/>
+                <a16:creationId xmlns:a16="http://schemas.microsoft.com/office/drawing/2014/main" id="{E24E96B1-1F9E-4645-9A0A-E8804FC793A4}"/>
               </a:ext>
             </a:extLst>
           </p:cNvPr>
-          <p:cNvSpPr/>
+          <p:cNvSpPr txBox="1"/>
           <p:nvPr/>
         </p:nvSpPr>
         <p:spPr>
           <a:xfrm>
-            <a:off x="7073091" y="3563359"/>
-            <a:ext cx="690616" cy="275208"/>
-          </a:xfrm>
-          <a:prstGeom prst="leftRightArrow">
+            <a:off x="5369548" y="5304946"/>
+            <a:ext cx="1080039" cy="523220"/>
+          </a:xfrm>
+          <a:prstGeom prst="rect">
             <a:avLst/>
           </a:prstGeom>
-        </p:spPr>
-        <p:style>
-          <a:lnRef idx="2">
-            <a:schemeClr val="accent1">
-              <a:shade val="50000"/>
-            </a:schemeClr>
-          </a:lnRef>
-          <a:fillRef idx="1">
-            <a:schemeClr val="accent1"/>
-          </a:fillRef>
-          <a:effectRef idx="0">
-            <a:schemeClr val="accent1"/>
-          </a:effectRef>
-          <a:fontRef idx="minor">
-            <a:schemeClr val="lt1"/>
-          </a:fontRef>
-        </p:style>
-        <p:txBody>
-          <a:bodyPr rtlCol="0" anchor="ctr"/>
+          <a:noFill/>
+        </p:spPr>
+        <p:txBody>
+          <a:bodyPr wrap="none" rtlCol="0">
+            <a:spAutoFit/>
+          </a:bodyPr>
           <a:lstStyle/>
           <a:p>
-            <a:pPr algn="ctr"/>
-            <a:endParaRPr lang="ru-RU"/>
-          </a:p>
-        </p:txBody>
-      </p:sp>
-      <p:sp>
-        <p:nvSpPr>
-          <p:cNvPr id="11" name="Стрелка: влево-вправо 10">
+            <a:r>
+              <a:rPr lang="en-US" sz="2800" dirty="0"/>
+              <a:t>GPT-3</a:t>
+            </a:r>
+            <a:endParaRPr lang="ru-RU" sz="2800" dirty="0"/>
+          </a:p>
+        </p:txBody>
+      </p:sp>
+      <p:sp>
+        <p:nvSpPr>
+          <p:cNvPr id="10" name="TextBox 9">
             <a:extLst>
               <a:ext uri="{FF2B5EF4-FFF2-40B4-BE49-F238E27FC236}">
-                <a16:creationId xmlns:a16="http://schemas.microsoft.com/office/drawing/2014/main" id="{CFD22FCA-390E-4B61-A91F-772AC2E2CD70}"/>
+                <a16:creationId xmlns:a16="http://schemas.microsoft.com/office/drawing/2014/main" id="{D864AB57-C706-4553-A100-18FDCD111518}"/>
               </a:ext>
             </a:extLst>
           </p:cNvPr>
-          <p:cNvSpPr/>
+          <p:cNvSpPr txBox="1"/>
           <p:nvPr/>
         </p:nvSpPr>
         <p:spPr>
           <a:xfrm>
-            <a:off x="3589068" y="3549017"/>
-            <a:ext cx="690616" cy="275208"/>
-          </a:xfrm>
-          <a:prstGeom prst="leftRightArrow">
+            <a:off x="3892073" y="3563870"/>
+            <a:ext cx="545342" cy="830997"/>
+          </a:xfrm>
+          <a:prstGeom prst="rect">
             <a:avLst/>
           </a:prstGeom>
-        </p:spPr>
-        <p:style>
-          <a:lnRef idx="2">
-            <a:schemeClr val="accent1">
-              <a:shade val="50000"/>
-            </a:schemeClr>
-          </a:lnRef>
-          <a:fillRef idx="1">
-            <a:schemeClr val="accent1"/>
-          </a:fillRef>
-          <a:effectRef idx="0">
-            <a:schemeClr val="accent1"/>
-          </a:effectRef>
-          <a:fontRef idx="minor">
-            <a:schemeClr val="lt1"/>
-          </a:fontRef>
-        </p:style>
-        <p:txBody>
-          <a:bodyPr rtlCol="0" anchor="ctr"/>
+          <a:noFill/>
+        </p:spPr>
+        <p:txBody>
+          <a:bodyPr wrap="none" rtlCol="0">
+            <a:spAutoFit/>
+          </a:bodyPr>
           <a:lstStyle/>
           <a:p>
-            <a:pPr algn="ctr"/>
-            <a:endParaRPr lang="ru-RU"/>
+            <a:r>
+              <a:rPr lang="en-US" sz="4800" dirty="0"/>
+              <a:t>+</a:t>
+            </a:r>
+            <a:endParaRPr lang="ru-RU" sz="4800" dirty="0"/>
+          </a:p>
+        </p:txBody>
+      </p:sp>
+      <p:sp>
+        <p:nvSpPr>
+          <p:cNvPr id="12" name="TextBox 11">
+            <a:extLst>
+              <a:ext uri="{FF2B5EF4-FFF2-40B4-BE49-F238E27FC236}">
+                <a16:creationId xmlns:a16="http://schemas.microsoft.com/office/drawing/2014/main" id="{262FCE28-3C3B-412C-B984-B6C802A14713}"/>
+              </a:ext>
+            </a:extLst>
+          </p:cNvPr>
+          <p:cNvSpPr txBox="1"/>
+          <p:nvPr/>
+        </p:nvSpPr>
+        <p:spPr>
+          <a:xfrm>
+            <a:off x="7326406" y="3563869"/>
+            <a:ext cx="545342" cy="830997"/>
+          </a:xfrm>
+          <a:prstGeom prst="rect">
+            <a:avLst/>
+          </a:prstGeom>
+          <a:noFill/>
+        </p:spPr>
+        <p:txBody>
+          <a:bodyPr wrap="none" rtlCol="0">
+            <a:spAutoFit/>
+          </a:bodyPr>
+          <a:lstStyle/>
+          <a:p>
+            <a:r>
+              <a:rPr lang="en-US" sz="4800" dirty="0"/>
+              <a:t>=</a:t>
+            </a:r>
+            <a:endParaRPr lang="ru-RU" sz="4800" dirty="0"/>
           </a:p>
         </p:txBody>
       </p:sp>
     </p:spTree>
     <p:extLst>
       <p:ext uri="{BB962C8B-B14F-4D97-AF65-F5344CB8AC3E}">
-        <p14:creationId xmlns:p14="http://schemas.microsoft.com/office/powerpoint/2010/main" val="2665666378"/>
+        <p14:creationId xmlns:p14="http://schemas.microsoft.com/office/powerpoint/2010/main" val="2837816414"/>
       </p:ext>
     </p:extLst>
   </p:cSld>
@@ -5354,7 +5371,7 @@
             <a:pPr rtl="0"/>
             <a:r>
               <a:rPr lang="en-US" dirty="0"/>
-              <a:t>Possible users</a:t>
+              <a:t>Multiple connections</a:t>
             </a:r>
             <a:endParaRPr lang="ru" dirty="0"/>
           </a:p>
@@ -5409,10 +5426,10 @@
       </p:pic>
       <p:pic>
         <p:nvPicPr>
-          <p:cNvPr id="8194" name="Picture 2" descr="Old Icon of Glyph style - Available in SVG, PNG, EPS, AI &amp; Icon fonts">
+          <p:cNvPr id="7174" name="Picture 6" descr="Smartphone - Free technology icons">
             <a:extLst>
               <a:ext uri="{FF2B5EF4-FFF2-40B4-BE49-F238E27FC236}">
-                <a16:creationId xmlns:a16="http://schemas.microsoft.com/office/drawing/2014/main" id="{319CABE0-A0E8-43FC-BC79-8DD931C4DE8F}"/>
+                <a16:creationId xmlns:a16="http://schemas.microsoft.com/office/drawing/2014/main" id="{5FB4FBFF-973E-40DB-917B-F92D70113CED}"/>
               </a:ext>
             </a:extLst>
           </p:cNvPr>
@@ -5436,8 +5453,8 @@
         </p:blipFill>
         <p:spPr bwMode="auto">
           <a:xfrm>
-            <a:off x="1225119" y="4127376"/>
-            <a:ext cx="2592279" cy="2592279"/>
+            <a:off x="802900" y="2240951"/>
+            <a:ext cx="3195232" cy="3195232"/>
           </a:xfrm>
           <a:prstGeom prst="rect">
             <a:avLst/>
@@ -5456,10 +5473,10 @@
       </p:pic>
       <p:pic>
         <p:nvPicPr>
-          <p:cNvPr id="8200" name="Picture 8" descr="Icon request: Government · Issue #2440 · FortAwesome/Font-Awesome · GitHub">
+          <p:cNvPr id="7176" name="Picture 8" descr="Website - Free computer icons">
             <a:extLst>
               <a:ext uri="{FF2B5EF4-FFF2-40B4-BE49-F238E27FC236}">
-                <a16:creationId xmlns:a16="http://schemas.microsoft.com/office/drawing/2014/main" id="{9FB4D969-F5D2-4EBE-840D-F8C1407E7BE2}"/>
+                <a16:creationId xmlns:a16="http://schemas.microsoft.com/office/drawing/2014/main" id="{05088306-C724-40B6-97BC-7CEEF3F78D5A}"/>
               </a:ext>
             </a:extLst>
           </p:cNvPr>
@@ -5483,8 +5500,8 @@
         </p:blipFill>
         <p:spPr bwMode="auto">
           <a:xfrm>
-            <a:off x="8011356" y="3737499"/>
-            <a:ext cx="3076113" cy="3076113"/>
+            <a:off x="8167456" y="2240951"/>
+            <a:ext cx="3355759" cy="3355759"/>
           </a:xfrm>
           <a:prstGeom prst="rect">
             <a:avLst/>
@@ -5501,134 +5518,102 @@
           </a:extLst>
         </p:spPr>
       </p:pic>
-      <p:pic>
-        <p:nvPicPr>
-          <p:cNvPr id="8202" name="Picture 10" descr="Lawyer Icon Png #107416 - Free Icons Library">
+      <p:sp>
+        <p:nvSpPr>
+          <p:cNvPr id="10" name="Стрелка: влево-вправо 9">
             <a:extLst>
               <a:ext uri="{FF2B5EF4-FFF2-40B4-BE49-F238E27FC236}">
-                <a16:creationId xmlns:a16="http://schemas.microsoft.com/office/drawing/2014/main" id="{6F48835B-80A7-4C16-B211-DF7244AE89FA}"/>
+                <a16:creationId xmlns:a16="http://schemas.microsoft.com/office/drawing/2014/main" id="{170596DA-9540-47E2-A809-EA9D89718EC8}"/>
               </a:ext>
             </a:extLst>
           </p:cNvPr>
-          <p:cNvPicPr>
-            <a:picLocks noChangeAspect="1" noChangeArrowheads="1"/>
-          </p:cNvPicPr>
+          <p:cNvSpPr/>
           <p:nvPr/>
-        </p:nvPicPr>
-        <p:blipFill>
-          <a:blip r:embed="rId5">
-            <a:extLst>
-              <a:ext uri="{28A0092B-C50C-407E-A947-70E740481C1C}">
-                <a14:useLocalDpi xmlns:a14="http://schemas.microsoft.com/office/drawing/2010/main" val="0"/>
-              </a:ext>
-            </a:extLst>
-          </a:blip>
-          <a:srcRect/>
-          <a:stretch>
-            <a:fillRect/>
-          </a:stretch>
-        </p:blipFill>
-        <p:spPr bwMode="auto">
-          <a:xfrm>
-            <a:off x="8135643" y="1094841"/>
-            <a:ext cx="2358870" cy="2358870"/>
-          </a:xfrm>
-          <a:prstGeom prst="rect">
+        </p:nvSpPr>
+        <p:spPr>
+          <a:xfrm>
+            <a:off x="7073091" y="3563359"/>
+            <a:ext cx="690616" cy="275208"/>
+          </a:xfrm>
+          <a:prstGeom prst="leftRightArrow">
             <a:avLst/>
           </a:prstGeom>
-          <a:noFill/>
-          <a:extLst>
-            <a:ext uri="{909E8E84-426E-40DD-AFC4-6F175D3DCCD1}">
-              <a14:hiddenFill xmlns:a14="http://schemas.microsoft.com/office/drawing/2010/main">
-                <a:solidFill>
-                  <a:srgbClr val="FFFFFF"/>
-                </a:solidFill>
-              </a14:hiddenFill>
-            </a:ext>
-          </a:extLst>
-        </p:spPr>
-      </p:pic>
-      <p:pic>
-        <p:nvPicPr>
-          <p:cNvPr id="5" name="Рисунок 4">
+        </p:spPr>
+        <p:style>
+          <a:lnRef idx="2">
+            <a:schemeClr val="accent1">
+              <a:shade val="50000"/>
+            </a:schemeClr>
+          </a:lnRef>
+          <a:fillRef idx="1">
+            <a:schemeClr val="accent1"/>
+          </a:fillRef>
+          <a:effectRef idx="0">
+            <a:schemeClr val="accent1"/>
+          </a:effectRef>
+          <a:fontRef idx="minor">
+            <a:schemeClr val="lt1"/>
+          </a:fontRef>
+        </p:style>
+        <p:txBody>
+          <a:bodyPr rtlCol="0" anchor="ctr"/>
+          <a:lstStyle/>
+          <a:p>
+            <a:pPr algn="ctr"/>
+            <a:endParaRPr lang="ru-RU"/>
+          </a:p>
+        </p:txBody>
+      </p:sp>
+      <p:sp>
+        <p:nvSpPr>
+          <p:cNvPr id="11" name="Стрелка: влево-вправо 10">
             <a:extLst>
               <a:ext uri="{FF2B5EF4-FFF2-40B4-BE49-F238E27FC236}">
-                <a16:creationId xmlns:a16="http://schemas.microsoft.com/office/drawing/2014/main" id="{49C92008-C3E9-42D8-85A0-4DA4A70CC2EA}"/>
+                <a16:creationId xmlns:a16="http://schemas.microsoft.com/office/drawing/2014/main" id="{CFD22FCA-390E-4B61-A91F-772AC2E2CD70}"/>
               </a:ext>
             </a:extLst>
           </p:cNvPr>
-          <p:cNvPicPr>
-            <a:picLocks noChangeAspect="1"/>
-          </p:cNvPicPr>
+          <p:cNvSpPr/>
           <p:nvPr/>
-        </p:nvPicPr>
-        <p:blipFill>
-          <a:blip r:embed="rId6"/>
-          <a:stretch>
-            <a:fillRect/>
-          </a:stretch>
-        </p:blipFill>
+        </p:nvSpPr>
         <p:spPr>
           <a:xfrm>
-            <a:off x="2521258" y="2072740"/>
-            <a:ext cx="2058344" cy="2054636"/>
-          </a:xfrm>
-          <a:prstGeom prst="rect">
+            <a:off x="3589068" y="3549017"/>
+            <a:ext cx="690616" cy="275208"/>
+          </a:xfrm>
+          <a:prstGeom prst="leftRightArrow">
             <a:avLst/>
           </a:prstGeom>
         </p:spPr>
-      </p:pic>
-      <p:pic>
-        <p:nvPicPr>
-          <p:cNvPr id="8204" name="Picture 12" descr="Teenager Svg Png Icon Free Download (#426166) - OnlineWebFonts.COM">
-            <a:extLst>
-              <a:ext uri="{FF2B5EF4-FFF2-40B4-BE49-F238E27FC236}">
-                <a16:creationId xmlns:a16="http://schemas.microsoft.com/office/drawing/2014/main" id="{C015BDFA-09C5-4373-970E-FA9871BA9947}"/>
-              </a:ext>
-            </a:extLst>
-          </p:cNvPr>
-          <p:cNvPicPr>
-            <a:picLocks noChangeAspect="1" noChangeArrowheads="1"/>
-          </p:cNvPicPr>
-          <p:nvPr/>
-        </p:nvPicPr>
-        <p:blipFill>
-          <a:blip r:embed="rId7">
-            <a:extLst>
-              <a:ext uri="{28A0092B-C50C-407E-A947-70E740481C1C}">
-                <a14:useLocalDpi xmlns:a14="http://schemas.microsoft.com/office/drawing/2010/main" val="0"/>
-              </a:ext>
-            </a:extLst>
-          </a:blip>
-          <a:srcRect/>
-          <a:stretch>
-            <a:fillRect/>
-          </a:stretch>
-        </p:blipFill>
-        <p:spPr bwMode="auto">
-          <a:xfrm>
-            <a:off x="260431" y="2072740"/>
-            <a:ext cx="2143125" cy="2143125"/>
-          </a:xfrm>
-          <a:prstGeom prst="rect">
-            <a:avLst/>
-          </a:prstGeom>
-          <a:noFill/>
-          <a:extLst>
-            <a:ext uri="{909E8E84-426E-40DD-AFC4-6F175D3DCCD1}">
-              <a14:hiddenFill xmlns:a14="http://schemas.microsoft.com/office/drawing/2010/main">
-                <a:solidFill>
-                  <a:srgbClr val="FFFFFF"/>
-                </a:solidFill>
-              </a14:hiddenFill>
-            </a:ext>
-          </a:extLst>
-        </p:spPr>
-      </p:pic>
+        <p:style>
+          <a:lnRef idx="2">
+            <a:schemeClr val="accent1">
+              <a:shade val="50000"/>
+            </a:schemeClr>
+          </a:lnRef>
+          <a:fillRef idx="1">
+            <a:schemeClr val="accent1"/>
+          </a:fillRef>
+          <a:effectRef idx="0">
+            <a:schemeClr val="accent1"/>
+          </a:effectRef>
+          <a:fontRef idx="minor">
+            <a:schemeClr val="lt1"/>
+          </a:fontRef>
+        </p:style>
+        <p:txBody>
+          <a:bodyPr rtlCol="0" anchor="ctr"/>
+          <a:lstStyle/>
+          <a:p>
+            <a:pPr algn="ctr"/>
+            <a:endParaRPr lang="ru-RU"/>
+          </a:p>
+        </p:txBody>
+      </p:sp>
     </p:spTree>
     <p:extLst>
       <p:ext uri="{BB962C8B-B14F-4D97-AF65-F5344CB8AC3E}">
-        <p14:creationId xmlns:p14="http://schemas.microsoft.com/office/powerpoint/2010/main" val="273247601"/>
+        <p14:creationId xmlns:p14="http://schemas.microsoft.com/office/powerpoint/2010/main" val="2665666378"/>
       </p:ext>
     </p:extLst>
   </p:cSld>
@@ -5660,7 +5645,7 @@
           <p:cNvPr id="2" name="Заголовок 1">
             <a:extLst>
               <a:ext uri="{FF2B5EF4-FFF2-40B4-BE49-F238E27FC236}">
-                <a16:creationId xmlns:a16="http://schemas.microsoft.com/office/drawing/2014/main" id="{1C21E816-31F5-48BB-BD02-D15F2F18B48A}"/>
+                <a16:creationId xmlns:a16="http://schemas.microsoft.com/office/drawing/2014/main" id="{5E562972-3449-42D1-8185-B4BEFD52AB44}"/>
               </a:ext>
             </a:extLst>
           </p:cNvPr>
@@ -5668,71 +5653,29 @@
             <a:spLocks noGrp="1"/>
           </p:cNvSpPr>
           <p:nvPr>
-            <p:ph type="ctrTitle"/>
-          </p:nvPr>
-        </p:nvSpPr>
-        <p:spPr>
-          <a:xfrm>
-            <a:off x="599225" y="839416"/>
-            <a:ext cx="10993549" cy="1475013"/>
-          </a:xfrm>
-        </p:spPr>
-        <p:txBody>
-          <a:bodyPr rtlCol="0">
-            <a:normAutofit/>
-          </a:bodyPr>
+            <p:ph type="title"/>
+          </p:nvPr>
+        </p:nvSpPr>
+        <p:spPr/>
+        <p:txBody>
+          <a:bodyPr rtlCol="0"/>
           <a:lstStyle/>
           <a:p>
             <a:pPr rtl="0"/>
             <a:r>
-              <a:rPr lang="en-US" sz="6000" cap="none" dirty="0" err="1"/>
-              <a:t>DeepLAW</a:t>
-            </a:r>
-            <a:endParaRPr lang="ru" sz="6000" cap="none" dirty="0"/>
+              <a:rPr lang="en-US" dirty="0"/>
+              <a:t>Possible users</a:t>
+            </a:r>
+            <a:endParaRPr lang="ru" dirty="0"/>
           </a:p>
         </p:txBody>
       </p:sp>
       <p:pic>
         <p:nvPicPr>
-          <p:cNvPr id="6" name="Рисунок 5" descr="Крупный план логотипа&#10;&#10;Автоматически созданное описание">
+          <p:cNvPr id="6152" name="Picture 8" descr="AI - Free computer icons">
             <a:extLst>
               <a:ext uri="{FF2B5EF4-FFF2-40B4-BE49-F238E27FC236}">
-                <a16:creationId xmlns:a16="http://schemas.microsoft.com/office/drawing/2014/main" id="{F1A8C364-94D4-4630-BAD0-78722F347055}"/>
-              </a:ext>
-            </a:extLst>
-          </p:cNvPr>
-          <p:cNvPicPr>
-            <a:picLocks noChangeAspect="1"/>
-          </p:cNvPicPr>
-          <p:nvPr/>
-        </p:nvPicPr>
-        <p:blipFill rotWithShape="1">
-          <a:blip r:embed="rId2" cstate="hqprint">
-            <a:extLst>
-              <a:ext uri="{28A0092B-C50C-407E-A947-70E740481C1C}">
-                <a14:useLocalDpi xmlns:a14="http://schemas.microsoft.com/office/drawing/2010/main" val="0"/>
-              </a:ext>
-            </a:extLst>
-          </a:blip>
-          <a:srcRect/>
-          <a:stretch/>
-        </p:blipFill>
-        <p:spPr>
-          <a:xfrm>
-            <a:off x="448733" y="3081867"/>
-            <a:ext cx="11260667" cy="3310466"/>
-          </a:xfrm>
-          <a:prstGeom prst="rect">
-            <a:avLst/>
-          </a:prstGeom>
-        </p:spPr>
-      </p:pic>
-      <p:pic>
-        <p:nvPicPr>
-          <p:cNvPr id="3" name="Picture 8" descr="AI - Free computer icons">
-            <a:extLst>
-              <a:ext uri="{FF2B5EF4-FFF2-40B4-BE49-F238E27FC236}">
-                <a16:creationId xmlns:a16="http://schemas.microsoft.com/office/drawing/2014/main" id="{9BF3AF61-3892-40E5-9522-56975C1AC025}"/>
+                <a16:creationId xmlns:a16="http://schemas.microsoft.com/office/drawing/2014/main" id="{0FC55A28-0559-47AD-9368-02DFC06D8759}"/>
               </a:ext>
             </a:extLst>
           </p:cNvPr>
@@ -5742,7 +5685,7 @@
           <p:nvPr/>
         </p:nvPicPr>
         <p:blipFill>
-          <a:blip r:embed="rId3">
+          <a:blip r:embed="rId2">
             <a:extLst>
               <a:ext uri="{28A0092B-C50C-407E-A947-70E740481C1C}">
                 <a14:useLocalDpi xmlns:a14="http://schemas.microsoft.com/office/drawing/2010/main" val="0"/>
@@ -5755,8 +5698,8 @@
           </a:stretch>
         </p:blipFill>
         <p:spPr bwMode="auto">
-          <a:xfrm flipH="1">
-            <a:off x="8769473" y="658400"/>
+          <a:xfrm>
+            <a:off x="4481558" y="2739394"/>
             <a:ext cx="2358871" cy="2358871"/>
           </a:xfrm>
           <a:prstGeom prst="rect">
@@ -5774,6 +5717,373 @@
           </a:extLst>
         </p:spPr>
       </p:pic>
+      <p:pic>
+        <p:nvPicPr>
+          <p:cNvPr id="8194" name="Picture 2" descr="Old Icon of Glyph style - Available in SVG, PNG, EPS, AI &amp; Icon fonts">
+            <a:extLst>
+              <a:ext uri="{FF2B5EF4-FFF2-40B4-BE49-F238E27FC236}">
+                <a16:creationId xmlns:a16="http://schemas.microsoft.com/office/drawing/2014/main" id="{319CABE0-A0E8-43FC-BC79-8DD931C4DE8F}"/>
+              </a:ext>
+            </a:extLst>
+          </p:cNvPr>
+          <p:cNvPicPr>
+            <a:picLocks noChangeAspect="1" noChangeArrowheads="1"/>
+          </p:cNvPicPr>
+          <p:nvPr/>
+        </p:nvPicPr>
+        <p:blipFill>
+          <a:blip r:embed="rId3">
+            <a:extLst>
+              <a:ext uri="{28A0092B-C50C-407E-A947-70E740481C1C}">
+                <a14:useLocalDpi xmlns:a14="http://schemas.microsoft.com/office/drawing/2010/main" val="0"/>
+              </a:ext>
+            </a:extLst>
+          </a:blip>
+          <a:srcRect/>
+          <a:stretch>
+            <a:fillRect/>
+          </a:stretch>
+        </p:blipFill>
+        <p:spPr bwMode="auto">
+          <a:xfrm>
+            <a:off x="1225119" y="4127376"/>
+            <a:ext cx="2592279" cy="2592279"/>
+          </a:xfrm>
+          <a:prstGeom prst="rect">
+            <a:avLst/>
+          </a:prstGeom>
+          <a:noFill/>
+          <a:extLst>
+            <a:ext uri="{909E8E84-426E-40DD-AFC4-6F175D3DCCD1}">
+              <a14:hiddenFill xmlns:a14="http://schemas.microsoft.com/office/drawing/2010/main">
+                <a:solidFill>
+                  <a:srgbClr val="FFFFFF"/>
+                </a:solidFill>
+              </a14:hiddenFill>
+            </a:ext>
+          </a:extLst>
+        </p:spPr>
+      </p:pic>
+      <p:pic>
+        <p:nvPicPr>
+          <p:cNvPr id="8200" name="Picture 8" descr="Icon request: Government · Issue #2440 · FortAwesome/Font-Awesome · GitHub">
+            <a:extLst>
+              <a:ext uri="{FF2B5EF4-FFF2-40B4-BE49-F238E27FC236}">
+                <a16:creationId xmlns:a16="http://schemas.microsoft.com/office/drawing/2014/main" id="{9FB4D969-F5D2-4EBE-840D-F8C1407E7BE2}"/>
+              </a:ext>
+            </a:extLst>
+          </p:cNvPr>
+          <p:cNvPicPr>
+            <a:picLocks noChangeAspect="1" noChangeArrowheads="1"/>
+          </p:cNvPicPr>
+          <p:nvPr/>
+        </p:nvPicPr>
+        <p:blipFill>
+          <a:blip r:embed="rId4">
+            <a:extLst>
+              <a:ext uri="{28A0092B-C50C-407E-A947-70E740481C1C}">
+                <a14:useLocalDpi xmlns:a14="http://schemas.microsoft.com/office/drawing/2010/main" val="0"/>
+              </a:ext>
+            </a:extLst>
+          </a:blip>
+          <a:srcRect/>
+          <a:stretch>
+            <a:fillRect/>
+          </a:stretch>
+        </p:blipFill>
+        <p:spPr bwMode="auto">
+          <a:xfrm>
+            <a:off x="8011356" y="3737499"/>
+            <a:ext cx="3076113" cy="3076113"/>
+          </a:xfrm>
+          <a:prstGeom prst="rect">
+            <a:avLst/>
+          </a:prstGeom>
+          <a:noFill/>
+          <a:extLst>
+            <a:ext uri="{909E8E84-426E-40DD-AFC4-6F175D3DCCD1}">
+              <a14:hiddenFill xmlns:a14="http://schemas.microsoft.com/office/drawing/2010/main">
+                <a:solidFill>
+                  <a:srgbClr val="FFFFFF"/>
+                </a:solidFill>
+              </a14:hiddenFill>
+            </a:ext>
+          </a:extLst>
+        </p:spPr>
+      </p:pic>
+      <p:pic>
+        <p:nvPicPr>
+          <p:cNvPr id="8202" name="Picture 10" descr="Lawyer Icon Png #107416 - Free Icons Library">
+            <a:extLst>
+              <a:ext uri="{FF2B5EF4-FFF2-40B4-BE49-F238E27FC236}">
+                <a16:creationId xmlns:a16="http://schemas.microsoft.com/office/drawing/2014/main" id="{6F48835B-80A7-4C16-B211-DF7244AE89FA}"/>
+              </a:ext>
+            </a:extLst>
+          </p:cNvPr>
+          <p:cNvPicPr>
+            <a:picLocks noChangeAspect="1" noChangeArrowheads="1"/>
+          </p:cNvPicPr>
+          <p:nvPr/>
+        </p:nvPicPr>
+        <p:blipFill>
+          <a:blip r:embed="rId5">
+            <a:extLst>
+              <a:ext uri="{28A0092B-C50C-407E-A947-70E740481C1C}">
+                <a14:useLocalDpi xmlns:a14="http://schemas.microsoft.com/office/drawing/2010/main" val="0"/>
+              </a:ext>
+            </a:extLst>
+          </a:blip>
+          <a:srcRect/>
+          <a:stretch>
+            <a:fillRect/>
+          </a:stretch>
+        </p:blipFill>
+        <p:spPr bwMode="auto">
+          <a:xfrm>
+            <a:off x="8135643" y="1094841"/>
+            <a:ext cx="2358870" cy="2358870"/>
+          </a:xfrm>
+          <a:prstGeom prst="rect">
+            <a:avLst/>
+          </a:prstGeom>
+          <a:noFill/>
+          <a:extLst>
+            <a:ext uri="{909E8E84-426E-40DD-AFC4-6F175D3DCCD1}">
+              <a14:hiddenFill xmlns:a14="http://schemas.microsoft.com/office/drawing/2010/main">
+                <a:solidFill>
+                  <a:srgbClr val="FFFFFF"/>
+                </a:solidFill>
+              </a14:hiddenFill>
+            </a:ext>
+          </a:extLst>
+        </p:spPr>
+      </p:pic>
+      <p:pic>
+        <p:nvPicPr>
+          <p:cNvPr id="5" name="Рисунок 4">
+            <a:extLst>
+              <a:ext uri="{FF2B5EF4-FFF2-40B4-BE49-F238E27FC236}">
+                <a16:creationId xmlns:a16="http://schemas.microsoft.com/office/drawing/2014/main" id="{49C92008-C3E9-42D8-85A0-4DA4A70CC2EA}"/>
+              </a:ext>
+            </a:extLst>
+          </p:cNvPr>
+          <p:cNvPicPr>
+            <a:picLocks noChangeAspect="1"/>
+          </p:cNvPicPr>
+          <p:nvPr/>
+        </p:nvPicPr>
+        <p:blipFill>
+          <a:blip r:embed="rId6"/>
+          <a:stretch>
+            <a:fillRect/>
+          </a:stretch>
+        </p:blipFill>
+        <p:spPr>
+          <a:xfrm>
+            <a:off x="2521258" y="2072740"/>
+            <a:ext cx="2058344" cy="2054636"/>
+          </a:xfrm>
+          <a:prstGeom prst="rect">
+            <a:avLst/>
+          </a:prstGeom>
+        </p:spPr>
+      </p:pic>
+      <p:pic>
+        <p:nvPicPr>
+          <p:cNvPr id="8204" name="Picture 12" descr="Teenager Svg Png Icon Free Download (#426166) - OnlineWebFonts.COM">
+            <a:extLst>
+              <a:ext uri="{FF2B5EF4-FFF2-40B4-BE49-F238E27FC236}">
+                <a16:creationId xmlns:a16="http://schemas.microsoft.com/office/drawing/2014/main" id="{C015BDFA-09C5-4373-970E-FA9871BA9947}"/>
+              </a:ext>
+            </a:extLst>
+          </p:cNvPr>
+          <p:cNvPicPr>
+            <a:picLocks noChangeAspect="1" noChangeArrowheads="1"/>
+          </p:cNvPicPr>
+          <p:nvPr/>
+        </p:nvPicPr>
+        <p:blipFill>
+          <a:blip r:embed="rId7">
+            <a:extLst>
+              <a:ext uri="{28A0092B-C50C-407E-A947-70E740481C1C}">
+                <a14:useLocalDpi xmlns:a14="http://schemas.microsoft.com/office/drawing/2010/main" val="0"/>
+              </a:ext>
+            </a:extLst>
+          </a:blip>
+          <a:srcRect/>
+          <a:stretch>
+            <a:fillRect/>
+          </a:stretch>
+        </p:blipFill>
+        <p:spPr bwMode="auto">
+          <a:xfrm>
+            <a:off x="260431" y="2072740"/>
+            <a:ext cx="2143125" cy="2143125"/>
+          </a:xfrm>
+          <a:prstGeom prst="rect">
+            <a:avLst/>
+          </a:prstGeom>
+          <a:noFill/>
+          <a:extLst>
+            <a:ext uri="{909E8E84-426E-40DD-AFC4-6F175D3DCCD1}">
+              <a14:hiddenFill xmlns:a14="http://schemas.microsoft.com/office/drawing/2010/main">
+                <a:solidFill>
+                  <a:srgbClr val="FFFFFF"/>
+                </a:solidFill>
+              </a14:hiddenFill>
+            </a:ext>
+          </a:extLst>
+        </p:spPr>
+      </p:pic>
+    </p:spTree>
+    <p:extLst>
+      <p:ext uri="{BB962C8B-B14F-4D97-AF65-F5344CB8AC3E}">
+        <p14:creationId xmlns:p14="http://schemas.microsoft.com/office/powerpoint/2010/main" val="273247601"/>
+      </p:ext>
+    </p:extLst>
+  </p:cSld>
+  <p:clrMapOvr>
+    <a:masterClrMapping/>
+  </p:clrMapOvr>
+</p:sld>
+</file>
+
+<file path=ppt/slides/slide14.xml><?xml version="1.0" encoding="utf-8"?>
+<p:sld xmlns:a="http://schemas.openxmlformats.org/drawingml/2006/main" xmlns:r="http://schemas.openxmlformats.org/officeDocument/2006/relationships" xmlns:p="http://schemas.openxmlformats.org/presentationml/2006/main">
+  <p:cSld>
+    <p:spTree>
+      <p:nvGrpSpPr>
+        <p:cNvPr id="1" name=""/>
+        <p:cNvGrpSpPr/>
+        <p:nvPr/>
+      </p:nvGrpSpPr>
+      <p:grpSpPr>
+        <a:xfrm>
+          <a:off x="0" y="0"/>
+          <a:ext cx="0" cy="0"/>
+          <a:chOff x="0" y="0"/>
+          <a:chExt cx="0" cy="0"/>
+        </a:xfrm>
+      </p:grpSpPr>
+      <p:sp>
+        <p:nvSpPr>
+          <p:cNvPr id="2" name="Заголовок 1">
+            <a:extLst>
+              <a:ext uri="{FF2B5EF4-FFF2-40B4-BE49-F238E27FC236}">
+                <a16:creationId xmlns:a16="http://schemas.microsoft.com/office/drawing/2014/main" id="{1C21E816-31F5-48BB-BD02-D15F2F18B48A}"/>
+              </a:ext>
+            </a:extLst>
+          </p:cNvPr>
+          <p:cNvSpPr>
+            <a:spLocks noGrp="1"/>
+          </p:cNvSpPr>
+          <p:nvPr>
+            <p:ph type="ctrTitle"/>
+          </p:nvPr>
+        </p:nvSpPr>
+        <p:spPr>
+          <a:xfrm>
+            <a:off x="599225" y="839416"/>
+            <a:ext cx="10993549" cy="1475013"/>
+          </a:xfrm>
+        </p:spPr>
+        <p:txBody>
+          <a:bodyPr rtlCol="0">
+            <a:normAutofit/>
+          </a:bodyPr>
+          <a:lstStyle/>
+          <a:p>
+            <a:pPr rtl="0"/>
+            <a:r>
+              <a:rPr lang="en-US" sz="6000" cap="none" dirty="0" err="1"/>
+              <a:t>DeepLAW</a:t>
+            </a:r>
+            <a:endParaRPr lang="ru" sz="6000" cap="none" dirty="0"/>
+          </a:p>
+        </p:txBody>
+      </p:sp>
+      <p:pic>
+        <p:nvPicPr>
+          <p:cNvPr id="6" name="Рисунок 5" descr="Крупный план логотипа&#10;&#10;Автоматически созданное описание">
+            <a:extLst>
+              <a:ext uri="{FF2B5EF4-FFF2-40B4-BE49-F238E27FC236}">
+                <a16:creationId xmlns:a16="http://schemas.microsoft.com/office/drawing/2014/main" id="{F1A8C364-94D4-4630-BAD0-78722F347055}"/>
+              </a:ext>
+            </a:extLst>
+          </p:cNvPr>
+          <p:cNvPicPr>
+            <a:picLocks noChangeAspect="1"/>
+          </p:cNvPicPr>
+          <p:nvPr/>
+        </p:nvPicPr>
+        <p:blipFill rotWithShape="1">
+          <a:blip r:embed="rId2" cstate="hqprint">
+            <a:extLst>
+              <a:ext uri="{28A0092B-C50C-407E-A947-70E740481C1C}">
+                <a14:useLocalDpi xmlns:a14="http://schemas.microsoft.com/office/drawing/2010/main" val="0"/>
+              </a:ext>
+            </a:extLst>
+          </a:blip>
+          <a:srcRect/>
+          <a:stretch/>
+        </p:blipFill>
+        <p:spPr>
+          <a:xfrm>
+            <a:off x="448733" y="3081867"/>
+            <a:ext cx="11260667" cy="3310466"/>
+          </a:xfrm>
+          <a:prstGeom prst="rect">
+            <a:avLst/>
+          </a:prstGeom>
+        </p:spPr>
+      </p:pic>
+      <p:pic>
+        <p:nvPicPr>
+          <p:cNvPr id="3" name="Picture 8" descr="AI - Free computer icons">
+            <a:extLst>
+              <a:ext uri="{FF2B5EF4-FFF2-40B4-BE49-F238E27FC236}">
+                <a16:creationId xmlns:a16="http://schemas.microsoft.com/office/drawing/2014/main" id="{9BF3AF61-3892-40E5-9522-56975C1AC025}"/>
+              </a:ext>
+            </a:extLst>
+          </p:cNvPr>
+          <p:cNvPicPr>
+            <a:picLocks noChangeAspect="1" noChangeArrowheads="1"/>
+          </p:cNvPicPr>
+          <p:nvPr/>
+        </p:nvPicPr>
+        <p:blipFill>
+          <a:blip r:embed="rId3">
+            <a:extLst>
+              <a:ext uri="{28A0092B-C50C-407E-A947-70E740481C1C}">
+                <a14:useLocalDpi xmlns:a14="http://schemas.microsoft.com/office/drawing/2010/main" val="0"/>
+              </a:ext>
+            </a:extLst>
+          </a:blip>
+          <a:srcRect/>
+          <a:stretch>
+            <a:fillRect/>
+          </a:stretch>
+        </p:blipFill>
+        <p:spPr bwMode="auto">
+          <a:xfrm flipH="1">
+            <a:off x="8769473" y="658400"/>
+            <a:ext cx="2358871" cy="2358871"/>
+          </a:xfrm>
+          <a:prstGeom prst="rect">
+            <a:avLst/>
+          </a:prstGeom>
+          <a:noFill/>
+          <a:extLst>
+            <a:ext uri="{909E8E84-426E-40DD-AFC4-6F175D3DCCD1}">
+              <a14:hiddenFill xmlns:a14="http://schemas.microsoft.com/office/drawing/2010/main">
+                <a:solidFill>
+                  <a:srgbClr val="FFFFFF"/>
+                </a:solidFill>
+              </a14:hiddenFill>
+            </a:ext>
+          </a:extLst>
+        </p:spPr>
+      </p:pic>
       <p:sp>
         <p:nvSpPr>
           <p:cNvPr id="10" name="Подзаголовок 2">
@@ -5804,7 +6114,7 @@
           <a:p>
             <a:r>
               <a:rPr lang="en-US" sz="2800" dirty="0"/>
-              <a:t>IMPROVE THE WORLD TOADY</a:t>
+              <a:t>IMPROVE THE WORLD TODAY</a:t>
             </a:r>
             <a:endParaRPr lang="ru-RU" sz="2800" dirty="0"/>
           </a:p>

--- a/English professional/DeepLAW.pptx
+++ b/English professional/DeepLAW.pptx
@@ -5,10 +5,10 @@
     <p:sldMasterId id="2147483712" r:id="rId1"/>
   </p:sldMasterIdLst>
   <p:notesMasterIdLst>
-    <p:notesMasterId r:id="rId16"/>
+    <p:notesMasterId r:id="rId17"/>
   </p:notesMasterIdLst>
   <p:handoutMasterIdLst>
-    <p:handoutMasterId r:id="rId17"/>
+    <p:handoutMasterId r:id="rId18"/>
   </p:handoutMasterIdLst>
   <p:sldIdLst>
     <p:sldId id="257" r:id="rId2"/>
@@ -19,12 +19,13 @@
     <p:sldId id="262" r:id="rId7"/>
     <p:sldId id="267" r:id="rId8"/>
     <p:sldId id="263" r:id="rId9"/>
-    <p:sldId id="264" r:id="rId10"/>
-    <p:sldId id="266" r:id="rId11"/>
-    <p:sldId id="271" r:id="rId12"/>
-    <p:sldId id="268" r:id="rId13"/>
-    <p:sldId id="269" r:id="rId14"/>
-    <p:sldId id="270" r:id="rId15"/>
+    <p:sldId id="273" r:id="rId10"/>
+    <p:sldId id="264" r:id="rId11"/>
+    <p:sldId id="266" r:id="rId12"/>
+    <p:sldId id="271" r:id="rId13"/>
+    <p:sldId id="268" r:id="rId14"/>
+    <p:sldId id="269" r:id="rId15"/>
+    <p:sldId id="270" r:id="rId16"/>
   </p:sldIdLst>
   <p:sldSz cx="12192000" cy="6858000"/>
   <p:notesSz cx="6858000" cy="9144000"/>
@@ -218,7 +219,7 @@
             <a:pPr rtl="0"/>
             <a:fld id="{79F2607F-EAB8-462D-9596-B11A1C51125F}" type="datetime1">
               <a:rPr lang="ru-RU" smtClean="0"/>
-              <a:t>06.10.2020</a:t>
+              <a:t>07.10.2020</a:t>
             </a:fld>
             <a:endParaRPr lang="en-US" dirty="0"/>
           </a:p>
@@ -388,7 +389,7 @@
             <a:pPr rtl="0"/>
             <a:fld id="{150EC31D-9C0F-4EDB-9AC9-93AE84D7514D}" type="datetime1">
               <a:rPr lang="ru-RU" smtClean="0"/>
-              <a:t>06.10.2020</a:t>
+              <a:t>07.10.2020</a:t>
             </a:fld>
             <a:endParaRPr lang="en-US"/>
           </a:p>
@@ -902,7 +903,7 @@
             <a:pPr rtl="0"/>
             <a:fld id="{1948E6C3-8E12-426B-A56F-861F8B162AC6}" type="datetime1">
               <a:rPr lang="ru-RU" smtClean="0"/>
-              <a:t>06.10.2020</a:t>
+              <a:t>07.10.2020</a:t>
             </a:fld>
             <a:endParaRPr lang="en-US" dirty="0"/>
           </a:p>
@@ -1109,7 +1110,7 @@
             <a:pPr rtl="0"/>
             <a:fld id="{AD323C2A-FDF4-456A-A556-14045268B55D}" type="datetime1">
               <a:rPr lang="ru-RU" smtClean="0"/>
-              <a:t>06.10.2020</a:t>
+              <a:t>07.10.2020</a:t>
             </a:fld>
             <a:endParaRPr lang="en-US" dirty="0"/>
           </a:p>
@@ -1475,7 +1476,7 @@
             <a:pPr rtl="0"/>
             <a:fld id="{BBD5CFD7-CC7C-49C5-B221-A9E29F5846A0}" type="datetime1">
               <a:rPr lang="ru-RU" smtClean="0"/>
-              <a:t>06.10.2020</a:t>
+              <a:t>07.10.2020</a:t>
             </a:fld>
             <a:endParaRPr lang="en-US" dirty="0"/>
           </a:p>
@@ -1677,7 +1678,7 @@
             <a:pPr rtl="0"/>
             <a:fld id="{6E13CF11-4D7C-4367-8D00-578223D03103}" type="datetime1">
               <a:rPr lang="ru-RU" smtClean="0"/>
-              <a:t>06.10.2020</a:t>
+              <a:t>07.10.2020</a:t>
             </a:fld>
             <a:endParaRPr lang="en-US" dirty="0"/>
           </a:p>
@@ -1993,7 +1994,7 @@
             <a:pPr rtl="0"/>
             <a:fld id="{4540FCE8-CB6C-4798-845F-C8260D76B307}" type="datetime1">
               <a:rPr lang="ru-RU" smtClean="0"/>
-              <a:t>06.10.2020</a:t>
+              <a:t>07.10.2020</a:t>
             </a:fld>
             <a:endParaRPr lang="en-US" dirty="0"/>
           </a:p>
@@ -2250,7 +2251,7 @@
             <a:pPr rtl="0"/>
             <a:fld id="{93C13A7E-4C64-47B0-B355-B165BE4012BA}" type="datetime1">
               <a:rPr lang="ru-RU" smtClean="0"/>
-              <a:t>06.10.2020</a:t>
+              <a:t>07.10.2020</a:t>
             </a:fld>
             <a:endParaRPr lang="en-US" dirty="0"/>
           </a:p>
@@ -2676,7 +2677,7 @@
             <a:pPr rtl="0"/>
             <a:fld id="{731CA3B4-5CE4-4976-BBFE-4E91C7258FC5}" type="datetime1">
               <a:rPr lang="ru-RU" smtClean="0"/>
-              <a:t>06.10.2020</a:t>
+              <a:t>07.10.2020</a:t>
             </a:fld>
             <a:endParaRPr lang="en-US" dirty="0"/>
           </a:p>
@@ -2803,7 +2804,7 @@
             <a:pPr rtl="0"/>
             <a:fld id="{D5316041-DA7D-4734-AA8C-761AB09393E2}" type="datetime1">
               <a:rPr lang="ru-RU" smtClean="0"/>
-              <a:t>06.10.2020</a:t>
+              <a:t>07.10.2020</a:t>
             </a:fld>
             <a:endParaRPr lang="en-US" dirty="0"/>
           </a:p>
@@ -2901,7 +2902,7 @@
             <a:pPr rtl="0"/>
             <a:fld id="{8692EF8B-D3DF-4216-96A1-1B1DE794B37A}" type="datetime1">
               <a:rPr lang="ru-RU" smtClean="0"/>
-              <a:t>06.10.2020</a:t>
+              <a:t>07.10.2020</a:t>
             </a:fld>
             <a:endParaRPr lang="en-US" dirty="0"/>
           </a:p>
@@ -3282,7 +3283,7 @@
             <a:pPr rtl="0"/>
             <a:fld id="{09563768-3096-48CB-A41A-8D454362CCAD}" type="datetime1">
               <a:rPr lang="ru-RU" smtClean="0"/>
-              <a:t>06.10.2020</a:t>
+              <a:t>07.10.2020</a:t>
             </a:fld>
             <a:endParaRPr lang="en-US" dirty="0"/>
           </a:p>
@@ -3580,7 +3581,7 @@
             <a:pPr rtl="0"/>
             <a:fld id="{530088EE-0E82-4198-BDFF-3B9755AA8919}" type="datetime1">
               <a:rPr lang="ru-RU" smtClean="0"/>
-              <a:t>06.10.2020</a:t>
+              <a:t>07.10.2020</a:t>
             </a:fld>
             <a:endParaRPr lang="en-US" dirty="0"/>
           </a:p>
@@ -3798,7 +3799,7 @@
             <a:pPr rtl="0"/>
             <a:fld id="{C6B9E6FA-8E94-487D-81C3-7EE9BB2FD23D}" type="datetime1">
               <a:rPr lang="ru-RU" smtClean="0"/>
-              <a:t>06.10.2020</a:t>
+              <a:t>07.10.2020</a:t>
             </a:fld>
             <a:endParaRPr lang="en-US" dirty="0"/>
           </a:p>
@@ -4788,7 +4789,7 @@
             <a:pPr rtl="0"/>
             <a:r>
               <a:rPr lang="en-US" dirty="0"/>
-              <a:t>EASY TO USE</a:t>
+              <a:t>WE HAVE THE SOLUTION!</a:t>
             </a:r>
             <a:endParaRPr lang="ru" dirty="0"/>
           </a:p>
@@ -4823,8 +4824,8 @@
         </p:blipFill>
         <p:spPr bwMode="auto">
           <a:xfrm>
-            <a:off x="1229559" y="2588211"/>
-            <a:ext cx="3060576" cy="3060576"/>
+            <a:off x="1734105" y="2423604"/>
+            <a:ext cx="3622090" cy="3622090"/>
           </a:xfrm>
           <a:prstGeom prst="rect">
             <a:avLst/>
@@ -4841,177 +4842,54 @@
           </a:extLst>
         </p:spPr>
       </p:pic>
-      <p:pic>
-        <p:nvPicPr>
-          <p:cNvPr id="4" name="Picture 2" descr="Фронтальная силуэт человека, стоявшего | Бесплатно значок">
+      <p:sp>
+        <p:nvSpPr>
+          <p:cNvPr id="3" name="TextBox 2">
             <a:extLst>
               <a:ext uri="{FF2B5EF4-FFF2-40B4-BE49-F238E27FC236}">
-                <a16:creationId xmlns:a16="http://schemas.microsoft.com/office/drawing/2014/main" id="{C9BA74B0-8344-4850-8BE5-54D912DFD077}"/>
+                <a16:creationId xmlns:a16="http://schemas.microsoft.com/office/drawing/2014/main" id="{B5439709-BFD2-4026-90F4-5C27E9B35D56}"/>
               </a:ext>
             </a:extLst>
           </p:cNvPr>
-          <p:cNvPicPr>
-            <a:picLocks noChangeAspect="1" noChangeArrowheads="1"/>
-          </p:cNvPicPr>
+          <p:cNvSpPr txBox="1"/>
           <p:nvPr/>
-        </p:nvPicPr>
-        <p:blipFill>
-          <a:blip r:embed="rId3">
-            <a:extLst>
-              <a:ext uri="{28A0092B-C50C-407E-A947-70E740481C1C}">
-                <a14:useLocalDpi xmlns:a14="http://schemas.microsoft.com/office/drawing/2010/main" val="0"/>
-              </a:ext>
-            </a:extLst>
-          </a:blip>
-          <a:srcRect/>
-          <a:stretch>
-            <a:fillRect/>
-          </a:stretch>
-        </p:blipFill>
-        <p:spPr bwMode="auto">
-          <a:xfrm>
-            <a:off x="7901866" y="2588211"/>
-            <a:ext cx="3381652" cy="3381652"/>
+        </p:nvSpPr>
+        <p:spPr>
+          <a:xfrm>
+            <a:off x="5948037" y="2828835"/>
+            <a:ext cx="5246703" cy="1200329"/>
           </a:xfrm>
           <a:prstGeom prst="rect">
             <a:avLst/>
           </a:prstGeom>
           <a:noFill/>
-          <a:extLst>
-            <a:ext uri="{909E8E84-426E-40DD-AFC4-6F175D3DCCD1}">
-              <a14:hiddenFill xmlns:a14="http://schemas.microsoft.com/office/drawing/2010/main">
-                <a:solidFill>
-                  <a:srgbClr val="FFFFFF"/>
-                </a:solidFill>
-              </a14:hiddenFill>
-            </a:ext>
-          </a:extLst>
-        </p:spPr>
-      </p:pic>
-      <p:sp>
-        <p:nvSpPr>
-          <p:cNvPr id="8" name="Облачко с текстом: прямоугольное со скругленными углами 7">
-            <a:extLst>
-              <a:ext uri="{FF2B5EF4-FFF2-40B4-BE49-F238E27FC236}">
-                <a16:creationId xmlns:a16="http://schemas.microsoft.com/office/drawing/2014/main" id="{0A994635-2344-4CA1-B5F6-95EBCABD9D4D}"/>
-              </a:ext>
-            </a:extLst>
-          </p:cNvPr>
-          <p:cNvSpPr/>
-          <p:nvPr/>
-        </p:nvSpPr>
-        <p:spPr>
-          <a:xfrm>
-            <a:off x="5592932" y="1413781"/>
-            <a:ext cx="3232677" cy="1347481"/>
-          </a:xfrm>
-          <a:prstGeom prst="wedgeRoundRectCallout">
-            <a:avLst>
-              <a:gd name="adj1" fmla="val 38866"/>
-              <a:gd name="adj2" fmla="val 58034"/>
-              <a:gd name="adj3" fmla="val 16667"/>
-            </a:avLst>
-          </a:prstGeom>
-        </p:spPr>
-        <p:style>
-          <a:lnRef idx="2">
-            <a:schemeClr val="accent6"/>
-          </a:lnRef>
-          <a:fillRef idx="1">
-            <a:schemeClr val="lt1"/>
-          </a:fillRef>
-          <a:effectRef idx="0">
-            <a:schemeClr val="accent6"/>
-          </a:effectRef>
-          <a:fontRef idx="minor">
-            <a:schemeClr val="dk1"/>
-          </a:fontRef>
-        </p:style>
-        <p:txBody>
-          <a:bodyPr rtlCol="0" anchor="ctr"/>
+        </p:spPr>
+        <p:txBody>
+          <a:bodyPr wrap="square" rtlCol="0">
+            <a:spAutoFit/>
+          </a:bodyPr>
           <a:lstStyle/>
           <a:p>
-            <a:pPr algn="ctr"/>
-            <a:r>
-              <a:rPr lang="en-US" sz="2800" dirty="0"/>
-              <a:t>I have a problem with my card…</a:t>
-            </a:r>
-            <a:endParaRPr lang="ru-RU" sz="2800" dirty="0"/>
-          </a:p>
-        </p:txBody>
-      </p:sp>
-      <p:sp>
-        <p:nvSpPr>
-          <p:cNvPr id="6" name="Облачко с текстом: прямоугольное со скругленными углами 5">
-            <a:extLst>
-              <a:ext uri="{FF2B5EF4-FFF2-40B4-BE49-F238E27FC236}">
-                <a16:creationId xmlns:a16="http://schemas.microsoft.com/office/drawing/2014/main" id="{598D8018-E6E7-449B-A59C-E3099356E922}"/>
-              </a:ext>
-            </a:extLst>
-          </p:cNvPr>
-          <p:cNvSpPr/>
-          <p:nvPr/>
-        </p:nvSpPr>
-        <p:spPr>
-          <a:xfrm>
-            <a:off x="4479662" y="2931556"/>
-            <a:ext cx="3232677" cy="1347481"/>
-          </a:xfrm>
-          <a:prstGeom prst="wedgeRoundRectCallout">
-            <a:avLst>
-              <a:gd name="adj1" fmla="val -45992"/>
-              <a:gd name="adj2" fmla="val 60669"/>
-              <a:gd name="adj3" fmla="val 16667"/>
-            </a:avLst>
-          </a:prstGeom>
-        </p:spPr>
-        <p:style>
-          <a:lnRef idx="2">
-            <a:schemeClr val="accent6"/>
-          </a:lnRef>
-          <a:fillRef idx="1">
-            <a:schemeClr val="lt1"/>
-          </a:fillRef>
-          <a:effectRef idx="0">
-            <a:schemeClr val="accent6"/>
-          </a:effectRef>
-          <a:fontRef idx="minor">
-            <a:schemeClr val="dk1"/>
-          </a:fontRef>
-        </p:style>
-        <p:txBody>
-          <a:bodyPr rtlCol="0" anchor="ctr"/>
-          <a:lstStyle/>
-          <a:p>
-            <a:pPr algn="ctr"/>
-            <a:r>
-              <a:rPr lang="en-US" sz="2000" dirty="0"/>
-              <a:t>Here what the </a:t>
-            </a:r>
-            <a:r>
-              <a:rPr lang="en-US" sz="2000" b="1" dirty="0"/>
-              <a:t>law</a:t>
-            </a:r>
-            <a:r>
-              <a:rPr lang="en-US" sz="2000" dirty="0"/>
-              <a:t> says about your problem and </a:t>
-            </a:r>
-            <a:r>
-              <a:rPr lang="en-US" sz="2000" b="1" dirty="0"/>
-              <a:t>what you should do</a:t>
-            </a:r>
-            <a:r>
-              <a:rPr lang="en-US" sz="2000" dirty="0"/>
-              <a:t> next…</a:t>
-            </a:r>
-            <a:endParaRPr lang="ru-RU" sz="2000" dirty="0"/>
+            <a:r>
+              <a:rPr lang="en-US" sz="2400" dirty="0"/>
+              <a:t>Hello! My name is </a:t>
+            </a:r>
+            <a:r>
+              <a:rPr lang="en-US" sz="2400" dirty="0" err="1"/>
+              <a:t>DeepLAW</a:t>
+            </a:r>
+            <a:r>
+              <a:rPr lang="en-US" sz="2400" dirty="0"/>
+              <a:t>. I was created to serve people and help them with solving legal problems.</a:t>
+            </a:r>
+            <a:endParaRPr lang="ru-RU" sz="2400" dirty="0"/>
           </a:p>
         </p:txBody>
       </p:sp>
     </p:spTree>
     <p:extLst>
       <p:ext uri="{BB962C8B-B14F-4D97-AF65-F5344CB8AC3E}">
-        <p14:creationId xmlns:p14="http://schemas.microsoft.com/office/powerpoint/2010/main" val="2222079896"/>
+        <p14:creationId xmlns:p14="http://schemas.microsoft.com/office/powerpoint/2010/main" val="2913722219"/>
       </p:ext>
     </p:extLst>
   </p:cSld>
@@ -5062,7 +4940,7 @@
             <a:pPr rtl="0"/>
             <a:r>
               <a:rPr lang="en-US" dirty="0"/>
-              <a:t>HOW TO ACHIEVE THIS</a:t>
+              <a:t>EASY TO USE</a:t>
             </a:r>
             <a:endParaRPr lang="ru" dirty="0"/>
           </a:p>
@@ -5096,8 +4974,8 @@
           </a:stretch>
         </p:blipFill>
         <p:spPr bwMode="auto">
-          <a:xfrm flipH="1">
-            <a:off x="8217024" y="2668110"/>
+          <a:xfrm>
+            <a:off x="1229559" y="2588211"/>
             <a:ext cx="3060576" cy="3060576"/>
           </a:xfrm>
           <a:prstGeom prst="rect">
@@ -5117,10 +4995,10 @@
       </p:pic>
       <p:pic>
         <p:nvPicPr>
-          <p:cNvPr id="1028" name="Picture 4" descr="Law book - Free security icons">
+          <p:cNvPr id="4" name="Picture 2" descr="Фронтальная силуэт человека, стоявшего | Бесплатно значок">
             <a:extLst>
               <a:ext uri="{FF2B5EF4-FFF2-40B4-BE49-F238E27FC236}">
-                <a16:creationId xmlns:a16="http://schemas.microsoft.com/office/drawing/2014/main" id="{910EF240-B033-4D96-8A3A-06D14A052C60}"/>
+                <a16:creationId xmlns:a16="http://schemas.microsoft.com/office/drawing/2014/main" id="{C9BA74B0-8344-4850-8BE5-54D912DFD077}"/>
               </a:ext>
             </a:extLst>
           </p:cNvPr>
@@ -5144,8 +5022,8 @@
         </p:blipFill>
         <p:spPr bwMode="auto">
           <a:xfrm>
-            <a:off x="710214" y="2668110"/>
-            <a:ext cx="3060576" cy="3060576"/>
+            <a:off x="7901866" y="2588211"/>
+            <a:ext cx="3381652" cy="3381652"/>
           </a:xfrm>
           <a:prstGeom prst="rect">
             <a:avLst/>
@@ -5162,165 +5040,130 @@
           </a:extLst>
         </p:spPr>
       </p:pic>
-      <p:pic>
-        <p:nvPicPr>
-          <p:cNvPr id="1030" name="Picture 6" descr="Artificial Intelligence Svg Png Icon Free Download (#535483) -  OnlineWebFonts.COM">
+      <p:sp>
+        <p:nvSpPr>
+          <p:cNvPr id="8" name="Облачко с текстом: прямоугольное со скругленными углами 7">
             <a:extLst>
               <a:ext uri="{FF2B5EF4-FFF2-40B4-BE49-F238E27FC236}">
-                <a16:creationId xmlns:a16="http://schemas.microsoft.com/office/drawing/2014/main" id="{01C1F0C2-C575-41CF-A820-0AAC98F7C189}"/>
+                <a16:creationId xmlns:a16="http://schemas.microsoft.com/office/drawing/2014/main" id="{0A994635-2344-4CA1-B5F6-95EBCABD9D4D}"/>
               </a:ext>
             </a:extLst>
           </p:cNvPr>
-          <p:cNvPicPr>
-            <a:picLocks noChangeAspect="1" noChangeArrowheads="1"/>
-          </p:cNvPicPr>
+          <p:cNvSpPr/>
           <p:nvPr/>
-        </p:nvPicPr>
-        <p:blipFill>
-          <a:blip r:embed="rId4">
-            <a:extLst>
-              <a:ext uri="{28A0092B-C50C-407E-A947-70E740481C1C}">
-                <a14:useLocalDpi xmlns:a14="http://schemas.microsoft.com/office/drawing/2010/main" val="0"/>
-              </a:ext>
-            </a:extLst>
-          </a:blip>
-          <a:srcRect/>
-          <a:stretch>
-            <a:fillRect/>
-          </a:stretch>
-        </p:blipFill>
-        <p:spPr bwMode="auto">
-          <a:xfrm>
-            <a:off x="4838006" y="2907807"/>
-            <a:ext cx="2143125" cy="2143125"/>
-          </a:xfrm>
-          <a:prstGeom prst="rect">
-            <a:avLst/>
+        </p:nvSpPr>
+        <p:spPr>
+          <a:xfrm>
+            <a:off x="5592932" y="1413781"/>
+            <a:ext cx="3232677" cy="1347481"/>
+          </a:xfrm>
+          <a:prstGeom prst="wedgeRoundRectCallout">
+            <a:avLst>
+              <a:gd name="adj1" fmla="val 38866"/>
+              <a:gd name="adj2" fmla="val 58034"/>
+              <a:gd name="adj3" fmla="val 16667"/>
+            </a:avLst>
           </a:prstGeom>
-          <a:noFill/>
-          <a:extLst>
-            <a:ext uri="{909E8E84-426E-40DD-AFC4-6F175D3DCCD1}">
-              <a14:hiddenFill xmlns:a14="http://schemas.microsoft.com/office/drawing/2010/main">
-                <a:solidFill>
-                  <a:srgbClr val="FFFFFF"/>
-                </a:solidFill>
-              </a14:hiddenFill>
-            </a:ext>
-          </a:extLst>
-        </p:spPr>
-      </p:pic>
-      <p:sp>
-        <p:nvSpPr>
-          <p:cNvPr id="5" name="TextBox 4">
+        </p:spPr>
+        <p:style>
+          <a:lnRef idx="2">
+            <a:schemeClr val="accent6"/>
+          </a:lnRef>
+          <a:fillRef idx="1">
+            <a:schemeClr val="lt1"/>
+          </a:fillRef>
+          <a:effectRef idx="0">
+            <a:schemeClr val="accent6"/>
+          </a:effectRef>
+          <a:fontRef idx="minor">
+            <a:schemeClr val="dk1"/>
+          </a:fontRef>
+        </p:style>
+        <p:txBody>
+          <a:bodyPr rtlCol="0" anchor="ctr"/>
+          <a:lstStyle/>
+          <a:p>
+            <a:pPr algn="ctr"/>
+            <a:r>
+              <a:rPr lang="en-US" sz="2800" dirty="0"/>
+              <a:t>I have a problem with my card…</a:t>
+            </a:r>
+            <a:endParaRPr lang="ru-RU" sz="2800" dirty="0"/>
+          </a:p>
+        </p:txBody>
+      </p:sp>
+      <p:sp>
+        <p:nvSpPr>
+          <p:cNvPr id="6" name="Облачко с текстом: прямоугольное со скругленными углами 5">
             <a:extLst>
               <a:ext uri="{FF2B5EF4-FFF2-40B4-BE49-F238E27FC236}">
-                <a16:creationId xmlns:a16="http://schemas.microsoft.com/office/drawing/2014/main" id="{E24E96B1-1F9E-4645-9A0A-E8804FC793A4}"/>
+                <a16:creationId xmlns:a16="http://schemas.microsoft.com/office/drawing/2014/main" id="{598D8018-E6E7-449B-A59C-E3099356E922}"/>
               </a:ext>
             </a:extLst>
           </p:cNvPr>
-          <p:cNvSpPr txBox="1"/>
+          <p:cNvSpPr/>
           <p:nvPr/>
         </p:nvSpPr>
         <p:spPr>
           <a:xfrm>
-            <a:off x="5369548" y="5304946"/>
-            <a:ext cx="1080039" cy="523220"/>
-          </a:xfrm>
-          <a:prstGeom prst="rect">
-            <a:avLst/>
+            <a:off x="4479662" y="2931556"/>
+            <a:ext cx="3232677" cy="1347481"/>
+          </a:xfrm>
+          <a:prstGeom prst="wedgeRoundRectCallout">
+            <a:avLst>
+              <a:gd name="adj1" fmla="val -45992"/>
+              <a:gd name="adj2" fmla="val 60669"/>
+              <a:gd name="adj3" fmla="val 16667"/>
+            </a:avLst>
           </a:prstGeom>
-          <a:noFill/>
-        </p:spPr>
-        <p:txBody>
-          <a:bodyPr wrap="none" rtlCol="0">
-            <a:spAutoFit/>
-          </a:bodyPr>
+        </p:spPr>
+        <p:style>
+          <a:lnRef idx="2">
+            <a:schemeClr val="accent6"/>
+          </a:lnRef>
+          <a:fillRef idx="1">
+            <a:schemeClr val="lt1"/>
+          </a:fillRef>
+          <a:effectRef idx="0">
+            <a:schemeClr val="accent6"/>
+          </a:effectRef>
+          <a:fontRef idx="minor">
+            <a:schemeClr val="dk1"/>
+          </a:fontRef>
+        </p:style>
+        <p:txBody>
+          <a:bodyPr rtlCol="0" anchor="ctr"/>
           <a:lstStyle/>
           <a:p>
-            <a:r>
-              <a:rPr lang="en-US" sz="2800" dirty="0"/>
-              <a:t>GPT-3</a:t>
-            </a:r>
-            <a:endParaRPr lang="ru-RU" sz="2800" dirty="0"/>
-          </a:p>
-        </p:txBody>
-      </p:sp>
-      <p:sp>
-        <p:nvSpPr>
-          <p:cNvPr id="10" name="TextBox 9">
-            <a:extLst>
-              <a:ext uri="{FF2B5EF4-FFF2-40B4-BE49-F238E27FC236}">
-                <a16:creationId xmlns:a16="http://schemas.microsoft.com/office/drawing/2014/main" id="{D864AB57-C706-4553-A100-18FDCD111518}"/>
-              </a:ext>
-            </a:extLst>
-          </p:cNvPr>
-          <p:cNvSpPr txBox="1"/>
-          <p:nvPr/>
-        </p:nvSpPr>
-        <p:spPr>
-          <a:xfrm>
-            <a:off x="3892073" y="3563870"/>
-            <a:ext cx="545342" cy="830997"/>
-          </a:xfrm>
-          <a:prstGeom prst="rect">
-            <a:avLst/>
-          </a:prstGeom>
-          <a:noFill/>
-        </p:spPr>
-        <p:txBody>
-          <a:bodyPr wrap="none" rtlCol="0">
-            <a:spAutoFit/>
-          </a:bodyPr>
-          <a:lstStyle/>
-          <a:p>
-            <a:r>
-              <a:rPr lang="en-US" sz="4800" dirty="0"/>
-              <a:t>+</a:t>
-            </a:r>
-            <a:endParaRPr lang="ru-RU" sz="4800" dirty="0"/>
-          </a:p>
-        </p:txBody>
-      </p:sp>
-      <p:sp>
-        <p:nvSpPr>
-          <p:cNvPr id="12" name="TextBox 11">
-            <a:extLst>
-              <a:ext uri="{FF2B5EF4-FFF2-40B4-BE49-F238E27FC236}">
-                <a16:creationId xmlns:a16="http://schemas.microsoft.com/office/drawing/2014/main" id="{262FCE28-3C3B-412C-B984-B6C802A14713}"/>
-              </a:ext>
-            </a:extLst>
-          </p:cNvPr>
-          <p:cNvSpPr txBox="1"/>
-          <p:nvPr/>
-        </p:nvSpPr>
-        <p:spPr>
-          <a:xfrm>
-            <a:off x="7326406" y="3563869"/>
-            <a:ext cx="545342" cy="830997"/>
-          </a:xfrm>
-          <a:prstGeom prst="rect">
-            <a:avLst/>
-          </a:prstGeom>
-          <a:noFill/>
-        </p:spPr>
-        <p:txBody>
-          <a:bodyPr wrap="none" rtlCol="0">
-            <a:spAutoFit/>
-          </a:bodyPr>
-          <a:lstStyle/>
-          <a:p>
-            <a:r>
-              <a:rPr lang="en-US" sz="4800" dirty="0"/>
-              <a:t>=</a:t>
-            </a:r>
-            <a:endParaRPr lang="ru-RU" sz="4800" dirty="0"/>
+            <a:pPr algn="ctr"/>
+            <a:r>
+              <a:rPr lang="en-US" sz="2000" dirty="0"/>
+              <a:t>Here what the </a:t>
+            </a:r>
+            <a:r>
+              <a:rPr lang="en-US" sz="2000" b="1" dirty="0"/>
+              <a:t>law</a:t>
+            </a:r>
+            <a:r>
+              <a:rPr lang="en-US" sz="2000" dirty="0"/>
+              <a:t> says about your problem and </a:t>
+            </a:r>
+            <a:r>
+              <a:rPr lang="en-US" sz="2000" b="1" dirty="0"/>
+              <a:t>what you should do</a:t>
+            </a:r>
+            <a:r>
+              <a:rPr lang="en-US" sz="2000" dirty="0"/>
+              <a:t> next…</a:t>
+            </a:r>
+            <a:endParaRPr lang="ru-RU" sz="2000" dirty="0"/>
           </a:p>
         </p:txBody>
       </p:sp>
     </p:spTree>
     <p:extLst>
       <p:ext uri="{BB962C8B-B14F-4D97-AF65-F5344CB8AC3E}">
-        <p14:creationId xmlns:p14="http://schemas.microsoft.com/office/powerpoint/2010/main" val="2837816414"/>
+        <p14:creationId xmlns:p14="http://schemas.microsoft.com/office/powerpoint/2010/main" val="2222079896"/>
       </p:ext>
     </p:extLst>
   </p:cSld>
@@ -5371,7 +5214,7 @@
             <a:pPr rtl="0"/>
             <a:r>
               <a:rPr lang="en-US" dirty="0"/>
-              <a:t>Multiple connections</a:t>
+              <a:t>HOW TO ACHIEVE THIS</a:t>
             </a:r>
             <a:endParaRPr lang="ru" dirty="0"/>
           </a:p>
@@ -5405,9 +5248,9 @@
           </a:stretch>
         </p:blipFill>
         <p:spPr bwMode="auto">
-          <a:xfrm>
-            <a:off x="4481558" y="2739394"/>
-            <a:ext cx="2358871" cy="2358871"/>
+          <a:xfrm flipH="1">
+            <a:off x="8217024" y="2668110"/>
+            <a:ext cx="3060576" cy="3060576"/>
           </a:xfrm>
           <a:prstGeom prst="rect">
             <a:avLst/>
@@ -5426,10 +5269,10 @@
       </p:pic>
       <p:pic>
         <p:nvPicPr>
-          <p:cNvPr id="7174" name="Picture 6" descr="Smartphone - Free technology icons">
+          <p:cNvPr id="1028" name="Picture 4" descr="Law book - Free security icons">
             <a:extLst>
               <a:ext uri="{FF2B5EF4-FFF2-40B4-BE49-F238E27FC236}">
-                <a16:creationId xmlns:a16="http://schemas.microsoft.com/office/drawing/2014/main" id="{5FB4FBFF-973E-40DB-917B-F92D70113CED}"/>
+                <a16:creationId xmlns:a16="http://schemas.microsoft.com/office/drawing/2014/main" id="{910EF240-B033-4D96-8A3A-06D14A052C60}"/>
               </a:ext>
             </a:extLst>
           </p:cNvPr>
@@ -5453,8 +5296,8 @@
         </p:blipFill>
         <p:spPr bwMode="auto">
           <a:xfrm>
-            <a:off x="802900" y="2240951"/>
-            <a:ext cx="3195232" cy="3195232"/>
+            <a:off x="710214" y="2668110"/>
+            <a:ext cx="3060576" cy="3060576"/>
           </a:xfrm>
           <a:prstGeom prst="rect">
             <a:avLst/>
@@ -5473,10 +5316,10 @@
       </p:pic>
       <p:pic>
         <p:nvPicPr>
-          <p:cNvPr id="7176" name="Picture 8" descr="Website - Free computer icons">
+          <p:cNvPr id="1030" name="Picture 6" descr="Artificial Intelligence Svg Png Icon Free Download (#535483) -  OnlineWebFonts.COM">
             <a:extLst>
               <a:ext uri="{FF2B5EF4-FFF2-40B4-BE49-F238E27FC236}">
-                <a16:creationId xmlns:a16="http://schemas.microsoft.com/office/drawing/2014/main" id="{05088306-C724-40B6-97BC-7CEEF3F78D5A}"/>
+                <a16:creationId xmlns:a16="http://schemas.microsoft.com/office/drawing/2014/main" id="{01C1F0C2-C575-41CF-A820-0AAC98F7C189}"/>
               </a:ext>
             </a:extLst>
           </p:cNvPr>
@@ -5500,8 +5343,8 @@
         </p:blipFill>
         <p:spPr bwMode="auto">
           <a:xfrm>
-            <a:off x="8167456" y="2240951"/>
-            <a:ext cx="3355759" cy="3355759"/>
+            <a:off x="4838006" y="2907807"/>
+            <a:ext cx="2143125" cy="2143125"/>
           </a:xfrm>
           <a:prstGeom prst="rect">
             <a:avLst/>
@@ -5520,100 +5363,116 @@
       </p:pic>
       <p:sp>
         <p:nvSpPr>
-          <p:cNvPr id="10" name="Стрелка: влево-вправо 9">
+          <p:cNvPr id="5" name="TextBox 4">
             <a:extLst>
               <a:ext uri="{FF2B5EF4-FFF2-40B4-BE49-F238E27FC236}">
-                <a16:creationId xmlns:a16="http://schemas.microsoft.com/office/drawing/2014/main" id="{170596DA-9540-47E2-A809-EA9D89718EC8}"/>
+                <a16:creationId xmlns:a16="http://schemas.microsoft.com/office/drawing/2014/main" id="{E24E96B1-1F9E-4645-9A0A-E8804FC793A4}"/>
               </a:ext>
             </a:extLst>
           </p:cNvPr>
-          <p:cNvSpPr/>
+          <p:cNvSpPr txBox="1"/>
           <p:nvPr/>
         </p:nvSpPr>
         <p:spPr>
           <a:xfrm>
-            <a:off x="7073091" y="3563359"/>
-            <a:ext cx="690616" cy="275208"/>
-          </a:xfrm>
-          <a:prstGeom prst="leftRightArrow">
+            <a:off x="5369548" y="5304946"/>
+            <a:ext cx="1080039" cy="523220"/>
+          </a:xfrm>
+          <a:prstGeom prst="rect">
             <a:avLst/>
           </a:prstGeom>
-        </p:spPr>
-        <p:style>
-          <a:lnRef idx="2">
-            <a:schemeClr val="accent1">
-              <a:shade val="50000"/>
-            </a:schemeClr>
-          </a:lnRef>
-          <a:fillRef idx="1">
-            <a:schemeClr val="accent1"/>
-          </a:fillRef>
-          <a:effectRef idx="0">
-            <a:schemeClr val="accent1"/>
-          </a:effectRef>
-          <a:fontRef idx="minor">
-            <a:schemeClr val="lt1"/>
-          </a:fontRef>
-        </p:style>
-        <p:txBody>
-          <a:bodyPr rtlCol="0" anchor="ctr"/>
+          <a:noFill/>
+        </p:spPr>
+        <p:txBody>
+          <a:bodyPr wrap="none" rtlCol="0">
+            <a:spAutoFit/>
+          </a:bodyPr>
           <a:lstStyle/>
           <a:p>
-            <a:pPr algn="ctr"/>
-            <a:endParaRPr lang="ru-RU"/>
-          </a:p>
-        </p:txBody>
-      </p:sp>
-      <p:sp>
-        <p:nvSpPr>
-          <p:cNvPr id="11" name="Стрелка: влево-вправо 10">
+            <a:r>
+              <a:rPr lang="en-US" sz="2800" dirty="0"/>
+              <a:t>GPT-3</a:t>
+            </a:r>
+            <a:endParaRPr lang="ru-RU" sz="2800" dirty="0"/>
+          </a:p>
+        </p:txBody>
+      </p:sp>
+      <p:sp>
+        <p:nvSpPr>
+          <p:cNvPr id="10" name="TextBox 9">
             <a:extLst>
               <a:ext uri="{FF2B5EF4-FFF2-40B4-BE49-F238E27FC236}">
-                <a16:creationId xmlns:a16="http://schemas.microsoft.com/office/drawing/2014/main" id="{CFD22FCA-390E-4B61-A91F-772AC2E2CD70}"/>
+                <a16:creationId xmlns:a16="http://schemas.microsoft.com/office/drawing/2014/main" id="{D864AB57-C706-4553-A100-18FDCD111518}"/>
               </a:ext>
             </a:extLst>
           </p:cNvPr>
-          <p:cNvSpPr/>
+          <p:cNvSpPr txBox="1"/>
           <p:nvPr/>
         </p:nvSpPr>
         <p:spPr>
           <a:xfrm>
-            <a:off x="3589068" y="3549017"/>
-            <a:ext cx="690616" cy="275208"/>
-          </a:xfrm>
-          <a:prstGeom prst="leftRightArrow">
+            <a:off x="3892073" y="3563870"/>
+            <a:ext cx="545342" cy="830997"/>
+          </a:xfrm>
+          <a:prstGeom prst="rect">
             <a:avLst/>
           </a:prstGeom>
-        </p:spPr>
-        <p:style>
-          <a:lnRef idx="2">
-            <a:schemeClr val="accent1">
-              <a:shade val="50000"/>
-            </a:schemeClr>
-          </a:lnRef>
-          <a:fillRef idx="1">
-            <a:schemeClr val="accent1"/>
-          </a:fillRef>
-          <a:effectRef idx="0">
-            <a:schemeClr val="accent1"/>
-          </a:effectRef>
-          <a:fontRef idx="minor">
-            <a:schemeClr val="lt1"/>
-          </a:fontRef>
-        </p:style>
-        <p:txBody>
-          <a:bodyPr rtlCol="0" anchor="ctr"/>
+          <a:noFill/>
+        </p:spPr>
+        <p:txBody>
+          <a:bodyPr wrap="none" rtlCol="0">
+            <a:spAutoFit/>
+          </a:bodyPr>
           <a:lstStyle/>
           <a:p>
-            <a:pPr algn="ctr"/>
-            <a:endParaRPr lang="ru-RU"/>
+            <a:r>
+              <a:rPr lang="en-US" sz="4800" dirty="0"/>
+              <a:t>+</a:t>
+            </a:r>
+            <a:endParaRPr lang="ru-RU" sz="4800" dirty="0"/>
+          </a:p>
+        </p:txBody>
+      </p:sp>
+      <p:sp>
+        <p:nvSpPr>
+          <p:cNvPr id="12" name="TextBox 11">
+            <a:extLst>
+              <a:ext uri="{FF2B5EF4-FFF2-40B4-BE49-F238E27FC236}">
+                <a16:creationId xmlns:a16="http://schemas.microsoft.com/office/drawing/2014/main" id="{262FCE28-3C3B-412C-B984-B6C802A14713}"/>
+              </a:ext>
+            </a:extLst>
+          </p:cNvPr>
+          <p:cNvSpPr txBox="1"/>
+          <p:nvPr/>
+        </p:nvSpPr>
+        <p:spPr>
+          <a:xfrm>
+            <a:off x="7326406" y="3563869"/>
+            <a:ext cx="545342" cy="830997"/>
+          </a:xfrm>
+          <a:prstGeom prst="rect">
+            <a:avLst/>
+          </a:prstGeom>
+          <a:noFill/>
+        </p:spPr>
+        <p:txBody>
+          <a:bodyPr wrap="none" rtlCol="0">
+            <a:spAutoFit/>
+          </a:bodyPr>
+          <a:lstStyle/>
+          <a:p>
+            <a:r>
+              <a:rPr lang="en-US" sz="4800" dirty="0"/>
+              <a:t>=</a:t>
+            </a:r>
+            <a:endParaRPr lang="ru-RU" sz="4800" dirty="0"/>
           </a:p>
         </p:txBody>
       </p:sp>
     </p:spTree>
     <p:extLst>
       <p:ext uri="{BB962C8B-B14F-4D97-AF65-F5344CB8AC3E}">
-        <p14:creationId xmlns:p14="http://schemas.microsoft.com/office/powerpoint/2010/main" val="2665666378"/>
+        <p14:creationId xmlns:p14="http://schemas.microsoft.com/office/powerpoint/2010/main" val="2837816414"/>
       </p:ext>
     </p:extLst>
   </p:cSld>
@@ -5664,6 +5523,299 @@
             <a:pPr rtl="0"/>
             <a:r>
               <a:rPr lang="en-US" dirty="0"/>
+              <a:t>Multiple connections</a:t>
+            </a:r>
+            <a:endParaRPr lang="ru" dirty="0"/>
+          </a:p>
+        </p:txBody>
+      </p:sp>
+      <p:pic>
+        <p:nvPicPr>
+          <p:cNvPr id="6152" name="Picture 8" descr="AI - Free computer icons">
+            <a:extLst>
+              <a:ext uri="{FF2B5EF4-FFF2-40B4-BE49-F238E27FC236}">
+                <a16:creationId xmlns:a16="http://schemas.microsoft.com/office/drawing/2014/main" id="{0FC55A28-0559-47AD-9368-02DFC06D8759}"/>
+              </a:ext>
+            </a:extLst>
+          </p:cNvPr>
+          <p:cNvPicPr>
+            <a:picLocks noChangeAspect="1" noChangeArrowheads="1"/>
+          </p:cNvPicPr>
+          <p:nvPr/>
+        </p:nvPicPr>
+        <p:blipFill>
+          <a:blip r:embed="rId2">
+            <a:extLst>
+              <a:ext uri="{28A0092B-C50C-407E-A947-70E740481C1C}">
+                <a14:useLocalDpi xmlns:a14="http://schemas.microsoft.com/office/drawing/2010/main" val="0"/>
+              </a:ext>
+            </a:extLst>
+          </a:blip>
+          <a:srcRect/>
+          <a:stretch>
+            <a:fillRect/>
+          </a:stretch>
+        </p:blipFill>
+        <p:spPr bwMode="auto">
+          <a:xfrm>
+            <a:off x="4481558" y="2739394"/>
+            <a:ext cx="2358871" cy="2358871"/>
+          </a:xfrm>
+          <a:prstGeom prst="rect">
+            <a:avLst/>
+          </a:prstGeom>
+          <a:noFill/>
+          <a:extLst>
+            <a:ext uri="{909E8E84-426E-40DD-AFC4-6F175D3DCCD1}">
+              <a14:hiddenFill xmlns:a14="http://schemas.microsoft.com/office/drawing/2010/main">
+                <a:solidFill>
+                  <a:srgbClr val="FFFFFF"/>
+                </a:solidFill>
+              </a14:hiddenFill>
+            </a:ext>
+          </a:extLst>
+        </p:spPr>
+      </p:pic>
+      <p:pic>
+        <p:nvPicPr>
+          <p:cNvPr id="7174" name="Picture 6" descr="Smartphone - Free technology icons">
+            <a:extLst>
+              <a:ext uri="{FF2B5EF4-FFF2-40B4-BE49-F238E27FC236}">
+                <a16:creationId xmlns:a16="http://schemas.microsoft.com/office/drawing/2014/main" id="{5FB4FBFF-973E-40DB-917B-F92D70113CED}"/>
+              </a:ext>
+            </a:extLst>
+          </p:cNvPr>
+          <p:cNvPicPr>
+            <a:picLocks noChangeAspect="1" noChangeArrowheads="1"/>
+          </p:cNvPicPr>
+          <p:nvPr/>
+        </p:nvPicPr>
+        <p:blipFill>
+          <a:blip r:embed="rId3">
+            <a:extLst>
+              <a:ext uri="{28A0092B-C50C-407E-A947-70E740481C1C}">
+                <a14:useLocalDpi xmlns:a14="http://schemas.microsoft.com/office/drawing/2010/main" val="0"/>
+              </a:ext>
+            </a:extLst>
+          </a:blip>
+          <a:srcRect/>
+          <a:stretch>
+            <a:fillRect/>
+          </a:stretch>
+        </p:blipFill>
+        <p:spPr bwMode="auto">
+          <a:xfrm>
+            <a:off x="802900" y="2240951"/>
+            <a:ext cx="3195232" cy="3195232"/>
+          </a:xfrm>
+          <a:prstGeom prst="rect">
+            <a:avLst/>
+          </a:prstGeom>
+          <a:noFill/>
+          <a:extLst>
+            <a:ext uri="{909E8E84-426E-40DD-AFC4-6F175D3DCCD1}">
+              <a14:hiddenFill xmlns:a14="http://schemas.microsoft.com/office/drawing/2010/main">
+                <a:solidFill>
+                  <a:srgbClr val="FFFFFF"/>
+                </a:solidFill>
+              </a14:hiddenFill>
+            </a:ext>
+          </a:extLst>
+        </p:spPr>
+      </p:pic>
+      <p:pic>
+        <p:nvPicPr>
+          <p:cNvPr id="7176" name="Picture 8" descr="Website - Free computer icons">
+            <a:extLst>
+              <a:ext uri="{FF2B5EF4-FFF2-40B4-BE49-F238E27FC236}">
+                <a16:creationId xmlns:a16="http://schemas.microsoft.com/office/drawing/2014/main" id="{05088306-C724-40B6-97BC-7CEEF3F78D5A}"/>
+              </a:ext>
+            </a:extLst>
+          </p:cNvPr>
+          <p:cNvPicPr>
+            <a:picLocks noChangeAspect="1" noChangeArrowheads="1"/>
+          </p:cNvPicPr>
+          <p:nvPr/>
+        </p:nvPicPr>
+        <p:blipFill>
+          <a:blip r:embed="rId4">
+            <a:extLst>
+              <a:ext uri="{28A0092B-C50C-407E-A947-70E740481C1C}">
+                <a14:useLocalDpi xmlns:a14="http://schemas.microsoft.com/office/drawing/2010/main" val="0"/>
+              </a:ext>
+            </a:extLst>
+          </a:blip>
+          <a:srcRect/>
+          <a:stretch>
+            <a:fillRect/>
+          </a:stretch>
+        </p:blipFill>
+        <p:spPr bwMode="auto">
+          <a:xfrm>
+            <a:off x="8167456" y="2240951"/>
+            <a:ext cx="3355759" cy="3355759"/>
+          </a:xfrm>
+          <a:prstGeom prst="rect">
+            <a:avLst/>
+          </a:prstGeom>
+          <a:noFill/>
+          <a:extLst>
+            <a:ext uri="{909E8E84-426E-40DD-AFC4-6F175D3DCCD1}">
+              <a14:hiddenFill xmlns:a14="http://schemas.microsoft.com/office/drawing/2010/main">
+                <a:solidFill>
+                  <a:srgbClr val="FFFFFF"/>
+                </a:solidFill>
+              </a14:hiddenFill>
+            </a:ext>
+          </a:extLst>
+        </p:spPr>
+      </p:pic>
+      <p:sp>
+        <p:nvSpPr>
+          <p:cNvPr id="10" name="Стрелка: влево-вправо 9">
+            <a:extLst>
+              <a:ext uri="{FF2B5EF4-FFF2-40B4-BE49-F238E27FC236}">
+                <a16:creationId xmlns:a16="http://schemas.microsoft.com/office/drawing/2014/main" id="{170596DA-9540-47E2-A809-EA9D89718EC8}"/>
+              </a:ext>
+            </a:extLst>
+          </p:cNvPr>
+          <p:cNvSpPr/>
+          <p:nvPr/>
+        </p:nvSpPr>
+        <p:spPr>
+          <a:xfrm>
+            <a:off x="7073091" y="3563359"/>
+            <a:ext cx="690616" cy="275208"/>
+          </a:xfrm>
+          <a:prstGeom prst="leftRightArrow">
+            <a:avLst/>
+          </a:prstGeom>
+        </p:spPr>
+        <p:style>
+          <a:lnRef idx="2">
+            <a:schemeClr val="accent1">
+              <a:shade val="50000"/>
+            </a:schemeClr>
+          </a:lnRef>
+          <a:fillRef idx="1">
+            <a:schemeClr val="accent1"/>
+          </a:fillRef>
+          <a:effectRef idx="0">
+            <a:schemeClr val="accent1"/>
+          </a:effectRef>
+          <a:fontRef idx="minor">
+            <a:schemeClr val="lt1"/>
+          </a:fontRef>
+        </p:style>
+        <p:txBody>
+          <a:bodyPr rtlCol="0" anchor="ctr"/>
+          <a:lstStyle/>
+          <a:p>
+            <a:pPr algn="ctr"/>
+            <a:endParaRPr lang="ru-RU"/>
+          </a:p>
+        </p:txBody>
+      </p:sp>
+      <p:sp>
+        <p:nvSpPr>
+          <p:cNvPr id="11" name="Стрелка: влево-вправо 10">
+            <a:extLst>
+              <a:ext uri="{FF2B5EF4-FFF2-40B4-BE49-F238E27FC236}">
+                <a16:creationId xmlns:a16="http://schemas.microsoft.com/office/drawing/2014/main" id="{CFD22FCA-390E-4B61-A91F-772AC2E2CD70}"/>
+              </a:ext>
+            </a:extLst>
+          </p:cNvPr>
+          <p:cNvSpPr/>
+          <p:nvPr/>
+        </p:nvSpPr>
+        <p:spPr>
+          <a:xfrm>
+            <a:off x="3589068" y="3549017"/>
+            <a:ext cx="690616" cy="275208"/>
+          </a:xfrm>
+          <a:prstGeom prst="leftRightArrow">
+            <a:avLst/>
+          </a:prstGeom>
+        </p:spPr>
+        <p:style>
+          <a:lnRef idx="2">
+            <a:schemeClr val="accent1">
+              <a:shade val="50000"/>
+            </a:schemeClr>
+          </a:lnRef>
+          <a:fillRef idx="1">
+            <a:schemeClr val="accent1"/>
+          </a:fillRef>
+          <a:effectRef idx="0">
+            <a:schemeClr val="accent1"/>
+          </a:effectRef>
+          <a:fontRef idx="minor">
+            <a:schemeClr val="lt1"/>
+          </a:fontRef>
+        </p:style>
+        <p:txBody>
+          <a:bodyPr rtlCol="0" anchor="ctr"/>
+          <a:lstStyle/>
+          <a:p>
+            <a:pPr algn="ctr"/>
+            <a:endParaRPr lang="ru-RU"/>
+          </a:p>
+        </p:txBody>
+      </p:sp>
+    </p:spTree>
+    <p:extLst>
+      <p:ext uri="{BB962C8B-B14F-4D97-AF65-F5344CB8AC3E}">
+        <p14:creationId xmlns:p14="http://schemas.microsoft.com/office/powerpoint/2010/main" val="2665666378"/>
+      </p:ext>
+    </p:extLst>
+  </p:cSld>
+  <p:clrMapOvr>
+    <a:masterClrMapping/>
+  </p:clrMapOvr>
+</p:sld>
+</file>
+
+<file path=ppt/slides/slide14.xml><?xml version="1.0" encoding="utf-8"?>
+<p:sld xmlns:a="http://schemas.openxmlformats.org/drawingml/2006/main" xmlns:r="http://schemas.openxmlformats.org/officeDocument/2006/relationships" xmlns:p="http://schemas.openxmlformats.org/presentationml/2006/main">
+  <p:cSld>
+    <p:spTree>
+      <p:nvGrpSpPr>
+        <p:cNvPr id="1" name=""/>
+        <p:cNvGrpSpPr/>
+        <p:nvPr/>
+      </p:nvGrpSpPr>
+      <p:grpSpPr>
+        <a:xfrm>
+          <a:off x="0" y="0"/>
+          <a:ext cx="0" cy="0"/>
+          <a:chOff x="0" y="0"/>
+          <a:chExt cx="0" cy="0"/>
+        </a:xfrm>
+      </p:grpSpPr>
+      <p:sp>
+        <p:nvSpPr>
+          <p:cNvPr id="2" name="Заголовок 1">
+            <a:extLst>
+              <a:ext uri="{FF2B5EF4-FFF2-40B4-BE49-F238E27FC236}">
+                <a16:creationId xmlns:a16="http://schemas.microsoft.com/office/drawing/2014/main" id="{5E562972-3449-42D1-8185-B4BEFD52AB44}"/>
+              </a:ext>
+            </a:extLst>
+          </p:cNvPr>
+          <p:cNvSpPr>
+            <a:spLocks noGrp="1"/>
+          </p:cNvSpPr>
+          <p:nvPr>
+            <p:ph type="title"/>
+          </p:nvPr>
+        </p:nvSpPr>
+        <p:spPr/>
+        <p:txBody>
+          <a:bodyPr rtlCol="0"/>
+          <a:lstStyle/>
+          <a:p>
+            <a:pPr rtl="0"/>
+            <a:r>
+              <a:rPr lang="en-US" dirty="0"/>
               <a:t>Possible users</a:t>
             </a:r>
             <a:endParaRPr lang="ru" dirty="0"/>
@@ -5948,7 +6100,7 @@
 </p:sld>
 </file>
 
-<file path=ppt/slides/slide14.xml><?xml version="1.0" encoding="utf-8"?>
+<file path=ppt/slides/slide15.xml><?xml version="1.0" encoding="utf-8"?>
 <p:sld xmlns:a="http://schemas.openxmlformats.org/drawingml/2006/main" xmlns:r="http://schemas.openxmlformats.org/officeDocument/2006/relationships" xmlns:p="http://schemas.openxmlformats.org/presentationml/2006/main">
   <p:cSld>
     <p:spTree>
@@ -7618,7 +7770,7 @@
             <a:pPr rtl="0"/>
             <a:r>
               <a:rPr lang="en-US" dirty="0"/>
-              <a:t>What would you feel?</a:t>
+              <a:t>Neat questions</a:t>
             </a:r>
             <a:endParaRPr lang="ru" dirty="0"/>
           </a:p>
@@ -7688,7 +7840,7 @@
           <p:cNvPr id="2" name="Заголовок 1">
             <a:extLst>
               <a:ext uri="{FF2B5EF4-FFF2-40B4-BE49-F238E27FC236}">
-                <a16:creationId xmlns:a16="http://schemas.microsoft.com/office/drawing/2014/main" id="{5E562972-3449-42D1-8185-B4BEFD52AB44}"/>
+                <a16:creationId xmlns:a16="http://schemas.microsoft.com/office/drawing/2014/main" id="{6C84764E-F14D-462D-BF7A-64E490659EF8}"/>
               </a:ext>
             </a:extLst>
           </p:cNvPr>
@@ -7701,86 +7853,106 @@
         </p:nvSpPr>
         <p:spPr/>
         <p:txBody>
-          <a:bodyPr rtlCol="0"/>
+          <a:bodyPr/>
           <a:lstStyle/>
           <a:p>
-            <a:pPr rtl="0"/>
             <a:r>
               <a:rPr lang="en-US" dirty="0"/>
-              <a:t>WE HAVE THE SOLUTION!</a:t>
-            </a:r>
-            <a:endParaRPr lang="ru" dirty="0"/>
-          </a:p>
-        </p:txBody>
-      </p:sp>
-      <p:pic>
-        <p:nvPicPr>
-          <p:cNvPr id="6152" name="Picture 8" descr="AI - Free computer icons">
+              <a:t>Questions People ask</a:t>
+            </a:r>
+            <a:endParaRPr lang="ru-RU" dirty="0"/>
+          </a:p>
+        </p:txBody>
+      </p:sp>
+      <p:sp>
+        <p:nvSpPr>
+          <p:cNvPr id="3" name="Объект 2">
             <a:extLst>
               <a:ext uri="{FF2B5EF4-FFF2-40B4-BE49-F238E27FC236}">
-                <a16:creationId xmlns:a16="http://schemas.microsoft.com/office/drawing/2014/main" id="{0FC55A28-0559-47AD-9368-02DFC06D8759}"/>
+                <a16:creationId xmlns:a16="http://schemas.microsoft.com/office/drawing/2014/main" id="{614C836C-69B4-463F-955F-7F513356AF38}"/>
               </a:ext>
             </a:extLst>
           </p:cNvPr>
-          <p:cNvPicPr>
-            <a:picLocks noChangeAspect="1" noChangeArrowheads="1"/>
-          </p:cNvPicPr>
+          <p:cNvSpPr>
+            <a:spLocks noGrp="1"/>
+          </p:cNvSpPr>
+          <p:nvPr>
+            <p:ph idx="1"/>
+          </p:nvPr>
+        </p:nvSpPr>
+        <p:spPr>
+          <a:xfrm>
+            <a:off x="581193" y="2115513"/>
+            <a:ext cx="11029615" cy="2626973"/>
+          </a:xfrm>
+        </p:spPr>
+        <p:txBody>
+          <a:bodyPr>
+            <a:normAutofit lnSpcReduction="10000"/>
+          </a:bodyPr>
+          <a:lstStyle/>
+          <a:p>
+            <a:r>
+              <a:rPr lang="en-US" sz="2400" dirty="0"/>
+              <a:t>“What can I do with old CD/DVD according to the law?”</a:t>
+            </a:r>
+          </a:p>
+          <a:p>
+            <a:r>
+              <a:rPr lang="en-US" sz="2400" dirty="0"/>
+              <a:t>“Am I denigrate the university if I’m telling my opinion?”</a:t>
+            </a:r>
+          </a:p>
+          <a:p>
+            <a:r>
+              <a:rPr lang="en-US" sz="2400" dirty="0"/>
+              <a:t>“Can I take a duck home from park?”</a:t>
+            </a:r>
+          </a:p>
+          <a:p>
+            <a:r>
+              <a:rPr lang="en-US" sz="2400" dirty="0"/>
+              <a:t>“Can I restrict my son from using the phone? Isn’t it his</a:t>
+            </a:r>
+            <a:r>
+              <a:rPr lang="ru-RU" sz="2400" dirty="0"/>
+              <a:t> </a:t>
+            </a:r>
+            <a:r>
+              <a:rPr lang="en-US" sz="2400" dirty="0"/>
+              <a:t>property?”</a:t>
+            </a:r>
+          </a:p>
+          <a:p>
+            <a:r>
+              <a:rPr lang="en-US" sz="2400" dirty="0"/>
+              <a:t>“Can I invite someone home if my co-owner doesn’t want it?”</a:t>
+            </a:r>
+            <a:endParaRPr lang="ru-RU" sz="2400" dirty="0"/>
+          </a:p>
+        </p:txBody>
+      </p:sp>
+      <p:sp>
+        <p:nvSpPr>
+          <p:cNvPr id="5" name="TextBox 4">
+            <a:extLst>
+              <a:ext uri="{FF2B5EF4-FFF2-40B4-BE49-F238E27FC236}">
+                <a16:creationId xmlns:a16="http://schemas.microsoft.com/office/drawing/2014/main" id="{B4268ADA-9498-405B-B3ED-FF5720A60C2A}"/>
+              </a:ext>
+            </a:extLst>
+          </p:cNvPr>
+          <p:cNvSpPr txBox="1"/>
           <p:nvPr/>
-        </p:nvPicPr>
-        <p:blipFill>
-          <a:blip r:embed="rId2">
-            <a:extLst>
-              <a:ext uri="{28A0092B-C50C-407E-A947-70E740481C1C}">
-                <a14:useLocalDpi xmlns:a14="http://schemas.microsoft.com/office/drawing/2010/main" val="0"/>
-              </a:ext>
-            </a:extLst>
-          </a:blip>
-          <a:srcRect/>
-          <a:stretch>
-            <a:fillRect/>
-          </a:stretch>
-        </p:blipFill>
-        <p:spPr bwMode="auto">
-          <a:xfrm>
-            <a:off x="1734105" y="2423604"/>
-            <a:ext cx="3622090" cy="3622090"/>
+        </p:nvSpPr>
+        <p:spPr>
+          <a:xfrm>
+            <a:off x="5015883" y="4742486"/>
+            <a:ext cx="1162975" cy="1015663"/>
           </a:xfrm>
           <a:prstGeom prst="rect">
             <a:avLst/>
           </a:prstGeom>
           <a:noFill/>
-          <a:extLst>
-            <a:ext uri="{909E8E84-426E-40DD-AFC4-6F175D3DCCD1}">
-              <a14:hiddenFill xmlns:a14="http://schemas.microsoft.com/office/drawing/2010/main">
-                <a:solidFill>
-                  <a:srgbClr val="FFFFFF"/>
-                </a:solidFill>
-              </a14:hiddenFill>
-            </a:ext>
-          </a:extLst>
-        </p:spPr>
-      </p:pic>
-      <p:sp>
-        <p:nvSpPr>
-          <p:cNvPr id="3" name="TextBox 2">
-            <a:extLst>
-              <a:ext uri="{FF2B5EF4-FFF2-40B4-BE49-F238E27FC236}">
-                <a16:creationId xmlns:a16="http://schemas.microsoft.com/office/drawing/2014/main" id="{B5439709-BFD2-4026-90F4-5C27E9B35D56}"/>
-              </a:ext>
-            </a:extLst>
-          </p:cNvPr>
-          <p:cNvSpPr txBox="1"/>
-          <p:nvPr/>
-        </p:nvSpPr>
-        <p:spPr>
-          <a:xfrm>
-            <a:off x="5948037" y="2828835"/>
-            <a:ext cx="5246703" cy="1200329"/>
-          </a:xfrm>
-          <a:prstGeom prst="rect">
-            <a:avLst/>
-          </a:prstGeom>
-          <a:noFill/>
         </p:spPr>
         <p:txBody>
           <a:bodyPr wrap="square" rtlCol="0">
@@ -7789,25 +7961,17 @@
           <a:lstStyle/>
           <a:p>
             <a:r>
-              <a:rPr lang="en-US" sz="2400" dirty="0"/>
-              <a:t>Hello! My name is </a:t>
-            </a:r>
-            <a:r>
-              <a:rPr lang="en-US" sz="2400" dirty="0" err="1"/>
-              <a:t>DeepLAW</a:t>
-            </a:r>
-            <a:r>
-              <a:rPr lang="en-US" sz="2400" dirty="0"/>
-              <a:t>. I was created to serve people and help them with solving legal problems.</a:t>
-            </a:r>
-            <a:endParaRPr lang="ru-RU" sz="2400" dirty="0"/>
+              <a:rPr lang="en-US" sz="6000" dirty="0"/>
+              <a:t>. . .</a:t>
+            </a:r>
+            <a:endParaRPr lang="ru-RU" sz="6000" dirty="0"/>
           </a:p>
         </p:txBody>
       </p:sp>
     </p:spTree>
     <p:extLst>
       <p:ext uri="{BB962C8B-B14F-4D97-AF65-F5344CB8AC3E}">
-        <p14:creationId xmlns:p14="http://schemas.microsoft.com/office/powerpoint/2010/main" val="2913722219"/>
+        <p14:creationId xmlns:p14="http://schemas.microsoft.com/office/powerpoint/2010/main" val="1279626261"/>
       </p:ext>
     </p:extLst>
   </p:cSld>

--- a/English professional/DeepLAW.pptx
+++ b/English professional/DeepLAW.pptx
@@ -5,27 +5,29 @@
     <p:sldMasterId id="2147483712" r:id="rId1"/>
   </p:sldMasterIdLst>
   <p:notesMasterIdLst>
-    <p:notesMasterId r:id="rId17"/>
+    <p:notesMasterId r:id="rId19"/>
   </p:notesMasterIdLst>
   <p:handoutMasterIdLst>
-    <p:handoutMasterId r:id="rId18"/>
+    <p:handoutMasterId r:id="rId20"/>
   </p:handoutMasterIdLst>
   <p:sldIdLst>
     <p:sldId id="257" r:id="rId2"/>
     <p:sldId id="258" r:id="rId3"/>
     <p:sldId id="259" r:id="rId4"/>
-    <p:sldId id="260" r:id="rId5"/>
-    <p:sldId id="261" r:id="rId6"/>
-    <p:sldId id="262" r:id="rId7"/>
-    <p:sldId id="267" r:id="rId8"/>
-    <p:sldId id="263" r:id="rId9"/>
-    <p:sldId id="273" r:id="rId10"/>
-    <p:sldId id="264" r:id="rId11"/>
-    <p:sldId id="266" r:id="rId12"/>
-    <p:sldId id="271" r:id="rId13"/>
-    <p:sldId id="268" r:id="rId14"/>
-    <p:sldId id="269" r:id="rId15"/>
-    <p:sldId id="270" r:id="rId16"/>
+    <p:sldId id="274" r:id="rId5"/>
+    <p:sldId id="260" r:id="rId6"/>
+    <p:sldId id="261" r:id="rId7"/>
+    <p:sldId id="262" r:id="rId8"/>
+    <p:sldId id="267" r:id="rId9"/>
+    <p:sldId id="263" r:id="rId10"/>
+    <p:sldId id="275" r:id="rId11"/>
+    <p:sldId id="273" r:id="rId12"/>
+    <p:sldId id="264" r:id="rId13"/>
+    <p:sldId id="266" r:id="rId14"/>
+    <p:sldId id="271" r:id="rId15"/>
+    <p:sldId id="268" r:id="rId16"/>
+    <p:sldId id="269" r:id="rId17"/>
+    <p:sldId id="270" r:id="rId18"/>
   </p:sldIdLst>
   <p:sldSz cx="12192000" cy="6858000"/>
   <p:notesSz cx="6858000" cy="9144000"/>
@@ -219,7 +221,7 @@
             <a:pPr rtl="0"/>
             <a:fld id="{79F2607F-EAB8-462D-9596-B11A1C51125F}" type="datetime1">
               <a:rPr lang="ru-RU" smtClean="0"/>
-              <a:t>07.10.2020</a:t>
+              <a:t>08.10.2020</a:t>
             </a:fld>
             <a:endParaRPr lang="en-US" dirty="0"/>
           </a:p>
@@ -389,7 +391,7 @@
             <a:pPr rtl="0"/>
             <a:fld id="{150EC31D-9C0F-4EDB-9AC9-93AE84D7514D}" type="datetime1">
               <a:rPr lang="ru-RU" smtClean="0"/>
-              <a:t>07.10.2020</a:t>
+              <a:t>08.10.2020</a:t>
             </a:fld>
             <a:endParaRPr lang="en-US"/>
           </a:p>
@@ -903,7 +905,7 @@
             <a:pPr rtl="0"/>
             <a:fld id="{1948E6C3-8E12-426B-A56F-861F8B162AC6}" type="datetime1">
               <a:rPr lang="ru-RU" smtClean="0"/>
-              <a:t>07.10.2020</a:t>
+              <a:t>08.10.2020</a:t>
             </a:fld>
             <a:endParaRPr lang="en-US" dirty="0"/>
           </a:p>
@@ -1110,7 +1112,7 @@
             <a:pPr rtl="0"/>
             <a:fld id="{AD323C2A-FDF4-456A-A556-14045268B55D}" type="datetime1">
               <a:rPr lang="ru-RU" smtClean="0"/>
-              <a:t>07.10.2020</a:t>
+              <a:t>08.10.2020</a:t>
             </a:fld>
             <a:endParaRPr lang="en-US" dirty="0"/>
           </a:p>
@@ -1476,7 +1478,7 @@
             <a:pPr rtl="0"/>
             <a:fld id="{BBD5CFD7-CC7C-49C5-B221-A9E29F5846A0}" type="datetime1">
               <a:rPr lang="ru-RU" smtClean="0"/>
-              <a:t>07.10.2020</a:t>
+              <a:t>08.10.2020</a:t>
             </a:fld>
             <a:endParaRPr lang="en-US" dirty="0"/>
           </a:p>
@@ -1678,7 +1680,7 @@
             <a:pPr rtl="0"/>
             <a:fld id="{6E13CF11-4D7C-4367-8D00-578223D03103}" type="datetime1">
               <a:rPr lang="ru-RU" smtClean="0"/>
-              <a:t>07.10.2020</a:t>
+              <a:t>08.10.2020</a:t>
             </a:fld>
             <a:endParaRPr lang="en-US" dirty="0"/>
           </a:p>
@@ -1994,7 +1996,7 @@
             <a:pPr rtl="0"/>
             <a:fld id="{4540FCE8-CB6C-4798-845F-C8260D76B307}" type="datetime1">
               <a:rPr lang="ru-RU" smtClean="0"/>
-              <a:t>07.10.2020</a:t>
+              <a:t>08.10.2020</a:t>
             </a:fld>
             <a:endParaRPr lang="en-US" dirty="0"/>
           </a:p>
@@ -2251,7 +2253,7 @@
             <a:pPr rtl="0"/>
             <a:fld id="{93C13A7E-4C64-47B0-B355-B165BE4012BA}" type="datetime1">
               <a:rPr lang="ru-RU" smtClean="0"/>
-              <a:t>07.10.2020</a:t>
+              <a:t>08.10.2020</a:t>
             </a:fld>
             <a:endParaRPr lang="en-US" dirty="0"/>
           </a:p>
@@ -2677,7 +2679,7 @@
             <a:pPr rtl="0"/>
             <a:fld id="{731CA3B4-5CE4-4976-BBFE-4E91C7258FC5}" type="datetime1">
               <a:rPr lang="ru-RU" smtClean="0"/>
-              <a:t>07.10.2020</a:t>
+              <a:t>08.10.2020</a:t>
             </a:fld>
             <a:endParaRPr lang="en-US" dirty="0"/>
           </a:p>
@@ -2804,7 +2806,7 @@
             <a:pPr rtl="0"/>
             <a:fld id="{D5316041-DA7D-4734-AA8C-761AB09393E2}" type="datetime1">
               <a:rPr lang="ru-RU" smtClean="0"/>
-              <a:t>07.10.2020</a:t>
+              <a:t>08.10.2020</a:t>
             </a:fld>
             <a:endParaRPr lang="en-US" dirty="0"/>
           </a:p>
@@ -2902,7 +2904,7 @@
             <a:pPr rtl="0"/>
             <a:fld id="{8692EF8B-D3DF-4216-96A1-1B1DE794B37A}" type="datetime1">
               <a:rPr lang="ru-RU" smtClean="0"/>
-              <a:t>07.10.2020</a:t>
+              <a:t>08.10.2020</a:t>
             </a:fld>
             <a:endParaRPr lang="en-US" dirty="0"/>
           </a:p>
@@ -3283,7 +3285,7 @@
             <a:pPr rtl="0"/>
             <a:fld id="{09563768-3096-48CB-A41A-8D454362CCAD}" type="datetime1">
               <a:rPr lang="ru-RU" smtClean="0"/>
-              <a:t>07.10.2020</a:t>
+              <a:t>08.10.2020</a:t>
             </a:fld>
             <a:endParaRPr lang="en-US" dirty="0"/>
           </a:p>
@@ -3581,7 +3583,7 @@
             <a:pPr rtl="0"/>
             <a:fld id="{530088EE-0E82-4198-BDFF-3B9755AA8919}" type="datetime1">
               <a:rPr lang="ru-RU" smtClean="0"/>
-              <a:t>07.10.2020</a:t>
+              <a:t>08.10.2020</a:t>
             </a:fld>
             <a:endParaRPr lang="en-US" dirty="0"/>
           </a:p>
@@ -3799,7 +3801,7 @@
             <a:pPr rtl="0"/>
             <a:fld id="{C6B9E6FA-8E94-487D-81C3-7EE9BB2FD23D}" type="datetime1">
               <a:rPr lang="ru-RU" smtClean="0"/>
-              <a:t>07.10.2020</a:t>
+              <a:t>08.10.2020</a:t>
             </a:fld>
             <a:endParaRPr lang="en-US" dirty="0"/>
           </a:p>
@@ -4789,7 +4791,7 @@
             <a:pPr rtl="0"/>
             <a:r>
               <a:rPr lang="en-US" dirty="0"/>
-              <a:t>WE HAVE THE SOLUTION!</a:t>
+              <a:t>What is the problem</a:t>
             </a:r>
             <a:endParaRPr lang="ru" dirty="0"/>
           </a:p>
@@ -4797,10 +4799,296 @@
       </p:sp>
       <p:pic>
         <p:nvPicPr>
-          <p:cNvPr id="6152" name="Picture 8" descr="AI - Free computer icons">
+          <p:cNvPr id="4" name="Рисунок 3">
             <a:extLst>
               <a:ext uri="{FF2B5EF4-FFF2-40B4-BE49-F238E27FC236}">
-                <a16:creationId xmlns:a16="http://schemas.microsoft.com/office/drawing/2014/main" id="{0FC55A28-0559-47AD-9368-02DFC06D8759}"/>
+                <a16:creationId xmlns:a16="http://schemas.microsoft.com/office/drawing/2014/main" id="{449E9EB4-B104-4A8B-82F7-778E599A0F4E}"/>
+              </a:ext>
+            </a:extLst>
+          </p:cNvPr>
+          <p:cNvPicPr>
+            <a:picLocks noChangeAspect="1"/>
+          </p:cNvPicPr>
+          <p:nvPr/>
+        </p:nvPicPr>
+        <p:blipFill>
+          <a:blip r:embed="rId2"/>
+          <a:stretch>
+            <a:fillRect/>
+          </a:stretch>
+        </p:blipFill>
+        <p:spPr>
+          <a:xfrm>
+            <a:off x="8547290" y="2284832"/>
+            <a:ext cx="2603064" cy="2603064"/>
+          </a:xfrm>
+          <a:prstGeom prst="rect">
+            <a:avLst/>
+          </a:prstGeom>
+        </p:spPr>
+      </p:pic>
+      <p:grpSp>
+        <p:nvGrpSpPr>
+          <p:cNvPr id="16" name="Группа 15">
+            <a:extLst>
+              <a:ext uri="{FF2B5EF4-FFF2-40B4-BE49-F238E27FC236}">
+                <a16:creationId xmlns:a16="http://schemas.microsoft.com/office/drawing/2014/main" id="{51A9194A-3E69-4D69-800D-217C8C85DDCF}"/>
+              </a:ext>
+            </a:extLst>
+          </p:cNvPr>
+          <p:cNvGrpSpPr/>
+          <p:nvPr/>
+        </p:nvGrpSpPr>
+        <p:grpSpPr>
+          <a:xfrm>
+            <a:off x="6175899" y="1821119"/>
+            <a:ext cx="2299132" cy="3765027"/>
+            <a:chOff x="6175899" y="1821119"/>
+            <a:chExt cx="2299132" cy="3765027"/>
+          </a:xfrm>
+        </p:grpSpPr>
+        <p:pic>
+          <p:nvPicPr>
+            <p:cNvPr id="5" name="Picture 4" descr="Law book - Free security icons">
+              <a:extLst>
+                <a:ext uri="{FF2B5EF4-FFF2-40B4-BE49-F238E27FC236}">
+                  <a16:creationId xmlns:a16="http://schemas.microsoft.com/office/drawing/2014/main" id="{0E323924-6104-43E8-AF46-7B92908CC69D}"/>
+                </a:ext>
+              </a:extLst>
+            </p:cNvPr>
+            <p:cNvPicPr>
+              <a:picLocks noChangeAspect="1" noChangeArrowheads="1"/>
+            </p:cNvPicPr>
+            <p:nvPr/>
+          </p:nvPicPr>
+          <p:blipFill>
+            <a:blip r:embed="rId3">
+              <a:extLst>
+                <a:ext uri="{28A0092B-C50C-407E-A947-70E740481C1C}">
+                  <a14:useLocalDpi xmlns:a14="http://schemas.microsoft.com/office/drawing/2010/main" val="0"/>
+                </a:ext>
+              </a:extLst>
+            </a:blip>
+            <a:srcRect/>
+            <a:stretch>
+              <a:fillRect/>
+            </a:stretch>
+          </p:blipFill>
+          <p:spPr bwMode="auto">
+            <a:xfrm>
+              <a:off x="6175899" y="3287014"/>
+              <a:ext cx="2299132" cy="2299132"/>
+            </a:xfrm>
+            <a:prstGeom prst="rect">
+              <a:avLst/>
+            </a:prstGeom>
+            <a:noFill/>
+            <a:extLst>
+              <a:ext uri="{909E8E84-426E-40DD-AFC4-6F175D3DCCD1}">
+                <a14:hiddenFill xmlns:a14="http://schemas.microsoft.com/office/drawing/2010/main">
+                  <a:solidFill>
+                    <a:srgbClr val="FFFFFF"/>
+                  </a:solidFill>
+                </a14:hiddenFill>
+              </a:ext>
+            </a:extLst>
+          </p:spPr>
+        </p:pic>
+        <p:pic>
+          <p:nvPicPr>
+            <p:cNvPr id="9" name="Picture 4" descr="Law book - Free security icons">
+              <a:extLst>
+                <a:ext uri="{FF2B5EF4-FFF2-40B4-BE49-F238E27FC236}">
+                  <a16:creationId xmlns:a16="http://schemas.microsoft.com/office/drawing/2014/main" id="{FD3BF363-99B9-4123-8A72-3F9E8ECB46DD}"/>
+                </a:ext>
+              </a:extLst>
+            </p:cNvPr>
+            <p:cNvPicPr>
+              <a:picLocks noChangeAspect="1" noChangeArrowheads="1"/>
+            </p:cNvPicPr>
+            <p:nvPr/>
+          </p:nvPicPr>
+          <p:blipFill>
+            <a:blip r:embed="rId3">
+              <a:extLst>
+                <a:ext uri="{28A0092B-C50C-407E-A947-70E740481C1C}">
+                  <a14:useLocalDpi xmlns:a14="http://schemas.microsoft.com/office/drawing/2010/main" val="0"/>
+                </a:ext>
+              </a:extLst>
+            </a:blip>
+            <a:srcRect/>
+            <a:stretch>
+              <a:fillRect/>
+            </a:stretch>
+          </p:blipFill>
+          <p:spPr bwMode="auto">
+            <a:xfrm>
+              <a:off x="6175899" y="2942264"/>
+              <a:ext cx="2299132" cy="2299132"/>
+            </a:xfrm>
+            <a:prstGeom prst="rect">
+              <a:avLst/>
+            </a:prstGeom>
+            <a:noFill/>
+            <a:extLst>
+              <a:ext uri="{909E8E84-426E-40DD-AFC4-6F175D3DCCD1}">
+                <a14:hiddenFill xmlns:a14="http://schemas.microsoft.com/office/drawing/2010/main">
+                  <a:solidFill>
+                    <a:srgbClr val="FFFFFF"/>
+                  </a:solidFill>
+                </a14:hiddenFill>
+              </a:ext>
+            </a:extLst>
+          </p:spPr>
+        </p:pic>
+        <p:pic>
+          <p:nvPicPr>
+            <p:cNvPr id="11" name="Picture 4" descr="Law book - Free security icons">
+              <a:extLst>
+                <a:ext uri="{FF2B5EF4-FFF2-40B4-BE49-F238E27FC236}">
+                  <a16:creationId xmlns:a16="http://schemas.microsoft.com/office/drawing/2014/main" id="{7CCE5DC6-B369-4BC1-830E-D981F7028219}"/>
+                </a:ext>
+              </a:extLst>
+            </p:cNvPr>
+            <p:cNvPicPr>
+              <a:picLocks noChangeAspect="1" noChangeArrowheads="1"/>
+            </p:cNvPicPr>
+            <p:nvPr/>
+          </p:nvPicPr>
+          <p:blipFill>
+            <a:blip r:embed="rId3">
+              <a:extLst>
+                <a:ext uri="{28A0092B-C50C-407E-A947-70E740481C1C}">
+                  <a14:useLocalDpi xmlns:a14="http://schemas.microsoft.com/office/drawing/2010/main" val="0"/>
+                </a:ext>
+              </a:extLst>
+            </a:blip>
+            <a:srcRect/>
+            <a:stretch>
+              <a:fillRect/>
+            </a:stretch>
+          </p:blipFill>
+          <p:spPr bwMode="auto">
+            <a:xfrm>
+              <a:off x="6175899" y="2590856"/>
+              <a:ext cx="2299132" cy="2299132"/>
+            </a:xfrm>
+            <a:prstGeom prst="rect">
+              <a:avLst/>
+            </a:prstGeom>
+            <a:noFill/>
+            <a:extLst>
+              <a:ext uri="{909E8E84-426E-40DD-AFC4-6F175D3DCCD1}">
+                <a14:hiddenFill xmlns:a14="http://schemas.microsoft.com/office/drawing/2010/main">
+                  <a:solidFill>
+                    <a:srgbClr val="FFFFFF"/>
+                  </a:solidFill>
+                </a14:hiddenFill>
+              </a:ext>
+            </a:extLst>
+          </p:spPr>
+        </p:pic>
+        <p:pic>
+          <p:nvPicPr>
+            <p:cNvPr id="13" name="Picture 4" descr="Law book - Free security icons">
+              <a:extLst>
+                <a:ext uri="{FF2B5EF4-FFF2-40B4-BE49-F238E27FC236}">
+                  <a16:creationId xmlns:a16="http://schemas.microsoft.com/office/drawing/2014/main" id="{9B82DD0A-820C-4143-A020-F6DDEEDD051E}"/>
+                </a:ext>
+              </a:extLst>
+            </p:cNvPr>
+            <p:cNvPicPr>
+              <a:picLocks noChangeAspect="1" noChangeArrowheads="1"/>
+            </p:cNvPicPr>
+            <p:nvPr/>
+          </p:nvPicPr>
+          <p:blipFill>
+            <a:blip r:embed="rId3">
+              <a:extLst>
+                <a:ext uri="{28A0092B-C50C-407E-A947-70E740481C1C}">
+                  <a14:useLocalDpi xmlns:a14="http://schemas.microsoft.com/office/drawing/2010/main" val="0"/>
+                </a:ext>
+              </a:extLst>
+            </a:blip>
+            <a:srcRect/>
+            <a:stretch>
+              <a:fillRect/>
+            </a:stretch>
+          </p:blipFill>
+          <p:spPr bwMode="auto">
+            <a:xfrm>
+              <a:off x="6175899" y="2137448"/>
+              <a:ext cx="2299132" cy="2299132"/>
+            </a:xfrm>
+            <a:prstGeom prst="rect">
+              <a:avLst/>
+            </a:prstGeom>
+            <a:noFill/>
+            <a:extLst>
+              <a:ext uri="{909E8E84-426E-40DD-AFC4-6F175D3DCCD1}">
+                <a14:hiddenFill xmlns:a14="http://schemas.microsoft.com/office/drawing/2010/main">
+                  <a:solidFill>
+                    <a:srgbClr val="FFFFFF"/>
+                  </a:solidFill>
+                </a14:hiddenFill>
+              </a:ext>
+            </a:extLst>
+          </p:spPr>
+        </p:pic>
+        <p:pic>
+          <p:nvPicPr>
+            <p:cNvPr id="15" name="Picture 4" descr="Law book - Free security icons">
+              <a:extLst>
+                <a:ext uri="{FF2B5EF4-FFF2-40B4-BE49-F238E27FC236}">
+                  <a16:creationId xmlns:a16="http://schemas.microsoft.com/office/drawing/2014/main" id="{7B7E9FE4-E49E-4774-A4B0-41826777ACE5}"/>
+                </a:ext>
+              </a:extLst>
+            </p:cNvPr>
+            <p:cNvPicPr>
+              <a:picLocks noChangeAspect="1" noChangeArrowheads="1"/>
+            </p:cNvPicPr>
+            <p:nvPr/>
+          </p:nvPicPr>
+          <p:blipFill>
+            <a:blip r:embed="rId3">
+              <a:extLst>
+                <a:ext uri="{28A0092B-C50C-407E-A947-70E740481C1C}">
+                  <a14:useLocalDpi xmlns:a14="http://schemas.microsoft.com/office/drawing/2010/main" val="0"/>
+                </a:ext>
+              </a:extLst>
+            </a:blip>
+            <a:srcRect/>
+            <a:stretch>
+              <a:fillRect/>
+            </a:stretch>
+          </p:blipFill>
+          <p:spPr bwMode="auto">
+            <a:xfrm>
+              <a:off x="6175899" y="1821119"/>
+              <a:ext cx="2299132" cy="2299132"/>
+            </a:xfrm>
+            <a:prstGeom prst="rect">
+              <a:avLst/>
+            </a:prstGeom>
+            <a:noFill/>
+            <a:extLst>
+              <a:ext uri="{909E8E84-426E-40DD-AFC4-6F175D3DCCD1}">
+                <a14:hiddenFill xmlns:a14="http://schemas.microsoft.com/office/drawing/2010/main">
+                  <a:solidFill>
+                    <a:srgbClr val="FFFFFF"/>
+                  </a:solidFill>
+                </a14:hiddenFill>
+              </a:ext>
+            </a:extLst>
+          </p:spPr>
+        </p:pic>
+      </p:grpSp>
+      <p:pic>
+        <p:nvPicPr>
+          <p:cNvPr id="18" name="Picture 4" descr="Law book - Free security icons">
+            <a:extLst>
+              <a:ext uri="{FF2B5EF4-FFF2-40B4-BE49-F238E27FC236}">
+                <a16:creationId xmlns:a16="http://schemas.microsoft.com/office/drawing/2014/main" id="{B0879310-2EFF-46AD-B65D-587AA7B942B0}"/>
               </a:ext>
             </a:extLst>
           </p:cNvPr>
@@ -4810,7 +5098,7 @@
           <p:nvPr/>
         </p:nvPicPr>
         <p:blipFill>
-          <a:blip r:embed="rId2">
+          <a:blip r:embed="rId3">
             <a:extLst>
               <a:ext uri="{28A0092B-C50C-407E-A947-70E740481C1C}">
                 <a14:useLocalDpi xmlns:a14="http://schemas.microsoft.com/office/drawing/2010/main" val="0"/>
@@ -4824,8 +5112,8 @@
         </p:blipFill>
         <p:spPr bwMode="auto">
           <a:xfrm>
-            <a:off x="1734105" y="2423604"/>
-            <a:ext cx="3622090" cy="3622090"/>
+            <a:off x="581192" y="2340317"/>
+            <a:ext cx="2565345" cy="2565345"/>
           </a:xfrm>
           <a:prstGeom prst="rect">
             <a:avLst/>
@@ -4842,54 +5130,57 @@
           </a:extLst>
         </p:spPr>
       </p:pic>
-      <p:sp>
-        <p:nvSpPr>
-          <p:cNvPr id="3" name="TextBox 2">
+      <p:pic>
+        <p:nvPicPr>
+          <p:cNvPr id="20" name="Picture 2" descr="Фронтальная силуэт человека, стоявшего | Бесплатно значок">
             <a:extLst>
               <a:ext uri="{FF2B5EF4-FFF2-40B4-BE49-F238E27FC236}">
-                <a16:creationId xmlns:a16="http://schemas.microsoft.com/office/drawing/2014/main" id="{B5439709-BFD2-4026-90F4-5C27E9B35D56}"/>
+                <a16:creationId xmlns:a16="http://schemas.microsoft.com/office/drawing/2014/main" id="{1894D356-07B7-48B2-939B-054700EE072D}"/>
               </a:ext>
             </a:extLst>
           </p:cNvPr>
-          <p:cNvSpPr txBox="1"/>
+          <p:cNvPicPr>
+            <a:picLocks noChangeAspect="1" noChangeArrowheads="1"/>
+          </p:cNvPicPr>
           <p:nvPr/>
-        </p:nvSpPr>
-        <p:spPr>
-          <a:xfrm>
-            <a:off x="5948037" y="2828835"/>
-            <a:ext cx="5246703" cy="1200329"/>
+        </p:nvPicPr>
+        <p:blipFill>
+          <a:blip r:embed="rId4">
+            <a:extLst>
+              <a:ext uri="{28A0092B-C50C-407E-A947-70E740481C1C}">
+                <a14:useLocalDpi xmlns:a14="http://schemas.microsoft.com/office/drawing/2010/main" val="0"/>
+              </a:ext>
+            </a:extLst>
+          </a:blip>
+          <a:srcRect/>
+          <a:stretch>
+            <a:fillRect/>
+          </a:stretch>
+        </p:blipFill>
+        <p:spPr bwMode="auto">
+          <a:xfrm>
+            <a:off x="2250932" y="2391795"/>
+            <a:ext cx="3381652" cy="3381652"/>
           </a:xfrm>
           <a:prstGeom prst="rect">
             <a:avLst/>
           </a:prstGeom>
           <a:noFill/>
-        </p:spPr>
-        <p:txBody>
-          <a:bodyPr wrap="square" rtlCol="0">
-            <a:spAutoFit/>
-          </a:bodyPr>
-          <a:lstStyle/>
-          <a:p>
-            <a:r>
-              <a:rPr lang="en-US" sz="2400" dirty="0"/>
-              <a:t>Hello! My name is </a:t>
-            </a:r>
-            <a:r>
-              <a:rPr lang="en-US" sz="2400" dirty="0" err="1"/>
-              <a:t>DeepLAW</a:t>
-            </a:r>
-            <a:r>
-              <a:rPr lang="en-US" sz="2400" dirty="0"/>
-              <a:t>. I was created to serve people and help them with solving legal problems.</a:t>
-            </a:r>
-            <a:endParaRPr lang="ru-RU" sz="2400" dirty="0"/>
-          </a:p>
-        </p:txBody>
-      </p:sp>
+          <a:extLst>
+            <a:ext uri="{909E8E84-426E-40DD-AFC4-6F175D3DCCD1}">
+              <a14:hiddenFill xmlns:a14="http://schemas.microsoft.com/office/drawing/2010/main">
+                <a:solidFill>
+                  <a:srgbClr val="FFFFFF"/>
+                </a:solidFill>
+              </a14:hiddenFill>
+            </a:ext>
+          </a:extLst>
+        </p:spPr>
+      </p:pic>
     </p:spTree>
     <p:extLst>
       <p:ext uri="{BB962C8B-B14F-4D97-AF65-F5344CB8AC3E}">
-        <p14:creationId xmlns:p14="http://schemas.microsoft.com/office/powerpoint/2010/main" val="2913722219"/>
+        <p14:creationId xmlns:p14="http://schemas.microsoft.com/office/powerpoint/2010/main" val="2881379271"/>
       </p:ext>
     </p:extLst>
   </p:cSld>
@@ -4921,7 +5212,7 @@
           <p:cNvPr id="2" name="Заголовок 1">
             <a:extLst>
               <a:ext uri="{FF2B5EF4-FFF2-40B4-BE49-F238E27FC236}">
-                <a16:creationId xmlns:a16="http://schemas.microsoft.com/office/drawing/2014/main" id="{5E562972-3449-42D1-8185-B4BEFD52AB44}"/>
+                <a16:creationId xmlns:a16="http://schemas.microsoft.com/office/drawing/2014/main" id="{6C84764E-F14D-462D-BF7A-64E490659EF8}"/>
               </a:ext>
             </a:extLst>
           </p:cNvPr>
@@ -4934,24 +5225,127 @@
         </p:nvSpPr>
         <p:spPr/>
         <p:txBody>
-          <a:bodyPr rtlCol="0"/>
+          <a:bodyPr/>
           <a:lstStyle/>
           <a:p>
-            <a:pPr rtl="0"/>
             <a:r>
               <a:rPr lang="en-US" dirty="0"/>
-              <a:t>EASY TO USE</a:t>
-            </a:r>
-            <a:endParaRPr lang="ru" dirty="0"/>
+              <a:t>Questions People ask</a:t>
+            </a:r>
+            <a:endParaRPr lang="ru-RU" dirty="0"/>
+          </a:p>
+        </p:txBody>
+      </p:sp>
+      <p:sp>
+        <p:nvSpPr>
+          <p:cNvPr id="3" name="Объект 2">
+            <a:extLst>
+              <a:ext uri="{FF2B5EF4-FFF2-40B4-BE49-F238E27FC236}">
+                <a16:creationId xmlns:a16="http://schemas.microsoft.com/office/drawing/2014/main" id="{614C836C-69B4-463F-955F-7F513356AF38}"/>
+              </a:ext>
+            </a:extLst>
+          </p:cNvPr>
+          <p:cNvSpPr>
+            <a:spLocks noGrp="1"/>
+          </p:cNvSpPr>
+          <p:nvPr>
+            <p:ph idx="1"/>
+          </p:nvPr>
+        </p:nvSpPr>
+        <p:spPr>
+          <a:xfrm>
+            <a:off x="581193" y="2115513"/>
+            <a:ext cx="11029615" cy="2626973"/>
+          </a:xfrm>
+        </p:spPr>
+        <p:txBody>
+          <a:bodyPr>
+            <a:normAutofit lnSpcReduction="10000"/>
+          </a:bodyPr>
+          <a:lstStyle/>
+          <a:p>
+            <a:r>
+              <a:rPr lang="en-US" sz="2400" dirty="0"/>
+              <a:t>“What can I do with old CD/DVD according to the law?”</a:t>
+            </a:r>
+          </a:p>
+          <a:p>
+            <a:r>
+              <a:rPr lang="en-US" sz="2400" dirty="0"/>
+              <a:t>“Am I denigrate the university if I’m telling my opinion?”</a:t>
+            </a:r>
+          </a:p>
+          <a:p>
+            <a:r>
+              <a:rPr lang="en-US" sz="2400" dirty="0"/>
+              <a:t>“Can I take a duck home from park?”</a:t>
+            </a:r>
+          </a:p>
+          <a:p>
+            <a:r>
+              <a:rPr lang="en-US" sz="2400" dirty="0"/>
+              <a:t>“Can I restrict my son from using the phone? Isn’t it his</a:t>
+            </a:r>
+            <a:r>
+              <a:rPr lang="ru-RU" sz="2400" dirty="0"/>
+              <a:t> </a:t>
+            </a:r>
+            <a:r>
+              <a:rPr lang="en-US" sz="2400" dirty="0"/>
+              <a:t>property?”</a:t>
+            </a:r>
+          </a:p>
+          <a:p>
+            <a:r>
+              <a:rPr lang="en-US" sz="2400" dirty="0"/>
+              <a:t>“Can I invite someone home if my co-owner doesn’t want it?”</a:t>
+            </a:r>
+            <a:endParaRPr lang="ru-RU" sz="2400" dirty="0"/>
+          </a:p>
+        </p:txBody>
+      </p:sp>
+      <p:sp>
+        <p:nvSpPr>
+          <p:cNvPr id="5" name="TextBox 4">
+            <a:extLst>
+              <a:ext uri="{FF2B5EF4-FFF2-40B4-BE49-F238E27FC236}">
+                <a16:creationId xmlns:a16="http://schemas.microsoft.com/office/drawing/2014/main" id="{B4268ADA-9498-405B-B3ED-FF5720A60C2A}"/>
+              </a:ext>
+            </a:extLst>
+          </p:cNvPr>
+          <p:cNvSpPr txBox="1"/>
+          <p:nvPr/>
+        </p:nvSpPr>
+        <p:spPr>
+          <a:xfrm>
+            <a:off x="5015883" y="4742486"/>
+            <a:ext cx="1162975" cy="1015663"/>
+          </a:xfrm>
+          <a:prstGeom prst="rect">
+            <a:avLst/>
+          </a:prstGeom>
+          <a:noFill/>
+        </p:spPr>
+        <p:txBody>
+          <a:bodyPr wrap="square" rtlCol="0">
+            <a:spAutoFit/>
+          </a:bodyPr>
+          <a:lstStyle/>
+          <a:p>
+            <a:r>
+              <a:rPr lang="en-US" sz="6000" dirty="0"/>
+              <a:t>. . .</a:t>
+            </a:r>
+            <a:endParaRPr lang="ru-RU" sz="6000" dirty="0"/>
           </a:p>
         </p:txBody>
       </p:sp>
       <p:pic>
         <p:nvPicPr>
-          <p:cNvPr id="6152" name="Picture 8" descr="AI - Free computer icons">
+          <p:cNvPr id="1026" name="Picture 2" descr="Смайлик-эмодзи 🤔 'Думаю' ВК (ВКонтакте), Инстаграм, Ватсап: код смайла,  значение и расшифровка">
             <a:extLst>
               <a:ext uri="{FF2B5EF4-FFF2-40B4-BE49-F238E27FC236}">
-                <a16:creationId xmlns:a16="http://schemas.microsoft.com/office/drawing/2014/main" id="{0FC55A28-0559-47AD-9368-02DFC06D8759}"/>
+                <a16:creationId xmlns:a16="http://schemas.microsoft.com/office/drawing/2014/main" id="{C70EE41C-8B0B-4BAC-A04D-8D2F879E1ECD}"/>
               </a:ext>
             </a:extLst>
           </p:cNvPr>
@@ -4975,8 +5369,8 @@
         </p:blipFill>
         <p:spPr bwMode="auto">
           <a:xfrm>
-            <a:off x="1229559" y="2588211"/>
-            <a:ext cx="3060576" cy="3060576"/>
+            <a:off x="9554887" y="2166438"/>
+            <a:ext cx="2055920" cy="2055920"/>
           </a:xfrm>
           <a:prstGeom prst="rect">
             <a:avLst/>
@@ -4993,177 +5387,10 @@
           </a:extLst>
         </p:spPr>
       </p:pic>
-      <p:pic>
-        <p:nvPicPr>
-          <p:cNvPr id="4" name="Picture 2" descr="Фронтальная силуэт человека, стоявшего | Бесплатно значок">
-            <a:extLst>
-              <a:ext uri="{FF2B5EF4-FFF2-40B4-BE49-F238E27FC236}">
-                <a16:creationId xmlns:a16="http://schemas.microsoft.com/office/drawing/2014/main" id="{C9BA74B0-8344-4850-8BE5-54D912DFD077}"/>
-              </a:ext>
-            </a:extLst>
-          </p:cNvPr>
-          <p:cNvPicPr>
-            <a:picLocks noChangeAspect="1" noChangeArrowheads="1"/>
-          </p:cNvPicPr>
-          <p:nvPr/>
-        </p:nvPicPr>
-        <p:blipFill>
-          <a:blip r:embed="rId3">
-            <a:extLst>
-              <a:ext uri="{28A0092B-C50C-407E-A947-70E740481C1C}">
-                <a14:useLocalDpi xmlns:a14="http://schemas.microsoft.com/office/drawing/2010/main" val="0"/>
-              </a:ext>
-            </a:extLst>
-          </a:blip>
-          <a:srcRect/>
-          <a:stretch>
-            <a:fillRect/>
-          </a:stretch>
-        </p:blipFill>
-        <p:spPr bwMode="auto">
-          <a:xfrm>
-            <a:off x="7901866" y="2588211"/>
-            <a:ext cx="3381652" cy="3381652"/>
-          </a:xfrm>
-          <a:prstGeom prst="rect">
-            <a:avLst/>
-          </a:prstGeom>
-          <a:noFill/>
-          <a:extLst>
-            <a:ext uri="{909E8E84-426E-40DD-AFC4-6F175D3DCCD1}">
-              <a14:hiddenFill xmlns:a14="http://schemas.microsoft.com/office/drawing/2010/main">
-                <a:solidFill>
-                  <a:srgbClr val="FFFFFF"/>
-                </a:solidFill>
-              </a14:hiddenFill>
-            </a:ext>
-          </a:extLst>
-        </p:spPr>
-      </p:pic>
-      <p:sp>
-        <p:nvSpPr>
-          <p:cNvPr id="8" name="Облачко с текстом: прямоугольное со скругленными углами 7">
-            <a:extLst>
-              <a:ext uri="{FF2B5EF4-FFF2-40B4-BE49-F238E27FC236}">
-                <a16:creationId xmlns:a16="http://schemas.microsoft.com/office/drawing/2014/main" id="{0A994635-2344-4CA1-B5F6-95EBCABD9D4D}"/>
-              </a:ext>
-            </a:extLst>
-          </p:cNvPr>
-          <p:cNvSpPr/>
-          <p:nvPr/>
-        </p:nvSpPr>
-        <p:spPr>
-          <a:xfrm>
-            <a:off x="5592932" y="1413781"/>
-            <a:ext cx="3232677" cy="1347481"/>
-          </a:xfrm>
-          <a:prstGeom prst="wedgeRoundRectCallout">
-            <a:avLst>
-              <a:gd name="adj1" fmla="val 38866"/>
-              <a:gd name="adj2" fmla="val 58034"/>
-              <a:gd name="adj3" fmla="val 16667"/>
-            </a:avLst>
-          </a:prstGeom>
-        </p:spPr>
-        <p:style>
-          <a:lnRef idx="2">
-            <a:schemeClr val="accent6"/>
-          </a:lnRef>
-          <a:fillRef idx="1">
-            <a:schemeClr val="lt1"/>
-          </a:fillRef>
-          <a:effectRef idx="0">
-            <a:schemeClr val="accent6"/>
-          </a:effectRef>
-          <a:fontRef idx="minor">
-            <a:schemeClr val="dk1"/>
-          </a:fontRef>
-        </p:style>
-        <p:txBody>
-          <a:bodyPr rtlCol="0" anchor="ctr"/>
-          <a:lstStyle/>
-          <a:p>
-            <a:pPr algn="ctr"/>
-            <a:r>
-              <a:rPr lang="en-US" sz="2800" dirty="0"/>
-              <a:t>I have a problem with my card…</a:t>
-            </a:r>
-            <a:endParaRPr lang="ru-RU" sz="2800" dirty="0"/>
-          </a:p>
-        </p:txBody>
-      </p:sp>
-      <p:sp>
-        <p:nvSpPr>
-          <p:cNvPr id="6" name="Облачко с текстом: прямоугольное со скругленными углами 5">
-            <a:extLst>
-              <a:ext uri="{FF2B5EF4-FFF2-40B4-BE49-F238E27FC236}">
-                <a16:creationId xmlns:a16="http://schemas.microsoft.com/office/drawing/2014/main" id="{598D8018-E6E7-449B-A59C-E3099356E922}"/>
-              </a:ext>
-            </a:extLst>
-          </p:cNvPr>
-          <p:cNvSpPr/>
-          <p:nvPr/>
-        </p:nvSpPr>
-        <p:spPr>
-          <a:xfrm>
-            <a:off x="4479662" y="2931556"/>
-            <a:ext cx="3232677" cy="1347481"/>
-          </a:xfrm>
-          <a:prstGeom prst="wedgeRoundRectCallout">
-            <a:avLst>
-              <a:gd name="adj1" fmla="val -45992"/>
-              <a:gd name="adj2" fmla="val 60669"/>
-              <a:gd name="adj3" fmla="val 16667"/>
-            </a:avLst>
-          </a:prstGeom>
-        </p:spPr>
-        <p:style>
-          <a:lnRef idx="2">
-            <a:schemeClr val="accent6"/>
-          </a:lnRef>
-          <a:fillRef idx="1">
-            <a:schemeClr val="lt1"/>
-          </a:fillRef>
-          <a:effectRef idx="0">
-            <a:schemeClr val="accent6"/>
-          </a:effectRef>
-          <a:fontRef idx="minor">
-            <a:schemeClr val="dk1"/>
-          </a:fontRef>
-        </p:style>
-        <p:txBody>
-          <a:bodyPr rtlCol="0" anchor="ctr"/>
-          <a:lstStyle/>
-          <a:p>
-            <a:pPr algn="ctr"/>
-            <a:r>
-              <a:rPr lang="en-US" sz="2000" dirty="0"/>
-              <a:t>Here what the </a:t>
-            </a:r>
-            <a:r>
-              <a:rPr lang="en-US" sz="2000" b="1" dirty="0"/>
-              <a:t>law</a:t>
-            </a:r>
-            <a:r>
-              <a:rPr lang="en-US" sz="2000" dirty="0"/>
-              <a:t> says about your problem and </a:t>
-            </a:r>
-            <a:r>
-              <a:rPr lang="en-US" sz="2000" b="1" dirty="0"/>
-              <a:t>what you should do</a:t>
-            </a:r>
-            <a:r>
-              <a:rPr lang="en-US" sz="2000" dirty="0"/>
-              <a:t> next…</a:t>
-            </a:r>
-            <a:endParaRPr lang="ru-RU" sz="2000" dirty="0"/>
-          </a:p>
-        </p:txBody>
-      </p:sp>
     </p:spTree>
     <p:extLst>
       <p:ext uri="{BB962C8B-B14F-4D97-AF65-F5344CB8AC3E}">
-        <p14:creationId xmlns:p14="http://schemas.microsoft.com/office/powerpoint/2010/main" val="2222079896"/>
+        <p14:creationId xmlns:p14="http://schemas.microsoft.com/office/powerpoint/2010/main" val="1279626261"/>
       </p:ext>
     </p:extLst>
   </p:cSld>
@@ -5214,7 +5441,7 @@
             <a:pPr rtl="0"/>
             <a:r>
               <a:rPr lang="en-US" dirty="0"/>
-              <a:t>HOW TO ACHIEVE THIS</a:t>
+              <a:t>WE HAVE THE SOLUTION!</a:t>
             </a:r>
             <a:endParaRPr lang="ru" dirty="0"/>
           </a:p>
@@ -5248,9 +5475,9 @@
           </a:stretch>
         </p:blipFill>
         <p:spPr bwMode="auto">
-          <a:xfrm flipH="1">
-            <a:off x="8217024" y="2668110"/>
-            <a:ext cx="3060576" cy="3060576"/>
+          <a:xfrm>
+            <a:off x="1734105" y="2423604"/>
+            <a:ext cx="3622090" cy="3622090"/>
           </a:xfrm>
           <a:prstGeom prst="rect">
             <a:avLst/>
@@ -5267,212 +5494,54 @@
           </a:extLst>
         </p:spPr>
       </p:pic>
-      <p:pic>
-        <p:nvPicPr>
-          <p:cNvPr id="1028" name="Picture 4" descr="Law book - Free security icons">
+      <p:sp>
+        <p:nvSpPr>
+          <p:cNvPr id="3" name="TextBox 2">
             <a:extLst>
               <a:ext uri="{FF2B5EF4-FFF2-40B4-BE49-F238E27FC236}">
-                <a16:creationId xmlns:a16="http://schemas.microsoft.com/office/drawing/2014/main" id="{910EF240-B033-4D96-8A3A-06D14A052C60}"/>
+                <a16:creationId xmlns:a16="http://schemas.microsoft.com/office/drawing/2014/main" id="{B5439709-BFD2-4026-90F4-5C27E9B35D56}"/>
               </a:ext>
             </a:extLst>
           </p:cNvPr>
-          <p:cNvPicPr>
-            <a:picLocks noChangeAspect="1" noChangeArrowheads="1"/>
-          </p:cNvPicPr>
+          <p:cNvSpPr txBox="1"/>
           <p:nvPr/>
-        </p:nvPicPr>
-        <p:blipFill>
-          <a:blip r:embed="rId3">
-            <a:extLst>
-              <a:ext uri="{28A0092B-C50C-407E-A947-70E740481C1C}">
-                <a14:useLocalDpi xmlns:a14="http://schemas.microsoft.com/office/drawing/2010/main" val="0"/>
-              </a:ext>
-            </a:extLst>
-          </a:blip>
-          <a:srcRect/>
-          <a:stretch>
-            <a:fillRect/>
-          </a:stretch>
-        </p:blipFill>
-        <p:spPr bwMode="auto">
-          <a:xfrm>
-            <a:off x="710214" y="2668110"/>
-            <a:ext cx="3060576" cy="3060576"/>
+        </p:nvSpPr>
+        <p:spPr>
+          <a:xfrm>
+            <a:off x="5948037" y="2828835"/>
+            <a:ext cx="5246703" cy="1200329"/>
           </a:xfrm>
           <a:prstGeom prst="rect">
             <a:avLst/>
           </a:prstGeom>
           <a:noFill/>
-          <a:extLst>
-            <a:ext uri="{909E8E84-426E-40DD-AFC4-6F175D3DCCD1}">
-              <a14:hiddenFill xmlns:a14="http://schemas.microsoft.com/office/drawing/2010/main">
-                <a:solidFill>
-                  <a:srgbClr val="FFFFFF"/>
-                </a:solidFill>
-              </a14:hiddenFill>
-            </a:ext>
-          </a:extLst>
-        </p:spPr>
-      </p:pic>
-      <p:pic>
-        <p:nvPicPr>
-          <p:cNvPr id="1030" name="Picture 6" descr="Artificial Intelligence Svg Png Icon Free Download (#535483) -  OnlineWebFonts.COM">
-            <a:extLst>
-              <a:ext uri="{FF2B5EF4-FFF2-40B4-BE49-F238E27FC236}">
-                <a16:creationId xmlns:a16="http://schemas.microsoft.com/office/drawing/2014/main" id="{01C1F0C2-C575-41CF-A820-0AAC98F7C189}"/>
-              </a:ext>
-            </a:extLst>
-          </p:cNvPr>
-          <p:cNvPicPr>
-            <a:picLocks noChangeAspect="1" noChangeArrowheads="1"/>
-          </p:cNvPicPr>
-          <p:nvPr/>
-        </p:nvPicPr>
-        <p:blipFill>
-          <a:blip r:embed="rId4">
-            <a:extLst>
-              <a:ext uri="{28A0092B-C50C-407E-A947-70E740481C1C}">
-                <a14:useLocalDpi xmlns:a14="http://schemas.microsoft.com/office/drawing/2010/main" val="0"/>
-              </a:ext>
-            </a:extLst>
-          </a:blip>
-          <a:srcRect/>
-          <a:stretch>
-            <a:fillRect/>
-          </a:stretch>
-        </p:blipFill>
-        <p:spPr bwMode="auto">
-          <a:xfrm>
-            <a:off x="4838006" y="2907807"/>
-            <a:ext cx="2143125" cy="2143125"/>
-          </a:xfrm>
-          <a:prstGeom prst="rect">
-            <a:avLst/>
-          </a:prstGeom>
-          <a:noFill/>
-          <a:extLst>
-            <a:ext uri="{909E8E84-426E-40DD-AFC4-6F175D3DCCD1}">
-              <a14:hiddenFill xmlns:a14="http://schemas.microsoft.com/office/drawing/2010/main">
-                <a:solidFill>
-                  <a:srgbClr val="FFFFFF"/>
-                </a:solidFill>
-              </a14:hiddenFill>
-            </a:ext>
-          </a:extLst>
-        </p:spPr>
-      </p:pic>
-      <p:sp>
-        <p:nvSpPr>
-          <p:cNvPr id="5" name="TextBox 4">
-            <a:extLst>
-              <a:ext uri="{FF2B5EF4-FFF2-40B4-BE49-F238E27FC236}">
-                <a16:creationId xmlns:a16="http://schemas.microsoft.com/office/drawing/2014/main" id="{E24E96B1-1F9E-4645-9A0A-E8804FC793A4}"/>
-              </a:ext>
-            </a:extLst>
-          </p:cNvPr>
-          <p:cNvSpPr txBox="1"/>
-          <p:nvPr/>
-        </p:nvSpPr>
-        <p:spPr>
-          <a:xfrm>
-            <a:off x="5369548" y="5304946"/>
-            <a:ext cx="1080039" cy="523220"/>
-          </a:xfrm>
-          <a:prstGeom prst="rect">
-            <a:avLst/>
-          </a:prstGeom>
-          <a:noFill/>
-        </p:spPr>
-        <p:txBody>
-          <a:bodyPr wrap="none" rtlCol="0">
+        </p:spPr>
+        <p:txBody>
+          <a:bodyPr wrap="square" rtlCol="0">
             <a:spAutoFit/>
           </a:bodyPr>
           <a:lstStyle/>
           <a:p>
             <a:r>
-              <a:rPr lang="en-US" sz="2800" dirty="0"/>
-              <a:t>GPT-3</a:t>
-            </a:r>
-            <a:endParaRPr lang="ru-RU" sz="2800" dirty="0"/>
-          </a:p>
-        </p:txBody>
-      </p:sp>
-      <p:sp>
-        <p:nvSpPr>
-          <p:cNvPr id="10" name="TextBox 9">
-            <a:extLst>
-              <a:ext uri="{FF2B5EF4-FFF2-40B4-BE49-F238E27FC236}">
-                <a16:creationId xmlns:a16="http://schemas.microsoft.com/office/drawing/2014/main" id="{D864AB57-C706-4553-A100-18FDCD111518}"/>
-              </a:ext>
-            </a:extLst>
-          </p:cNvPr>
-          <p:cNvSpPr txBox="1"/>
-          <p:nvPr/>
-        </p:nvSpPr>
-        <p:spPr>
-          <a:xfrm>
-            <a:off x="3892073" y="3563870"/>
-            <a:ext cx="545342" cy="830997"/>
-          </a:xfrm>
-          <a:prstGeom prst="rect">
-            <a:avLst/>
-          </a:prstGeom>
-          <a:noFill/>
-        </p:spPr>
-        <p:txBody>
-          <a:bodyPr wrap="none" rtlCol="0">
-            <a:spAutoFit/>
-          </a:bodyPr>
-          <a:lstStyle/>
-          <a:p>
-            <a:r>
-              <a:rPr lang="en-US" sz="4800" dirty="0"/>
-              <a:t>+</a:t>
-            </a:r>
-            <a:endParaRPr lang="ru-RU" sz="4800" dirty="0"/>
-          </a:p>
-        </p:txBody>
-      </p:sp>
-      <p:sp>
-        <p:nvSpPr>
-          <p:cNvPr id="12" name="TextBox 11">
-            <a:extLst>
-              <a:ext uri="{FF2B5EF4-FFF2-40B4-BE49-F238E27FC236}">
-                <a16:creationId xmlns:a16="http://schemas.microsoft.com/office/drawing/2014/main" id="{262FCE28-3C3B-412C-B984-B6C802A14713}"/>
-              </a:ext>
-            </a:extLst>
-          </p:cNvPr>
-          <p:cNvSpPr txBox="1"/>
-          <p:nvPr/>
-        </p:nvSpPr>
-        <p:spPr>
-          <a:xfrm>
-            <a:off x="7326406" y="3563869"/>
-            <a:ext cx="545342" cy="830997"/>
-          </a:xfrm>
-          <a:prstGeom prst="rect">
-            <a:avLst/>
-          </a:prstGeom>
-          <a:noFill/>
-        </p:spPr>
-        <p:txBody>
-          <a:bodyPr wrap="none" rtlCol="0">
-            <a:spAutoFit/>
-          </a:bodyPr>
-          <a:lstStyle/>
-          <a:p>
-            <a:r>
-              <a:rPr lang="en-US" sz="4800" dirty="0"/>
-              <a:t>=</a:t>
-            </a:r>
-            <a:endParaRPr lang="ru-RU" sz="4800" dirty="0"/>
+              <a:rPr lang="en-US" sz="2400" dirty="0"/>
+              <a:t>Hello! My name is </a:t>
+            </a:r>
+            <a:r>
+              <a:rPr lang="en-US" sz="2400" dirty="0" err="1"/>
+              <a:t>DeepLAW</a:t>
+            </a:r>
+            <a:r>
+              <a:rPr lang="en-US" sz="2400" dirty="0"/>
+              <a:t>. I was created to serve people and help them with solving legal problems.</a:t>
+            </a:r>
+            <a:endParaRPr lang="ru-RU" sz="2400" dirty="0"/>
           </a:p>
         </p:txBody>
       </p:sp>
     </p:spTree>
     <p:extLst>
       <p:ext uri="{BB962C8B-B14F-4D97-AF65-F5344CB8AC3E}">
-        <p14:creationId xmlns:p14="http://schemas.microsoft.com/office/powerpoint/2010/main" val="2837816414"/>
+        <p14:creationId xmlns:p14="http://schemas.microsoft.com/office/powerpoint/2010/main" val="2913722219"/>
       </p:ext>
     </p:extLst>
   </p:cSld>
@@ -5523,7 +5592,7 @@
             <a:pPr rtl="0"/>
             <a:r>
               <a:rPr lang="en-US" dirty="0"/>
-              <a:t>Multiple connections</a:t>
+              <a:t>EASY TO USE</a:t>
             </a:r>
             <a:endParaRPr lang="ru" dirty="0"/>
           </a:p>
@@ -5558,8 +5627,8 @@
         </p:blipFill>
         <p:spPr bwMode="auto">
           <a:xfrm>
-            <a:off x="4481558" y="2739394"/>
-            <a:ext cx="2358871" cy="2358871"/>
+            <a:off x="1229559" y="2588211"/>
+            <a:ext cx="3060576" cy="3060576"/>
           </a:xfrm>
           <a:prstGeom prst="rect">
             <a:avLst/>
@@ -5578,10 +5647,10 @@
       </p:pic>
       <p:pic>
         <p:nvPicPr>
-          <p:cNvPr id="7174" name="Picture 6" descr="Smartphone - Free technology icons">
+          <p:cNvPr id="4" name="Picture 2" descr="Фронтальная силуэт человека, стоявшего | Бесплатно значок">
             <a:extLst>
               <a:ext uri="{FF2B5EF4-FFF2-40B4-BE49-F238E27FC236}">
-                <a16:creationId xmlns:a16="http://schemas.microsoft.com/office/drawing/2014/main" id="{5FB4FBFF-973E-40DB-917B-F92D70113CED}"/>
+                <a16:creationId xmlns:a16="http://schemas.microsoft.com/office/drawing/2014/main" id="{C9BA74B0-8344-4850-8BE5-54D912DFD077}"/>
               </a:ext>
             </a:extLst>
           </p:cNvPr>
@@ -5605,8 +5674,8 @@
         </p:blipFill>
         <p:spPr bwMode="auto">
           <a:xfrm>
-            <a:off x="802900" y="2240951"/>
-            <a:ext cx="3195232" cy="3195232"/>
+            <a:off x="7901866" y="2588211"/>
+            <a:ext cx="3381652" cy="3381652"/>
           </a:xfrm>
           <a:prstGeom prst="rect">
             <a:avLst/>
@@ -5623,59 +5692,12 @@
           </a:extLst>
         </p:spPr>
       </p:pic>
-      <p:pic>
-        <p:nvPicPr>
-          <p:cNvPr id="7176" name="Picture 8" descr="Website - Free computer icons">
+      <p:sp>
+        <p:nvSpPr>
+          <p:cNvPr id="8" name="Облачко с текстом: прямоугольное со скругленными углами 7">
             <a:extLst>
               <a:ext uri="{FF2B5EF4-FFF2-40B4-BE49-F238E27FC236}">
-                <a16:creationId xmlns:a16="http://schemas.microsoft.com/office/drawing/2014/main" id="{05088306-C724-40B6-97BC-7CEEF3F78D5A}"/>
-              </a:ext>
-            </a:extLst>
-          </p:cNvPr>
-          <p:cNvPicPr>
-            <a:picLocks noChangeAspect="1" noChangeArrowheads="1"/>
-          </p:cNvPicPr>
-          <p:nvPr/>
-        </p:nvPicPr>
-        <p:blipFill>
-          <a:blip r:embed="rId4">
-            <a:extLst>
-              <a:ext uri="{28A0092B-C50C-407E-A947-70E740481C1C}">
-                <a14:useLocalDpi xmlns:a14="http://schemas.microsoft.com/office/drawing/2010/main" val="0"/>
-              </a:ext>
-            </a:extLst>
-          </a:blip>
-          <a:srcRect/>
-          <a:stretch>
-            <a:fillRect/>
-          </a:stretch>
-        </p:blipFill>
-        <p:spPr bwMode="auto">
-          <a:xfrm>
-            <a:off x="8167456" y="2240951"/>
-            <a:ext cx="3355759" cy="3355759"/>
-          </a:xfrm>
-          <a:prstGeom prst="rect">
-            <a:avLst/>
-          </a:prstGeom>
-          <a:noFill/>
-          <a:extLst>
-            <a:ext uri="{909E8E84-426E-40DD-AFC4-6F175D3DCCD1}">
-              <a14:hiddenFill xmlns:a14="http://schemas.microsoft.com/office/drawing/2010/main">
-                <a:solidFill>
-                  <a:srgbClr val="FFFFFF"/>
-                </a:solidFill>
-              </a14:hiddenFill>
-            </a:ext>
-          </a:extLst>
-        </p:spPr>
-      </p:pic>
-      <p:sp>
-        <p:nvSpPr>
-          <p:cNvPr id="10" name="Стрелка: влево-вправо 9">
-            <a:extLst>
-              <a:ext uri="{FF2B5EF4-FFF2-40B4-BE49-F238E27FC236}">
-                <a16:creationId xmlns:a16="http://schemas.microsoft.com/office/drawing/2014/main" id="{170596DA-9540-47E2-A809-EA9D89718EC8}"/>
+                <a16:creationId xmlns:a16="http://schemas.microsoft.com/office/drawing/2014/main" id="{0A994635-2344-4CA1-B5F6-95EBCABD9D4D}"/>
               </a:ext>
             </a:extLst>
           </p:cNvPr>
@@ -5684,27 +5706,29 @@
         </p:nvSpPr>
         <p:spPr>
           <a:xfrm>
-            <a:off x="7073091" y="3563359"/>
-            <a:ext cx="690616" cy="275208"/>
-          </a:xfrm>
-          <a:prstGeom prst="leftRightArrow">
-            <a:avLst/>
+            <a:off x="5592932" y="1413781"/>
+            <a:ext cx="3232677" cy="1347481"/>
+          </a:xfrm>
+          <a:prstGeom prst="wedgeRoundRectCallout">
+            <a:avLst>
+              <a:gd name="adj1" fmla="val 38866"/>
+              <a:gd name="adj2" fmla="val 58034"/>
+              <a:gd name="adj3" fmla="val 16667"/>
+            </a:avLst>
           </a:prstGeom>
         </p:spPr>
         <p:style>
           <a:lnRef idx="2">
-            <a:schemeClr val="accent1">
-              <a:shade val="50000"/>
-            </a:schemeClr>
+            <a:schemeClr val="accent6"/>
           </a:lnRef>
           <a:fillRef idx="1">
-            <a:schemeClr val="accent1"/>
+            <a:schemeClr val="lt1"/>
           </a:fillRef>
           <a:effectRef idx="0">
-            <a:schemeClr val="accent1"/>
+            <a:schemeClr val="accent6"/>
           </a:effectRef>
           <a:fontRef idx="minor">
-            <a:schemeClr val="lt1"/>
+            <a:schemeClr val="dk1"/>
           </a:fontRef>
         </p:style>
         <p:txBody>
@@ -5712,16 +5736,20 @@
           <a:lstStyle/>
           <a:p>
             <a:pPr algn="ctr"/>
-            <a:endParaRPr lang="ru-RU"/>
-          </a:p>
-        </p:txBody>
-      </p:sp>
-      <p:sp>
-        <p:nvSpPr>
-          <p:cNvPr id="11" name="Стрелка: влево-вправо 10">
+            <a:r>
+              <a:rPr lang="en-US" sz="2800" dirty="0"/>
+              <a:t>I have a problem with my card…</a:t>
+            </a:r>
+            <a:endParaRPr lang="ru-RU" sz="2800" dirty="0"/>
+          </a:p>
+        </p:txBody>
+      </p:sp>
+      <p:sp>
+        <p:nvSpPr>
+          <p:cNvPr id="6" name="Облачко с текстом: прямоугольное со скругленными углами 5">
             <a:extLst>
               <a:ext uri="{FF2B5EF4-FFF2-40B4-BE49-F238E27FC236}">
-                <a16:creationId xmlns:a16="http://schemas.microsoft.com/office/drawing/2014/main" id="{CFD22FCA-390E-4B61-A91F-772AC2E2CD70}"/>
+                <a16:creationId xmlns:a16="http://schemas.microsoft.com/office/drawing/2014/main" id="{598D8018-E6E7-449B-A59C-E3099356E922}"/>
               </a:ext>
             </a:extLst>
           </p:cNvPr>
@@ -5730,27 +5758,29 @@
         </p:nvSpPr>
         <p:spPr>
           <a:xfrm>
-            <a:off x="3589068" y="3549017"/>
-            <a:ext cx="690616" cy="275208"/>
-          </a:xfrm>
-          <a:prstGeom prst="leftRightArrow">
-            <a:avLst/>
+            <a:off x="4479662" y="2931556"/>
+            <a:ext cx="3232677" cy="1347481"/>
+          </a:xfrm>
+          <a:prstGeom prst="wedgeRoundRectCallout">
+            <a:avLst>
+              <a:gd name="adj1" fmla="val -45992"/>
+              <a:gd name="adj2" fmla="val 60669"/>
+              <a:gd name="adj3" fmla="val 16667"/>
+            </a:avLst>
           </a:prstGeom>
         </p:spPr>
         <p:style>
           <a:lnRef idx="2">
-            <a:schemeClr val="accent1">
-              <a:shade val="50000"/>
-            </a:schemeClr>
+            <a:schemeClr val="accent6"/>
           </a:lnRef>
           <a:fillRef idx="1">
-            <a:schemeClr val="accent1"/>
+            <a:schemeClr val="lt1"/>
           </a:fillRef>
           <a:effectRef idx="0">
-            <a:schemeClr val="accent1"/>
+            <a:schemeClr val="accent6"/>
           </a:effectRef>
           <a:fontRef idx="minor">
-            <a:schemeClr val="lt1"/>
+            <a:schemeClr val="dk1"/>
           </a:fontRef>
         </p:style>
         <p:txBody>
@@ -5758,14 +5788,34 @@
           <a:lstStyle/>
           <a:p>
             <a:pPr algn="ctr"/>
-            <a:endParaRPr lang="ru-RU"/>
+            <a:r>
+              <a:rPr lang="en-US" sz="2000" dirty="0"/>
+              <a:t>Here what the </a:t>
+            </a:r>
+            <a:r>
+              <a:rPr lang="en-US" sz="2000" b="1" dirty="0"/>
+              <a:t>law</a:t>
+            </a:r>
+            <a:r>
+              <a:rPr lang="en-US" sz="2000" dirty="0"/>
+              <a:t> says about your problem and </a:t>
+            </a:r>
+            <a:r>
+              <a:rPr lang="en-US" sz="2000" b="1" dirty="0"/>
+              <a:t>what you should do</a:t>
+            </a:r>
+            <a:r>
+              <a:rPr lang="en-US" sz="2000" dirty="0"/>
+              <a:t> next…</a:t>
+            </a:r>
+            <a:endParaRPr lang="ru-RU" sz="2000" dirty="0"/>
           </a:p>
         </p:txBody>
       </p:sp>
     </p:spTree>
     <p:extLst>
       <p:ext uri="{BB962C8B-B14F-4D97-AF65-F5344CB8AC3E}">
-        <p14:creationId xmlns:p14="http://schemas.microsoft.com/office/powerpoint/2010/main" val="2665666378"/>
+        <p14:creationId xmlns:p14="http://schemas.microsoft.com/office/powerpoint/2010/main" val="2222079896"/>
       </p:ext>
     </p:extLst>
   </p:cSld>
@@ -5816,6 +5866,608 @@
             <a:pPr rtl="0"/>
             <a:r>
               <a:rPr lang="en-US" dirty="0"/>
+              <a:t>HOW TO ACHIEVE THIS</a:t>
+            </a:r>
+            <a:endParaRPr lang="ru" dirty="0"/>
+          </a:p>
+        </p:txBody>
+      </p:sp>
+      <p:pic>
+        <p:nvPicPr>
+          <p:cNvPr id="6152" name="Picture 8" descr="AI - Free computer icons">
+            <a:extLst>
+              <a:ext uri="{FF2B5EF4-FFF2-40B4-BE49-F238E27FC236}">
+                <a16:creationId xmlns:a16="http://schemas.microsoft.com/office/drawing/2014/main" id="{0FC55A28-0559-47AD-9368-02DFC06D8759}"/>
+              </a:ext>
+            </a:extLst>
+          </p:cNvPr>
+          <p:cNvPicPr>
+            <a:picLocks noChangeAspect="1" noChangeArrowheads="1"/>
+          </p:cNvPicPr>
+          <p:nvPr/>
+        </p:nvPicPr>
+        <p:blipFill>
+          <a:blip r:embed="rId2">
+            <a:extLst>
+              <a:ext uri="{28A0092B-C50C-407E-A947-70E740481C1C}">
+                <a14:useLocalDpi xmlns:a14="http://schemas.microsoft.com/office/drawing/2010/main" val="0"/>
+              </a:ext>
+            </a:extLst>
+          </a:blip>
+          <a:srcRect/>
+          <a:stretch>
+            <a:fillRect/>
+          </a:stretch>
+        </p:blipFill>
+        <p:spPr bwMode="auto">
+          <a:xfrm flipH="1">
+            <a:off x="8217024" y="2668110"/>
+            <a:ext cx="3060576" cy="3060576"/>
+          </a:xfrm>
+          <a:prstGeom prst="rect">
+            <a:avLst/>
+          </a:prstGeom>
+          <a:noFill/>
+          <a:extLst>
+            <a:ext uri="{909E8E84-426E-40DD-AFC4-6F175D3DCCD1}">
+              <a14:hiddenFill xmlns:a14="http://schemas.microsoft.com/office/drawing/2010/main">
+                <a:solidFill>
+                  <a:srgbClr val="FFFFFF"/>
+                </a:solidFill>
+              </a14:hiddenFill>
+            </a:ext>
+          </a:extLst>
+        </p:spPr>
+      </p:pic>
+      <p:pic>
+        <p:nvPicPr>
+          <p:cNvPr id="1028" name="Picture 4" descr="Law book - Free security icons">
+            <a:extLst>
+              <a:ext uri="{FF2B5EF4-FFF2-40B4-BE49-F238E27FC236}">
+                <a16:creationId xmlns:a16="http://schemas.microsoft.com/office/drawing/2014/main" id="{910EF240-B033-4D96-8A3A-06D14A052C60}"/>
+              </a:ext>
+            </a:extLst>
+          </p:cNvPr>
+          <p:cNvPicPr>
+            <a:picLocks noChangeAspect="1" noChangeArrowheads="1"/>
+          </p:cNvPicPr>
+          <p:nvPr/>
+        </p:nvPicPr>
+        <p:blipFill>
+          <a:blip r:embed="rId3">
+            <a:extLst>
+              <a:ext uri="{28A0092B-C50C-407E-A947-70E740481C1C}">
+                <a14:useLocalDpi xmlns:a14="http://schemas.microsoft.com/office/drawing/2010/main" val="0"/>
+              </a:ext>
+            </a:extLst>
+          </a:blip>
+          <a:srcRect/>
+          <a:stretch>
+            <a:fillRect/>
+          </a:stretch>
+        </p:blipFill>
+        <p:spPr bwMode="auto">
+          <a:xfrm>
+            <a:off x="710214" y="2668110"/>
+            <a:ext cx="3060576" cy="3060576"/>
+          </a:xfrm>
+          <a:prstGeom prst="rect">
+            <a:avLst/>
+          </a:prstGeom>
+          <a:noFill/>
+          <a:extLst>
+            <a:ext uri="{909E8E84-426E-40DD-AFC4-6F175D3DCCD1}">
+              <a14:hiddenFill xmlns:a14="http://schemas.microsoft.com/office/drawing/2010/main">
+                <a:solidFill>
+                  <a:srgbClr val="FFFFFF"/>
+                </a:solidFill>
+              </a14:hiddenFill>
+            </a:ext>
+          </a:extLst>
+        </p:spPr>
+      </p:pic>
+      <p:pic>
+        <p:nvPicPr>
+          <p:cNvPr id="1030" name="Picture 6" descr="Artificial Intelligence Svg Png Icon Free Download (#535483) -  OnlineWebFonts.COM">
+            <a:extLst>
+              <a:ext uri="{FF2B5EF4-FFF2-40B4-BE49-F238E27FC236}">
+                <a16:creationId xmlns:a16="http://schemas.microsoft.com/office/drawing/2014/main" id="{01C1F0C2-C575-41CF-A820-0AAC98F7C189}"/>
+              </a:ext>
+            </a:extLst>
+          </p:cNvPr>
+          <p:cNvPicPr>
+            <a:picLocks noChangeAspect="1" noChangeArrowheads="1"/>
+          </p:cNvPicPr>
+          <p:nvPr/>
+        </p:nvPicPr>
+        <p:blipFill>
+          <a:blip r:embed="rId4">
+            <a:extLst>
+              <a:ext uri="{28A0092B-C50C-407E-A947-70E740481C1C}">
+                <a14:useLocalDpi xmlns:a14="http://schemas.microsoft.com/office/drawing/2010/main" val="0"/>
+              </a:ext>
+            </a:extLst>
+          </a:blip>
+          <a:srcRect/>
+          <a:stretch>
+            <a:fillRect/>
+          </a:stretch>
+        </p:blipFill>
+        <p:spPr bwMode="auto">
+          <a:xfrm>
+            <a:off x="4838006" y="2907807"/>
+            <a:ext cx="2143125" cy="2143125"/>
+          </a:xfrm>
+          <a:prstGeom prst="rect">
+            <a:avLst/>
+          </a:prstGeom>
+          <a:noFill/>
+          <a:extLst>
+            <a:ext uri="{909E8E84-426E-40DD-AFC4-6F175D3DCCD1}">
+              <a14:hiddenFill xmlns:a14="http://schemas.microsoft.com/office/drawing/2010/main">
+                <a:solidFill>
+                  <a:srgbClr val="FFFFFF"/>
+                </a:solidFill>
+              </a14:hiddenFill>
+            </a:ext>
+          </a:extLst>
+        </p:spPr>
+      </p:pic>
+      <p:sp>
+        <p:nvSpPr>
+          <p:cNvPr id="5" name="TextBox 4">
+            <a:extLst>
+              <a:ext uri="{FF2B5EF4-FFF2-40B4-BE49-F238E27FC236}">
+                <a16:creationId xmlns:a16="http://schemas.microsoft.com/office/drawing/2014/main" id="{E24E96B1-1F9E-4645-9A0A-E8804FC793A4}"/>
+              </a:ext>
+            </a:extLst>
+          </p:cNvPr>
+          <p:cNvSpPr txBox="1"/>
+          <p:nvPr/>
+        </p:nvSpPr>
+        <p:spPr>
+          <a:xfrm>
+            <a:off x="5369548" y="5304946"/>
+            <a:ext cx="1080039" cy="523220"/>
+          </a:xfrm>
+          <a:prstGeom prst="rect">
+            <a:avLst/>
+          </a:prstGeom>
+          <a:noFill/>
+        </p:spPr>
+        <p:txBody>
+          <a:bodyPr wrap="none" rtlCol="0">
+            <a:spAutoFit/>
+          </a:bodyPr>
+          <a:lstStyle/>
+          <a:p>
+            <a:r>
+              <a:rPr lang="en-US" sz="2800" dirty="0"/>
+              <a:t>GPT-3</a:t>
+            </a:r>
+            <a:endParaRPr lang="ru-RU" sz="2800" dirty="0"/>
+          </a:p>
+        </p:txBody>
+      </p:sp>
+      <p:sp>
+        <p:nvSpPr>
+          <p:cNvPr id="10" name="TextBox 9">
+            <a:extLst>
+              <a:ext uri="{FF2B5EF4-FFF2-40B4-BE49-F238E27FC236}">
+                <a16:creationId xmlns:a16="http://schemas.microsoft.com/office/drawing/2014/main" id="{D864AB57-C706-4553-A100-18FDCD111518}"/>
+              </a:ext>
+            </a:extLst>
+          </p:cNvPr>
+          <p:cNvSpPr txBox="1"/>
+          <p:nvPr/>
+        </p:nvSpPr>
+        <p:spPr>
+          <a:xfrm>
+            <a:off x="3892073" y="3563870"/>
+            <a:ext cx="545342" cy="830997"/>
+          </a:xfrm>
+          <a:prstGeom prst="rect">
+            <a:avLst/>
+          </a:prstGeom>
+          <a:noFill/>
+        </p:spPr>
+        <p:txBody>
+          <a:bodyPr wrap="none" rtlCol="0">
+            <a:spAutoFit/>
+          </a:bodyPr>
+          <a:lstStyle/>
+          <a:p>
+            <a:r>
+              <a:rPr lang="en-US" sz="4800" dirty="0"/>
+              <a:t>+</a:t>
+            </a:r>
+            <a:endParaRPr lang="ru-RU" sz="4800" dirty="0"/>
+          </a:p>
+        </p:txBody>
+      </p:sp>
+      <p:sp>
+        <p:nvSpPr>
+          <p:cNvPr id="12" name="TextBox 11">
+            <a:extLst>
+              <a:ext uri="{FF2B5EF4-FFF2-40B4-BE49-F238E27FC236}">
+                <a16:creationId xmlns:a16="http://schemas.microsoft.com/office/drawing/2014/main" id="{262FCE28-3C3B-412C-B984-B6C802A14713}"/>
+              </a:ext>
+            </a:extLst>
+          </p:cNvPr>
+          <p:cNvSpPr txBox="1"/>
+          <p:nvPr/>
+        </p:nvSpPr>
+        <p:spPr>
+          <a:xfrm>
+            <a:off x="7326406" y="3563869"/>
+            <a:ext cx="545342" cy="830997"/>
+          </a:xfrm>
+          <a:prstGeom prst="rect">
+            <a:avLst/>
+          </a:prstGeom>
+          <a:noFill/>
+        </p:spPr>
+        <p:txBody>
+          <a:bodyPr wrap="none" rtlCol="0">
+            <a:spAutoFit/>
+          </a:bodyPr>
+          <a:lstStyle/>
+          <a:p>
+            <a:r>
+              <a:rPr lang="en-US" sz="4800" dirty="0"/>
+              <a:t>=</a:t>
+            </a:r>
+            <a:endParaRPr lang="ru-RU" sz="4800" dirty="0"/>
+          </a:p>
+        </p:txBody>
+      </p:sp>
+    </p:spTree>
+    <p:extLst>
+      <p:ext uri="{BB962C8B-B14F-4D97-AF65-F5344CB8AC3E}">
+        <p14:creationId xmlns:p14="http://schemas.microsoft.com/office/powerpoint/2010/main" val="2837816414"/>
+      </p:ext>
+    </p:extLst>
+  </p:cSld>
+  <p:clrMapOvr>
+    <a:masterClrMapping/>
+  </p:clrMapOvr>
+</p:sld>
+</file>
+
+<file path=ppt/slides/slide15.xml><?xml version="1.0" encoding="utf-8"?>
+<p:sld xmlns:a="http://schemas.openxmlformats.org/drawingml/2006/main" xmlns:r="http://schemas.openxmlformats.org/officeDocument/2006/relationships" xmlns:p="http://schemas.openxmlformats.org/presentationml/2006/main">
+  <p:cSld>
+    <p:spTree>
+      <p:nvGrpSpPr>
+        <p:cNvPr id="1" name=""/>
+        <p:cNvGrpSpPr/>
+        <p:nvPr/>
+      </p:nvGrpSpPr>
+      <p:grpSpPr>
+        <a:xfrm>
+          <a:off x="0" y="0"/>
+          <a:ext cx="0" cy="0"/>
+          <a:chOff x="0" y="0"/>
+          <a:chExt cx="0" cy="0"/>
+        </a:xfrm>
+      </p:grpSpPr>
+      <p:sp>
+        <p:nvSpPr>
+          <p:cNvPr id="2" name="Заголовок 1">
+            <a:extLst>
+              <a:ext uri="{FF2B5EF4-FFF2-40B4-BE49-F238E27FC236}">
+                <a16:creationId xmlns:a16="http://schemas.microsoft.com/office/drawing/2014/main" id="{5E562972-3449-42D1-8185-B4BEFD52AB44}"/>
+              </a:ext>
+            </a:extLst>
+          </p:cNvPr>
+          <p:cNvSpPr>
+            <a:spLocks noGrp="1"/>
+          </p:cNvSpPr>
+          <p:nvPr>
+            <p:ph type="title"/>
+          </p:nvPr>
+        </p:nvSpPr>
+        <p:spPr/>
+        <p:txBody>
+          <a:bodyPr rtlCol="0"/>
+          <a:lstStyle/>
+          <a:p>
+            <a:pPr rtl="0"/>
+            <a:r>
+              <a:rPr lang="en-US" dirty="0"/>
+              <a:t>Multiple connections</a:t>
+            </a:r>
+            <a:endParaRPr lang="ru" dirty="0"/>
+          </a:p>
+        </p:txBody>
+      </p:sp>
+      <p:pic>
+        <p:nvPicPr>
+          <p:cNvPr id="6152" name="Picture 8" descr="AI - Free computer icons">
+            <a:extLst>
+              <a:ext uri="{FF2B5EF4-FFF2-40B4-BE49-F238E27FC236}">
+                <a16:creationId xmlns:a16="http://schemas.microsoft.com/office/drawing/2014/main" id="{0FC55A28-0559-47AD-9368-02DFC06D8759}"/>
+              </a:ext>
+            </a:extLst>
+          </p:cNvPr>
+          <p:cNvPicPr>
+            <a:picLocks noChangeAspect="1" noChangeArrowheads="1"/>
+          </p:cNvPicPr>
+          <p:nvPr/>
+        </p:nvPicPr>
+        <p:blipFill>
+          <a:blip r:embed="rId2">
+            <a:extLst>
+              <a:ext uri="{28A0092B-C50C-407E-A947-70E740481C1C}">
+                <a14:useLocalDpi xmlns:a14="http://schemas.microsoft.com/office/drawing/2010/main" val="0"/>
+              </a:ext>
+            </a:extLst>
+          </a:blip>
+          <a:srcRect/>
+          <a:stretch>
+            <a:fillRect/>
+          </a:stretch>
+        </p:blipFill>
+        <p:spPr bwMode="auto">
+          <a:xfrm>
+            <a:off x="4481558" y="2739394"/>
+            <a:ext cx="2358871" cy="2358871"/>
+          </a:xfrm>
+          <a:prstGeom prst="rect">
+            <a:avLst/>
+          </a:prstGeom>
+          <a:noFill/>
+          <a:extLst>
+            <a:ext uri="{909E8E84-426E-40DD-AFC4-6F175D3DCCD1}">
+              <a14:hiddenFill xmlns:a14="http://schemas.microsoft.com/office/drawing/2010/main">
+                <a:solidFill>
+                  <a:srgbClr val="FFFFFF"/>
+                </a:solidFill>
+              </a14:hiddenFill>
+            </a:ext>
+          </a:extLst>
+        </p:spPr>
+      </p:pic>
+      <p:pic>
+        <p:nvPicPr>
+          <p:cNvPr id="7174" name="Picture 6" descr="Smartphone - Free technology icons">
+            <a:extLst>
+              <a:ext uri="{FF2B5EF4-FFF2-40B4-BE49-F238E27FC236}">
+                <a16:creationId xmlns:a16="http://schemas.microsoft.com/office/drawing/2014/main" id="{5FB4FBFF-973E-40DB-917B-F92D70113CED}"/>
+              </a:ext>
+            </a:extLst>
+          </p:cNvPr>
+          <p:cNvPicPr>
+            <a:picLocks noChangeAspect="1" noChangeArrowheads="1"/>
+          </p:cNvPicPr>
+          <p:nvPr/>
+        </p:nvPicPr>
+        <p:blipFill>
+          <a:blip r:embed="rId3">
+            <a:extLst>
+              <a:ext uri="{28A0092B-C50C-407E-A947-70E740481C1C}">
+                <a14:useLocalDpi xmlns:a14="http://schemas.microsoft.com/office/drawing/2010/main" val="0"/>
+              </a:ext>
+            </a:extLst>
+          </a:blip>
+          <a:srcRect/>
+          <a:stretch>
+            <a:fillRect/>
+          </a:stretch>
+        </p:blipFill>
+        <p:spPr bwMode="auto">
+          <a:xfrm>
+            <a:off x="802900" y="2240951"/>
+            <a:ext cx="3195232" cy="3195232"/>
+          </a:xfrm>
+          <a:prstGeom prst="rect">
+            <a:avLst/>
+          </a:prstGeom>
+          <a:noFill/>
+          <a:extLst>
+            <a:ext uri="{909E8E84-426E-40DD-AFC4-6F175D3DCCD1}">
+              <a14:hiddenFill xmlns:a14="http://schemas.microsoft.com/office/drawing/2010/main">
+                <a:solidFill>
+                  <a:srgbClr val="FFFFFF"/>
+                </a:solidFill>
+              </a14:hiddenFill>
+            </a:ext>
+          </a:extLst>
+        </p:spPr>
+      </p:pic>
+      <p:pic>
+        <p:nvPicPr>
+          <p:cNvPr id="7176" name="Picture 8" descr="Website - Free computer icons">
+            <a:extLst>
+              <a:ext uri="{FF2B5EF4-FFF2-40B4-BE49-F238E27FC236}">
+                <a16:creationId xmlns:a16="http://schemas.microsoft.com/office/drawing/2014/main" id="{05088306-C724-40B6-97BC-7CEEF3F78D5A}"/>
+              </a:ext>
+            </a:extLst>
+          </p:cNvPr>
+          <p:cNvPicPr>
+            <a:picLocks noChangeAspect="1" noChangeArrowheads="1"/>
+          </p:cNvPicPr>
+          <p:nvPr/>
+        </p:nvPicPr>
+        <p:blipFill>
+          <a:blip r:embed="rId4">
+            <a:extLst>
+              <a:ext uri="{28A0092B-C50C-407E-A947-70E740481C1C}">
+                <a14:useLocalDpi xmlns:a14="http://schemas.microsoft.com/office/drawing/2010/main" val="0"/>
+              </a:ext>
+            </a:extLst>
+          </a:blip>
+          <a:srcRect/>
+          <a:stretch>
+            <a:fillRect/>
+          </a:stretch>
+        </p:blipFill>
+        <p:spPr bwMode="auto">
+          <a:xfrm>
+            <a:off x="8167456" y="2240951"/>
+            <a:ext cx="3355759" cy="3355759"/>
+          </a:xfrm>
+          <a:prstGeom prst="rect">
+            <a:avLst/>
+          </a:prstGeom>
+          <a:noFill/>
+          <a:extLst>
+            <a:ext uri="{909E8E84-426E-40DD-AFC4-6F175D3DCCD1}">
+              <a14:hiddenFill xmlns:a14="http://schemas.microsoft.com/office/drawing/2010/main">
+                <a:solidFill>
+                  <a:srgbClr val="FFFFFF"/>
+                </a:solidFill>
+              </a14:hiddenFill>
+            </a:ext>
+          </a:extLst>
+        </p:spPr>
+      </p:pic>
+      <p:sp>
+        <p:nvSpPr>
+          <p:cNvPr id="10" name="Стрелка: влево-вправо 9">
+            <a:extLst>
+              <a:ext uri="{FF2B5EF4-FFF2-40B4-BE49-F238E27FC236}">
+                <a16:creationId xmlns:a16="http://schemas.microsoft.com/office/drawing/2014/main" id="{170596DA-9540-47E2-A809-EA9D89718EC8}"/>
+              </a:ext>
+            </a:extLst>
+          </p:cNvPr>
+          <p:cNvSpPr/>
+          <p:nvPr/>
+        </p:nvSpPr>
+        <p:spPr>
+          <a:xfrm>
+            <a:off x="7073091" y="3563359"/>
+            <a:ext cx="690616" cy="275208"/>
+          </a:xfrm>
+          <a:prstGeom prst="leftRightArrow">
+            <a:avLst/>
+          </a:prstGeom>
+        </p:spPr>
+        <p:style>
+          <a:lnRef idx="2">
+            <a:schemeClr val="accent1">
+              <a:shade val="50000"/>
+            </a:schemeClr>
+          </a:lnRef>
+          <a:fillRef idx="1">
+            <a:schemeClr val="accent1"/>
+          </a:fillRef>
+          <a:effectRef idx="0">
+            <a:schemeClr val="accent1"/>
+          </a:effectRef>
+          <a:fontRef idx="minor">
+            <a:schemeClr val="lt1"/>
+          </a:fontRef>
+        </p:style>
+        <p:txBody>
+          <a:bodyPr rtlCol="0" anchor="ctr"/>
+          <a:lstStyle/>
+          <a:p>
+            <a:pPr algn="ctr"/>
+            <a:endParaRPr lang="ru-RU"/>
+          </a:p>
+        </p:txBody>
+      </p:sp>
+      <p:sp>
+        <p:nvSpPr>
+          <p:cNvPr id="11" name="Стрелка: влево-вправо 10">
+            <a:extLst>
+              <a:ext uri="{FF2B5EF4-FFF2-40B4-BE49-F238E27FC236}">
+                <a16:creationId xmlns:a16="http://schemas.microsoft.com/office/drawing/2014/main" id="{CFD22FCA-390E-4B61-A91F-772AC2E2CD70}"/>
+              </a:ext>
+            </a:extLst>
+          </p:cNvPr>
+          <p:cNvSpPr/>
+          <p:nvPr/>
+        </p:nvSpPr>
+        <p:spPr>
+          <a:xfrm>
+            <a:off x="3589068" y="3549017"/>
+            <a:ext cx="690616" cy="275208"/>
+          </a:xfrm>
+          <a:prstGeom prst="leftRightArrow">
+            <a:avLst/>
+          </a:prstGeom>
+        </p:spPr>
+        <p:style>
+          <a:lnRef idx="2">
+            <a:schemeClr val="accent1">
+              <a:shade val="50000"/>
+            </a:schemeClr>
+          </a:lnRef>
+          <a:fillRef idx="1">
+            <a:schemeClr val="accent1"/>
+          </a:fillRef>
+          <a:effectRef idx="0">
+            <a:schemeClr val="accent1"/>
+          </a:effectRef>
+          <a:fontRef idx="minor">
+            <a:schemeClr val="lt1"/>
+          </a:fontRef>
+        </p:style>
+        <p:txBody>
+          <a:bodyPr rtlCol="0" anchor="ctr"/>
+          <a:lstStyle/>
+          <a:p>
+            <a:pPr algn="ctr"/>
+            <a:endParaRPr lang="ru-RU"/>
+          </a:p>
+        </p:txBody>
+      </p:sp>
+    </p:spTree>
+    <p:extLst>
+      <p:ext uri="{BB962C8B-B14F-4D97-AF65-F5344CB8AC3E}">
+        <p14:creationId xmlns:p14="http://schemas.microsoft.com/office/powerpoint/2010/main" val="2665666378"/>
+      </p:ext>
+    </p:extLst>
+  </p:cSld>
+  <p:clrMapOvr>
+    <a:masterClrMapping/>
+  </p:clrMapOvr>
+</p:sld>
+</file>
+
+<file path=ppt/slides/slide16.xml><?xml version="1.0" encoding="utf-8"?>
+<p:sld xmlns:a="http://schemas.openxmlformats.org/drawingml/2006/main" xmlns:r="http://schemas.openxmlformats.org/officeDocument/2006/relationships" xmlns:p="http://schemas.openxmlformats.org/presentationml/2006/main">
+  <p:cSld>
+    <p:spTree>
+      <p:nvGrpSpPr>
+        <p:cNvPr id="1" name=""/>
+        <p:cNvGrpSpPr/>
+        <p:nvPr/>
+      </p:nvGrpSpPr>
+      <p:grpSpPr>
+        <a:xfrm>
+          <a:off x="0" y="0"/>
+          <a:ext cx="0" cy="0"/>
+          <a:chOff x="0" y="0"/>
+          <a:chExt cx="0" cy="0"/>
+        </a:xfrm>
+      </p:grpSpPr>
+      <p:sp>
+        <p:nvSpPr>
+          <p:cNvPr id="2" name="Заголовок 1">
+            <a:extLst>
+              <a:ext uri="{FF2B5EF4-FFF2-40B4-BE49-F238E27FC236}">
+                <a16:creationId xmlns:a16="http://schemas.microsoft.com/office/drawing/2014/main" id="{5E562972-3449-42D1-8185-B4BEFD52AB44}"/>
+              </a:ext>
+            </a:extLst>
+          </p:cNvPr>
+          <p:cNvSpPr>
+            <a:spLocks noGrp="1"/>
+          </p:cNvSpPr>
+          <p:nvPr>
+            <p:ph type="title"/>
+          </p:nvPr>
+        </p:nvSpPr>
+        <p:spPr/>
+        <p:txBody>
+          <a:bodyPr rtlCol="0"/>
+          <a:lstStyle/>
+          <a:p>
+            <a:pPr rtl="0"/>
+            <a:r>
+              <a:rPr lang="en-US" dirty="0"/>
               <a:t>Possible users</a:t>
             </a:r>
             <a:endParaRPr lang="ru" dirty="0"/>
@@ -6100,7 +6752,7 @@
 </p:sld>
 </file>
 
-<file path=ppt/slides/slide15.xml><?xml version="1.0" encoding="utf-8"?>
+<file path=ppt/slides/slide17.xml><?xml version="1.0" encoding="utf-8"?>
 <p:sld xmlns:a="http://schemas.openxmlformats.org/drawingml/2006/main" xmlns:r="http://schemas.openxmlformats.org/officeDocument/2006/relationships" xmlns:p="http://schemas.openxmlformats.org/presentationml/2006/main">
   <p:cSld>
     <p:spTree>
@@ -6642,6 +7294,207 @@
       </p:pic>
       <p:pic>
         <p:nvPicPr>
+          <p:cNvPr id="3" name="Picture 2" descr="Фронтальная силуэт человека, стоявшего | Бесплатно значок">
+            <a:extLst>
+              <a:ext uri="{FF2B5EF4-FFF2-40B4-BE49-F238E27FC236}">
+                <a16:creationId xmlns:a16="http://schemas.microsoft.com/office/drawing/2014/main" id="{D72249B6-FDD8-4C61-923B-3DF6E60C5032}"/>
+              </a:ext>
+            </a:extLst>
+          </p:cNvPr>
+          <p:cNvPicPr>
+            <a:picLocks noChangeAspect="1" noChangeArrowheads="1"/>
+          </p:cNvPicPr>
+          <p:nvPr/>
+        </p:nvPicPr>
+        <p:blipFill>
+          <a:blip r:embed="rId3">
+            <a:extLst>
+              <a:ext uri="{28A0092B-C50C-407E-A947-70E740481C1C}">
+                <a14:useLocalDpi xmlns:a14="http://schemas.microsoft.com/office/drawing/2010/main" val="0"/>
+              </a:ext>
+            </a:extLst>
+          </a:blip>
+          <a:srcRect/>
+          <a:stretch>
+            <a:fillRect/>
+          </a:stretch>
+        </p:blipFill>
+        <p:spPr bwMode="auto">
+          <a:xfrm>
+            <a:off x="1988598" y="2678274"/>
+            <a:ext cx="3381652" cy="3381652"/>
+          </a:xfrm>
+          <a:prstGeom prst="rect">
+            <a:avLst/>
+          </a:prstGeom>
+          <a:noFill/>
+          <a:extLst>
+            <a:ext uri="{909E8E84-426E-40DD-AFC4-6F175D3DCCD1}">
+              <a14:hiddenFill xmlns:a14="http://schemas.microsoft.com/office/drawing/2010/main">
+                <a:solidFill>
+                  <a:srgbClr val="FFFFFF"/>
+                </a:solidFill>
+              </a14:hiddenFill>
+            </a:ext>
+          </a:extLst>
+        </p:spPr>
+      </p:pic>
+      <p:pic>
+        <p:nvPicPr>
+          <p:cNvPr id="4" name="Picture 4" descr="Скачать иконку Песочные часы — бесплатные иконки для сайта png и svg —  Active-Vision">
+            <a:extLst>
+              <a:ext uri="{FF2B5EF4-FFF2-40B4-BE49-F238E27FC236}">
+                <a16:creationId xmlns:a16="http://schemas.microsoft.com/office/drawing/2014/main" id="{54DB7381-4C29-47AA-9778-DE5C4AA56CEE}"/>
+              </a:ext>
+            </a:extLst>
+          </p:cNvPr>
+          <p:cNvPicPr>
+            <a:picLocks noChangeAspect="1" noChangeArrowheads="1"/>
+          </p:cNvPicPr>
+          <p:nvPr/>
+        </p:nvPicPr>
+        <p:blipFill>
+          <a:blip r:embed="rId4">
+            <a:extLst>
+              <a:ext uri="{28A0092B-C50C-407E-A947-70E740481C1C}">
+                <a14:useLocalDpi xmlns:a14="http://schemas.microsoft.com/office/drawing/2010/main" val="0"/>
+              </a:ext>
+            </a:extLst>
+          </a:blip>
+          <a:srcRect/>
+          <a:stretch>
+            <a:fillRect/>
+          </a:stretch>
+        </p:blipFill>
+        <p:spPr bwMode="auto">
+          <a:xfrm>
+            <a:off x="1060880" y="3441383"/>
+            <a:ext cx="1855434" cy="1855434"/>
+          </a:xfrm>
+          <a:prstGeom prst="rect">
+            <a:avLst/>
+          </a:prstGeom>
+          <a:noFill/>
+          <a:extLst>
+            <a:ext uri="{909E8E84-426E-40DD-AFC4-6F175D3DCCD1}">
+              <a14:hiddenFill xmlns:a14="http://schemas.microsoft.com/office/drawing/2010/main">
+                <a:solidFill>
+                  <a:srgbClr val="FFFFFF"/>
+                </a:solidFill>
+              </a14:hiddenFill>
+            </a:ext>
+          </a:extLst>
+        </p:spPr>
+      </p:pic>
+    </p:spTree>
+    <p:extLst>
+      <p:ext uri="{BB962C8B-B14F-4D97-AF65-F5344CB8AC3E}">
+        <p14:creationId xmlns:p14="http://schemas.microsoft.com/office/powerpoint/2010/main" val="3101125228"/>
+      </p:ext>
+    </p:extLst>
+  </p:cSld>
+  <p:clrMapOvr>
+    <a:masterClrMapping/>
+  </p:clrMapOvr>
+</p:sld>
+</file>
+
+<file path=ppt/slides/slide5.xml><?xml version="1.0" encoding="utf-8"?>
+<p:sld xmlns:a="http://schemas.openxmlformats.org/drawingml/2006/main" xmlns:r="http://schemas.openxmlformats.org/officeDocument/2006/relationships" xmlns:p="http://schemas.openxmlformats.org/presentationml/2006/main">
+  <p:cSld>
+    <p:spTree>
+      <p:nvGrpSpPr>
+        <p:cNvPr id="1" name=""/>
+        <p:cNvGrpSpPr/>
+        <p:nvPr/>
+      </p:nvGrpSpPr>
+      <p:grpSpPr>
+        <a:xfrm>
+          <a:off x="0" y="0"/>
+          <a:ext cx="0" cy="0"/>
+          <a:chOff x="0" y="0"/>
+          <a:chExt cx="0" cy="0"/>
+        </a:xfrm>
+      </p:grpSpPr>
+      <p:sp>
+        <p:nvSpPr>
+          <p:cNvPr id="2" name="Заголовок 1">
+            <a:extLst>
+              <a:ext uri="{FF2B5EF4-FFF2-40B4-BE49-F238E27FC236}">
+                <a16:creationId xmlns:a16="http://schemas.microsoft.com/office/drawing/2014/main" id="{5E562972-3449-42D1-8185-B4BEFD52AB44}"/>
+              </a:ext>
+            </a:extLst>
+          </p:cNvPr>
+          <p:cNvSpPr>
+            <a:spLocks noGrp="1"/>
+          </p:cNvSpPr>
+          <p:nvPr>
+            <p:ph type="title"/>
+          </p:nvPr>
+        </p:nvSpPr>
+        <p:spPr/>
+        <p:txBody>
+          <a:bodyPr rtlCol="0"/>
+          <a:lstStyle/>
+          <a:p>
+            <a:pPr rtl="0"/>
+            <a:r>
+              <a:rPr lang="en-US" dirty="0"/>
+              <a:t>Imagine situation</a:t>
+            </a:r>
+            <a:endParaRPr lang="ru" dirty="0"/>
+          </a:p>
+        </p:txBody>
+      </p:sp>
+      <p:pic>
+        <p:nvPicPr>
+          <p:cNvPr id="1026" name="Picture 2" descr="Банковские карты для частных лиц - СКБ-банк">
+            <a:extLst>
+              <a:ext uri="{FF2B5EF4-FFF2-40B4-BE49-F238E27FC236}">
+                <a16:creationId xmlns:a16="http://schemas.microsoft.com/office/drawing/2014/main" id="{2CBD8131-46F3-49CD-B477-04323AED129A}"/>
+              </a:ext>
+            </a:extLst>
+          </p:cNvPr>
+          <p:cNvPicPr>
+            <a:picLocks noChangeAspect="1" noChangeArrowheads="1"/>
+          </p:cNvPicPr>
+          <p:nvPr/>
+        </p:nvPicPr>
+        <p:blipFill>
+          <a:blip r:embed="rId2">
+            <a:extLst>
+              <a:ext uri="{28A0092B-C50C-407E-A947-70E740481C1C}">
+                <a14:useLocalDpi xmlns:a14="http://schemas.microsoft.com/office/drawing/2010/main" val="0"/>
+              </a:ext>
+            </a:extLst>
+          </a:blip>
+          <a:srcRect/>
+          <a:stretch>
+            <a:fillRect/>
+          </a:stretch>
+        </p:blipFill>
+        <p:spPr bwMode="auto">
+          <a:xfrm>
+            <a:off x="1173922" y="2447454"/>
+            <a:ext cx="1629351" cy="1026657"/>
+          </a:xfrm>
+          <a:prstGeom prst="rect">
+            <a:avLst/>
+          </a:prstGeom>
+          <a:noFill/>
+          <a:extLst>
+            <a:ext uri="{909E8E84-426E-40DD-AFC4-6F175D3DCCD1}">
+              <a14:hiddenFill xmlns:a14="http://schemas.microsoft.com/office/drawing/2010/main">
+                <a:solidFill>
+                  <a:srgbClr val="FFFFFF"/>
+                </a:solidFill>
+              </a14:hiddenFill>
+            </a:ext>
+          </a:extLst>
+        </p:spPr>
+      </p:pic>
+      <p:pic>
+        <p:nvPicPr>
           <p:cNvPr id="1028" name="Picture 4" descr="Скачать иконку Песочные часы — бесплатные иконки для сайта png и svg —  Active-Vision">
             <a:extLst>
               <a:ext uri="{FF2B5EF4-FFF2-40B4-BE49-F238E27FC236}">
@@ -6840,7 +7693,7 @@
 </p:sld>
 </file>
 
-<file path=ppt/slides/slide5.xml><?xml version="1.0" encoding="utf-8"?>
+<file path=ppt/slides/slide6.xml><?xml version="1.0" encoding="utf-8"?>
 <p:sld xmlns:a="http://schemas.openxmlformats.org/drawingml/2006/main" xmlns:r="http://schemas.openxmlformats.org/officeDocument/2006/relationships" xmlns:p="http://schemas.openxmlformats.org/presentationml/2006/main">
   <p:cSld>
     <p:spTree>
@@ -7260,7 +8113,7 @@
 </p:sld>
 </file>
 
-<file path=ppt/slides/slide6.xml><?xml version="1.0" encoding="utf-8"?>
+<file path=ppt/slides/slide7.xml><?xml version="1.0" encoding="utf-8"?>
 <p:sld xmlns:a="http://schemas.openxmlformats.org/drawingml/2006/main" xmlns:r="http://schemas.openxmlformats.org/officeDocument/2006/relationships" xmlns:p="http://schemas.openxmlformats.org/presentationml/2006/main">
   <p:cSld>
     <p:spTree>
@@ -7414,7 +8267,7 @@
 </p:sld>
 </file>
 
-<file path=ppt/slides/slide7.xml><?xml version="1.0" encoding="utf-8"?>
+<file path=ppt/slides/slide8.xml><?xml version="1.0" encoding="utf-8"?>
 <p:sld xmlns:a="http://schemas.openxmlformats.org/drawingml/2006/main" xmlns:r="http://schemas.openxmlformats.org/officeDocument/2006/relationships" xmlns:p="http://schemas.openxmlformats.org/presentationml/2006/main">
   <p:cSld>
     <p:spTree>
@@ -7729,95 +8582,6 @@
 </p:sld>
 </file>
 
-<file path=ppt/slides/slide8.xml><?xml version="1.0" encoding="utf-8"?>
-<p:sld xmlns:a="http://schemas.openxmlformats.org/drawingml/2006/main" xmlns:r="http://schemas.openxmlformats.org/officeDocument/2006/relationships" xmlns:p="http://schemas.openxmlformats.org/presentationml/2006/main">
-  <p:cSld>
-    <p:spTree>
-      <p:nvGrpSpPr>
-        <p:cNvPr id="1" name=""/>
-        <p:cNvGrpSpPr/>
-        <p:nvPr/>
-      </p:nvGrpSpPr>
-      <p:grpSpPr>
-        <a:xfrm>
-          <a:off x="0" y="0"/>
-          <a:ext cx="0" cy="0"/>
-          <a:chOff x="0" y="0"/>
-          <a:chExt cx="0" cy="0"/>
-        </a:xfrm>
-      </p:grpSpPr>
-      <p:sp>
-        <p:nvSpPr>
-          <p:cNvPr id="2" name="Заголовок 1">
-            <a:extLst>
-              <a:ext uri="{FF2B5EF4-FFF2-40B4-BE49-F238E27FC236}">
-                <a16:creationId xmlns:a16="http://schemas.microsoft.com/office/drawing/2014/main" id="{5E562972-3449-42D1-8185-B4BEFD52AB44}"/>
-              </a:ext>
-            </a:extLst>
-          </p:cNvPr>
-          <p:cNvSpPr>
-            <a:spLocks noGrp="1"/>
-          </p:cNvSpPr>
-          <p:nvPr>
-            <p:ph type="title"/>
-          </p:nvPr>
-        </p:nvSpPr>
-        <p:spPr/>
-        <p:txBody>
-          <a:bodyPr rtlCol="0"/>
-          <a:lstStyle/>
-          <a:p>
-            <a:pPr rtl="0"/>
-            <a:r>
-              <a:rPr lang="en-US" dirty="0"/>
-              <a:t>Neat questions</a:t>
-            </a:r>
-            <a:endParaRPr lang="ru" dirty="0"/>
-          </a:p>
-        </p:txBody>
-      </p:sp>
-      <p:pic>
-        <p:nvPicPr>
-          <p:cNvPr id="7" name="Рисунок 6">
-            <a:extLst>
-              <a:ext uri="{FF2B5EF4-FFF2-40B4-BE49-F238E27FC236}">
-                <a16:creationId xmlns:a16="http://schemas.microsoft.com/office/drawing/2014/main" id="{9E278F42-182D-4AEA-89B9-8D0297699320}"/>
-              </a:ext>
-            </a:extLst>
-          </p:cNvPr>
-          <p:cNvPicPr>
-            <a:picLocks noChangeAspect="1"/>
-          </p:cNvPicPr>
-          <p:nvPr/>
-        </p:nvPicPr>
-        <p:blipFill rotWithShape="1">
-          <a:blip r:embed="rId2"/>
-          <a:srcRect t="5026" b="6026"/>
-          <a:stretch/>
-        </p:blipFill>
-        <p:spPr>
-          <a:xfrm>
-            <a:off x="1181916" y="1890876"/>
-            <a:ext cx="9526329" cy="4651967"/>
-          </a:xfrm>
-          <a:prstGeom prst="rect">
-            <a:avLst/>
-          </a:prstGeom>
-        </p:spPr>
-      </p:pic>
-    </p:spTree>
-    <p:extLst>
-      <p:ext uri="{BB962C8B-B14F-4D97-AF65-F5344CB8AC3E}">
-        <p14:creationId xmlns:p14="http://schemas.microsoft.com/office/powerpoint/2010/main" val="3637188714"/>
-      </p:ext>
-    </p:extLst>
-  </p:cSld>
-  <p:clrMapOvr>
-    <a:masterClrMapping/>
-  </p:clrMapOvr>
-</p:sld>
-</file>
-
 <file path=ppt/slides/slide9.xml><?xml version="1.0" encoding="utf-8"?>
 <p:sld xmlns:a="http://schemas.openxmlformats.org/drawingml/2006/main" xmlns:r="http://schemas.openxmlformats.org/officeDocument/2006/relationships" xmlns:p="http://schemas.openxmlformats.org/presentationml/2006/main">
   <p:cSld>
@@ -7840,7 +8604,7 @@
           <p:cNvPr id="2" name="Заголовок 1">
             <a:extLst>
               <a:ext uri="{FF2B5EF4-FFF2-40B4-BE49-F238E27FC236}">
-                <a16:creationId xmlns:a16="http://schemas.microsoft.com/office/drawing/2014/main" id="{6C84764E-F14D-462D-BF7A-64E490659EF8}"/>
+                <a16:creationId xmlns:a16="http://schemas.microsoft.com/office/drawing/2014/main" id="{5E562972-3449-42D1-8185-B4BEFD52AB44}"/>
               </a:ext>
             </a:extLst>
           </p:cNvPr>
@@ -7853,125 +8617,51 @@
         </p:nvSpPr>
         <p:spPr/>
         <p:txBody>
-          <a:bodyPr/>
+          <a:bodyPr rtlCol="0"/>
           <a:lstStyle/>
           <a:p>
+            <a:pPr rtl="0"/>
             <a:r>
               <a:rPr lang="en-US" dirty="0"/>
-              <a:t>Questions People ask</a:t>
-            </a:r>
-            <a:endParaRPr lang="ru-RU" dirty="0"/>
-          </a:p>
-        </p:txBody>
-      </p:sp>
-      <p:sp>
-        <p:nvSpPr>
-          <p:cNvPr id="3" name="Объект 2">
+              <a:t>what would you feel</a:t>
+            </a:r>
+            <a:endParaRPr lang="ru" dirty="0"/>
+          </a:p>
+        </p:txBody>
+      </p:sp>
+      <p:pic>
+        <p:nvPicPr>
+          <p:cNvPr id="7" name="Рисунок 6">
             <a:extLst>
               <a:ext uri="{FF2B5EF4-FFF2-40B4-BE49-F238E27FC236}">
-                <a16:creationId xmlns:a16="http://schemas.microsoft.com/office/drawing/2014/main" id="{614C836C-69B4-463F-955F-7F513356AF38}"/>
+                <a16:creationId xmlns:a16="http://schemas.microsoft.com/office/drawing/2014/main" id="{9E278F42-182D-4AEA-89B9-8D0297699320}"/>
               </a:ext>
             </a:extLst>
           </p:cNvPr>
-          <p:cNvSpPr>
-            <a:spLocks noGrp="1"/>
-          </p:cNvSpPr>
-          <p:nvPr>
-            <p:ph idx="1"/>
-          </p:nvPr>
-        </p:nvSpPr>
+          <p:cNvPicPr>
+            <a:picLocks noChangeAspect="1"/>
+          </p:cNvPicPr>
+          <p:nvPr/>
+        </p:nvPicPr>
+        <p:blipFill rotWithShape="1">
+          <a:blip r:embed="rId2"/>
+          <a:srcRect t="5026" b="6026"/>
+          <a:stretch/>
+        </p:blipFill>
         <p:spPr>
           <a:xfrm>
-            <a:off x="581193" y="2115513"/>
-            <a:ext cx="11029615" cy="2626973"/>
-          </a:xfrm>
-        </p:spPr>
-        <p:txBody>
-          <a:bodyPr>
-            <a:normAutofit lnSpcReduction="10000"/>
-          </a:bodyPr>
-          <a:lstStyle/>
-          <a:p>
-            <a:r>
-              <a:rPr lang="en-US" sz="2400" dirty="0"/>
-              <a:t>“What can I do with old CD/DVD according to the law?”</a:t>
-            </a:r>
-          </a:p>
-          <a:p>
-            <a:r>
-              <a:rPr lang="en-US" sz="2400" dirty="0"/>
-              <a:t>“Am I denigrate the university if I’m telling my opinion?”</a:t>
-            </a:r>
-          </a:p>
-          <a:p>
-            <a:r>
-              <a:rPr lang="en-US" sz="2400" dirty="0"/>
-              <a:t>“Can I take a duck home from park?”</a:t>
-            </a:r>
-          </a:p>
-          <a:p>
-            <a:r>
-              <a:rPr lang="en-US" sz="2400" dirty="0"/>
-              <a:t>“Can I restrict my son from using the phone? Isn’t it his</a:t>
-            </a:r>
-            <a:r>
-              <a:rPr lang="ru-RU" sz="2400" dirty="0"/>
-              <a:t> </a:t>
-            </a:r>
-            <a:r>
-              <a:rPr lang="en-US" sz="2400" dirty="0"/>
-              <a:t>property?”</a:t>
-            </a:r>
-          </a:p>
-          <a:p>
-            <a:r>
-              <a:rPr lang="en-US" sz="2400" dirty="0"/>
-              <a:t>“Can I invite someone home if my co-owner doesn’t want it?”</a:t>
-            </a:r>
-            <a:endParaRPr lang="ru-RU" sz="2400" dirty="0"/>
-          </a:p>
-        </p:txBody>
-      </p:sp>
-      <p:sp>
-        <p:nvSpPr>
-          <p:cNvPr id="5" name="TextBox 4">
-            <a:extLst>
-              <a:ext uri="{FF2B5EF4-FFF2-40B4-BE49-F238E27FC236}">
-                <a16:creationId xmlns:a16="http://schemas.microsoft.com/office/drawing/2014/main" id="{B4268ADA-9498-405B-B3ED-FF5720A60C2A}"/>
-              </a:ext>
-            </a:extLst>
-          </p:cNvPr>
-          <p:cNvSpPr txBox="1"/>
-          <p:nvPr/>
-        </p:nvSpPr>
-        <p:spPr>
-          <a:xfrm>
-            <a:off x="5015883" y="4742486"/>
-            <a:ext cx="1162975" cy="1015663"/>
+            <a:off x="1181916" y="1890876"/>
+            <a:ext cx="9526329" cy="4651967"/>
           </a:xfrm>
           <a:prstGeom prst="rect">
             <a:avLst/>
           </a:prstGeom>
-          <a:noFill/>
-        </p:spPr>
-        <p:txBody>
-          <a:bodyPr wrap="square" rtlCol="0">
-            <a:spAutoFit/>
-          </a:bodyPr>
-          <a:lstStyle/>
-          <a:p>
-            <a:r>
-              <a:rPr lang="en-US" sz="6000" dirty="0"/>
-              <a:t>. . .</a:t>
-            </a:r>
-            <a:endParaRPr lang="ru-RU" sz="6000" dirty="0"/>
-          </a:p>
-        </p:txBody>
-      </p:sp>
+        </p:spPr>
+      </p:pic>
     </p:spTree>
     <p:extLst>
       <p:ext uri="{BB962C8B-B14F-4D97-AF65-F5344CB8AC3E}">
-        <p14:creationId xmlns:p14="http://schemas.microsoft.com/office/powerpoint/2010/main" val="1279626261"/>
+        <p14:creationId xmlns:p14="http://schemas.microsoft.com/office/powerpoint/2010/main" val="3637188714"/>
       </p:ext>
     </p:extLst>
   </p:cSld>
